--- a/Nhóm 3.pptx
+++ b/Nhóm 3.pptx
@@ -119,6 +119,22 @@
     </a:lvl9pPr>
     <a:extLst/>
   </p:defaultTextStyle>
+  <p:extLst>
+    <p:ext uri="{EFAFB233-063F-42B5-8137-9DF3F51BA10A}">
+      <p15:sldGuideLst xmlns:p15="http://schemas.microsoft.com/office/powerpoint/2012/main">
+        <p15:guide id="1" orient="horz" pos="2160">
+          <p15:clr>
+            <a:srgbClr val="A4A3A4"/>
+          </p15:clr>
+        </p15:guide>
+        <p15:guide id="2" pos="2880">
+          <p15:clr>
+            <a:srgbClr val="A4A3A4"/>
+          </p15:clr>
+        </p15:guide>
+      </p15:sldGuideLst>
+    </p:ext>
+  </p:extLst>
 </p:presentation>
 </file>
 
@@ -207,7 +223,7 @@
             <a:fld id="{54D4857D-62A5-486B-9129-468003D7E020}" type="datetimeFigureOut">
               <a:rPr lang="en-US" smtClean="0"/>
               <a:pPr/>
-              <a:t>11/30/2017</a:t>
+              <a:t>12/4/2017</a:t>
             </a:fld>
             <a:endParaRPr lang="en-US"/>
           </a:p>
@@ -378,7 +394,7 @@
             <a:fld id="{2D2EF2CE-B28C-4ED4-8FD0-48BB3F48846A}" type="datetimeFigureOut">
               <a:rPr lang="en-US" smtClean="0"/>
               <a:pPr/>
-              <a:t>11/30/2017</a:t>
+              <a:t>12/4/2017</a:t>
             </a:fld>
             <a:endParaRPr lang="en-US"/>
           </a:p>
@@ -411,9 +427,7 @@
         </p:spPr>
         <p:txBody>
           <a:bodyPr vert="horz" rtlCol="0" anchor="ctr"/>
-          <a:lstStyle>
-            <a:extLst/>
-          </a:lstStyle>
+          <a:lstStyle/>
           <a:p>
             <a:endParaRPr lang="en-US"/>
           </a:p>
@@ -442,9 +456,7 @@
           <a:bodyPr vert="horz" rtlCol="0">
             <a:normAutofit/>
           </a:bodyPr>
-          <a:lstStyle>
-            <a:extLst/>
-          </a:lstStyle>
+          <a:lstStyle/>
           <a:p>
             <a:pPr lvl="0"/>
             <a:r>
@@ -699,9 +711,7 @@
         <p:spPr/>
         <p:txBody>
           <a:bodyPr/>
-          <a:lstStyle>
-            <a:extLst/>
-          </a:lstStyle>
+          <a:lstStyle/>
           <a:p>
             <a:endParaRPr lang="en-US"/>
           </a:p>
@@ -720,9 +730,7 @@
         <p:spPr/>
         <p:txBody>
           <a:bodyPr/>
-          <a:lstStyle>
-            <a:extLst/>
-          </a:lstStyle>
+          <a:lstStyle/>
           <a:p>
             <a:fld id="{61807874-5299-41B2-A37A-6AA3547857F4}" type="slidenum">
               <a:rPr lang="en-US" smtClean="0"/>
@@ -861,9 +869,7 @@
           </p:style>
           <p:txBody>
             <a:bodyPr anchor="ctr"/>
-            <a:lstStyle>
-              <a:extLst/>
-            </a:lstStyle>
+            <a:lstStyle/>
             <a:p>
               <a:pPr algn="ctr"/>
               <a:endParaRPr lang="en-US"/>
@@ -901,9 +907,7 @@
           </p:style>
           <p:txBody>
             <a:bodyPr anchor="ctr"/>
-            <a:lstStyle>
-              <a:extLst/>
-            </a:lstStyle>
+            <a:lstStyle/>
             <a:p>
               <a:pPr algn="ctr"/>
               <a:endParaRPr lang="en-US"/>
@@ -941,9 +945,7 @@
           </p:style>
           <p:txBody>
             <a:bodyPr anchor="ctr"/>
-            <a:lstStyle>
-              <a:extLst/>
-            </a:lstStyle>
+            <a:lstStyle/>
             <a:p>
               <a:pPr algn="ctr"/>
               <a:endParaRPr lang="en-US"/>
@@ -981,9 +983,7 @@
           </p:style>
           <p:txBody>
             <a:bodyPr anchor="ctr"/>
-            <a:lstStyle>
-              <a:extLst/>
-            </a:lstStyle>
+            <a:lstStyle/>
             <a:p>
               <a:pPr algn="ctr"/>
               <a:endParaRPr lang="en-US"/>
@@ -1021,9 +1021,7 @@
           </p:style>
           <p:txBody>
             <a:bodyPr anchor="ctr"/>
-            <a:lstStyle>
-              <a:extLst/>
-            </a:lstStyle>
+            <a:lstStyle/>
             <a:p>
               <a:pPr algn="ctr"/>
               <a:endParaRPr lang="en-US"/>
@@ -1061,9 +1059,7 @@
           </p:style>
           <p:txBody>
             <a:bodyPr anchor="ctr"/>
-            <a:lstStyle>
-              <a:extLst/>
-            </a:lstStyle>
+            <a:lstStyle/>
             <a:p>
               <a:pPr algn="ctr"/>
               <a:endParaRPr lang="en-US"/>
@@ -1101,9 +1097,7 @@
           </p:style>
           <p:txBody>
             <a:bodyPr anchor="ctr"/>
-            <a:lstStyle>
-              <a:extLst/>
-            </a:lstStyle>
+            <a:lstStyle/>
             <a:p>
               <a:pPr algn="ctr"/>
               <a:endParaRPr lang="en-US"/>
@@ -1156,9 +1150,7 @@
           </p:style>
           <p:txBody>
             <a:bodyPr anchor="ctr"/>
-            <a:lstStyle>
-              <a:extLst/>
-            </a:lstStyle>
+            <a:lstStyle/>
             <a:p>
               <a:pPr algn="ctr"/>
               <a:endParaRPr lang="en-US"/>
@@ -1196,9 +1188,7 @@
           </p:style>
           <p:txBody>
             <a:bodyPr anchor="ctr"/>
-            <a:lstStyle>
-              <a:extLst/>
-            </a:lstStyle>
+            <a:lstStyle/>
             <a:p>
               <a:pPr algn="ctr"/>
               <a:endParaRPr lang="en-US"/>
@@ -1236,9 +1226,7 @@
           </p:style>
           <p:txBody>
             <a:bodyPr anchor="ctr"/>
-            <a:lstStyle>
-              <a:extLst/>
-            </a:lstStyle>
+            <a:lstStyle/>
             <a:p>
               <a:pPr algn="ctr"/>
               <a:endParaRPr lang="en-US"/>
@@ -1276,9 +1264,7 @@
           </p:style>
           <p:txBody>
             <a:bodyPr anchor="ctr"/>
-            <a:lstStyle>
-              <a:extLst/>
-            </a:lstStyle>
+            <a:lstStyle/>
             <a:p>
               <a:pPr algn="ctr"/>
               <a:endParaRPr lang="en-US" dirty="0"/>
@@ -1316,9 +1302,7 @@
           </p:style>
           <p:txBody>
             <a:bodyPr anchor="ctr"/>
-            <a:lstStyle>
-              <a:extLst/>
-            </a:lstStyle>
+            <a:lstStyle/>
             <a:p>
               <a:pPr algn="ctr"/>
               <a:endParaRPr lang="en-US"/>
@@ -1356,9 +1340,7 @@
           </p:style>
           <p:txBody>
             <a:bodyPr anchor="ctr"/>
-            <a:lstStyle>
-              <a:extLst/>
-            </a:lstStyle>
+            <a:lstStyle/>
             <a:p>
               <a:pPr algn="ctr"/>
               <a:endParaRPr lang="en-US"/>
@@ -1396,9 +1378,7 @@
           </p:style>
           <p:txBody>
             <a:bodyPr anchor="ctr"/>
-            <a:lstStyle>
-              <a:extLst/>
-            </a:lstStyle>
+            <a:lstStyle/>
             <a:p>
               <a:pPr algn="ctr"/>
               <a:endParaRPr lang="en-US"/>
@@ -1438,9 +1418,7 @@
         </p:style>
         <p:txBody>
           <a:bodyPr anchor="ctr"/>
-          <a:lstStyle>
-            <a:extLst/>
-          </a:lstStyle>
+          <a:lstStyle/>
           <a:p>
             <a:pPr algn="ctr"/>
             <a:endParaRPr lang="en-US" dirty="0"/>
@@ -1479,9 +1457,7 @@
         </p:style>
         <p:txBody>
           <a:bodyPr anchor="ctr"/>
-          <a:lstStyle>
-            <a:extLst/>
-          </a:lstStyle>
+          <a:lstStyle/>
           <a:p>
             <a:pPr algn="ctr"/>
             <a:endParaRPr lang="en-US"/>
@@ -1520,9 +1496,7 @@
         </p:style>
         <p:txBody>
           <a:bodyPr anchor="ctr"/>
-          <a:lstStyle>
-            <a:extLst/>
-          </a:lstStyle>
+          <a:lstStyle/>
           <a:p>
             <a:pPr algn="ctr"/>
             <a:endParaRPr lang="en-US"/>
@@ -1561,9 +1535,7 @@
         </p:style>
         <p:txBody>
           <a:bodyPr anchor="ctr"/>
-          <a:lstStyle>
-            <a:extLst/>
-          </a:lstStyle>
+          <a:lstStyle/>
           <a:p>
             <a:pPr algn="ctr"/>
             <a:endParaRPr lang="en-US"/>
@@ -1583,15 +1555,13 @@
         <p:spPr/>
         <p:txBody>
           <a:bodyPr rtlCol="0"/>
-          <a:lstStyle>
-            <a:extLst/>
-          </a:lstStyle>
+          <a:lstStyle/>
           <a:p>
             <a:pPr algn="r"/>
             <a:fld id="{8F67D422-08A8-451B-9A67-21962FC4B660}" type="datetimeFigureOut">
               <a:rPr lang="en-US" sz="1100" smtClean="0"/>
               <a:pPr algn="r"/>
-              <a:t>11/30/2017</a:t>
+              <a:t>12/4/2017</a:t>
             </a:fld>
             <a:endParaRPr lang="en-US"/>
           </a:p>
@@ -1610,9 +1580,7 @@
         <p:spPr/>
         <p:txBody>
           <a:bodyPr rtlCol="0"/>
-          <a:lstStyle>
-            <a:extLst/>
-          </a:lstStyle>
+          <a:lstStyle/>
           <a:p>
             <a:fld id="{169B2101-2E9F-420A-91A3-890890D84497}" type="slidenum">
               <a:rPr lang="en-US" sz="1200" smtClean="0"/>
@@ -1636,9 +1604,7 @@
         <p:spPr/>
         <p:txBody>
           <a:bodyPr rtlCol="0"/>
-          <a:lstStyle>
-            <a:extLst/>
-          </a:lstStyle>
+          <a:lstStyle/>
           <a:p>
             <a:endParaRPr lang="en-US"/>
           </a:p>
@@ -1767,9 +1733,7 @@
         <p:spPr/>
         <p:txBody>
           <a:bodyPr/>
-          <a:lstStyle>
-            <a:extLst/>
-          </a:lstStyle>
+          <a:lstStyle/>
           <a:p>
             <a:pPr lvl="0"/>
             <a:r>
@@ -1821,15 +1785,13 @@
         <p:spPr/>
         <p:txBody>
           <a:bodyPr rtlCol="0"/>
-          <a:lstStyle>
-            <a:extLst/>
-          </a:lstStyle>
+          <a:lstStyle/>
           <a:p>
             <a:pPr algn="r"/>
             <a:fld id="{8F67D422-08A8-451B-9A67-21962FC4B660}" type="datetimeFigureOut">
               <a:rPr lang="en-US" sz="1100" smtClean="0"/>
               <a:pPr algn="r"/>
-              <a:t>11/30/2017</a:t>
+              <a:t>12/4/2017</a:t>
             </a:fld>
             <a:endParaRPr lang="en-US"/>
           </a:p>
@@ -1848,9 +1810,7 @@
         <p:spPr/>
         <p:txBody>
           <a:bodyPr rtlCol="0"/>
-          <a:lstStyle>
-            <a:extLst/>
-          </a:lstStyle>
+          <a:lstStyle/>
           <a:p>
             <a:fld id="{169B2101-2E9F-420A-91A3-890890D84497}" type="slidenum">
               <a:rPr lang="en-US" sz="1200" smtClean="0"/>
@@ -1874,9 +1834,7 @@
         <p:spPr/>
         <p:txBody>
           <a:bodyPr rtlCol="0"/>
-          <a:lstStyle>
-            <a:extLst/>
-          </a:lstStyle>
+          <a:lstStyle/>
           <a:p>
             <a:endParaRPr lang="en-US"/>
           </a:p>
@@ -1895,9 +1853,7 @@
         <p:spPr/>
         <p:txBody>
           <a:bodyPr rtlCol="0" anchor="b"/>
-          <a:lstStyle>
-            <a:extLst/>
-          </a:lstStyle>
+          <a:lstStyle/>
           <a:p>
             <a:r>
               <a:rPr lang="en-US" smtClean="0"/>
@@ -1952,15 +1908,13 @@
         <p:spPr/>
         <p:txBody>
           <a:bodyPr rtlCol="0"/>
-          <a:lstStyle>
-            <a:extLst/>
-          </a:lstStyle>
+          <a:lstStyle/>
           <a:p>
             <a:pPr algn="r"/>
             <a:fld id="{8F67D422-08A8-451B-9A67-21962FC4B660}" type="datetimeFigureOut">
               <a:rPr lang="en-US" sz="1100" smtClean="0"/>
               <a:pPr algn="r"/>
-              <a:t>11/30/2017</a:t>
+              <a:t>12/4/2017</a:t>
             </a:fld>
             <a:endParaRPr lang="en-US"/>
           </a:p>
@@ -1979,9 +1933,7 @@
         <p:spPr/>
         <p:txBody>
           <a:bodyPr rtlCol="0"/>
-          <a:lstStyle>
-            <a:extLst/>
-          </a:lstStyle>
+          <a:lstStyle/>
           <a:p>
             <a:endParaRPr lang="en-US"/>
           </a:p>
@@ -2000,9 +1952,7 @@
         <p:spPr/>
         <p:txBody>
           <a:bodyPr rtlCol="0"/>
-          <a:lstStyle>
-            <a:extLst/>
-          </a:lstStyle>
+          <a:lstStyle/>
           <a:p>
             <a:fld id="{169B2101-2E9F-420A-91A3-890890D84497}" type="slidenum">
               <a:rPr lang="en-US" sz="1200" smtClean="0"/>
@@ -2138,7 +2088,7 @@
             <a:fld id="{1BEBB2CB-903D-46EF-8227-E770ED8FF514}" type="datetimeFigureOut">
               <a:rPr lang="en-US" smtClean="0"/>
               <a:pPr/>
-              <a:t>11/30/2017</a:t>
+              <a:t>12/4/2017</a:t>
             </a:fld>
             <a:endParaRPr lang="en-US"/>
           </a:p>
@@ -2157,9 +2107,7 @@
         <p:spPr/>
         <p:txBody>
           <a:bodyPr vert="horz"/>
-          <a:lstStyle>
-            <a:extLst/>
-          </a:lstStyle>
+          <a:lstStyle/>
           <a:p>
             <a:endParaRPr lang="en-US"/>
           </a:p>
@@ -2178,9 +2126,7 @@
         <p:spPr/>
         <p:txBody>
           <a:bodyPr vert="horz"/>
-          <a:lstStyle>
-            <a:extLst/>
-          </a:lstStyle>
+          <a:lstStyle/>
           <a:p>
             <a:fld id="{C75B88FA-3392-4D65-A457-DB2A9953195B}" type="slidenum">
               <a:rPr lang="en-US" smtClean="0"/>
@@ -2624,7 +2570,7 @@
             <a:fld id="{1BEBB2CB-903D-46EF-8227-E770ED8FF514}" type="datetimeFigureOut">
               <a:rPr lang="en-US" smtClean="0"/>
               <a:pPr/>
-              <a:t>11/30/2017</a:t>
+              <a:t>12/4/2017</a:t>
             </a:fld>
             <a:endParaRPr lang="en-US"/>
           </a:p>
@@ -2643,9 +2589,7 @@
         <p:spPr/>
         <p:txBody>
           <a:bodyPr vert="horz"/>
-          <a:lstStyle>
-            <a:extLst/>
-          </a:lstStyle>
+          <a:lstStyle/>
           <a:p>
             <a:endParaRPr lang="en-US"/>
           </a:p>
@@ -2664,9 +2608,7 @@
         <p:spPr/>
         <p:txBody>
           <a:bodyPr vert="horz"/>
-          <a:lstStyle>
-            <a:extLst/>
-          </a:lstStyle>
+          <a:lstStyle/>
           <a:p>
             <a:fld id="{C75B88FA-3392-4D65-A457-DB2A9953195B}" type="slidenum">
               <a:rPr lang="en-US" smtClean="0"/>
@@ -3241,7 +3183,7 @@
             <a:fld id="{1BEBB2CB-903D-46EF-8227-E770ED8FF514}" type="datetimeFigureOut">
               <a:rPr lang="en-US" smtClean="0"/>
               <a:pPr/>
-              <a:t>11/30/2017</a:t>
+              <a:t>12/4/2017</a:t>
             </a:fld>
             <a:endParaRPr lang="en-US"/>
           </a:p>
@@ -3260,9 +3202,7 @@
         <p:spPr/>
         <p:txBody>
           <a:bodyPr vert="horz"/>
-          <a:lstStyle>
-            <a:extLst/>
-          </a:lstStyle>
+          <a:lstStyle/>
           <a:p>
             <a:endParaRPr lang="en-US"/>
           </a:p>
@@ -3281,9 +3221,7 @@
         <p:spPr/>
         <p:txBody>
           <a:bodyPr vert="horz"/>
-          <a:lstStyle>
-            <a:extLst/>
-          </a:lstStyle>
+          <a:lstStyle/>
           <a:p>
             <a:fld id="{C75B88FA-3392-4D65-A457-DB2A9953195B}" type="slidenum">
               <a:rPr lang="en-US" smtClean="0"/>
@@ -3353,9 +3291,7 @@
           <a:bodyPr wrap="square">
             <a:noAutofit/>
           </a:bodyPr>
-          <a:lstStyle>
-            <a:extLst/>
-          </a:lstStyle>
+          <a:lstStyle/>
           <a:p>
             <a:pPr marL="0" indent="0" algn="ctr" rtl="0" latinLnBrk="0">
               <a:spcBef>
@@ -3422,9 +3358,7 @@
           <a:bodyPr wrap="square">
             <a:spAutoFit/>
           </a:bodyPr>
-          <a:lstStyle>
-            <a:extLst/>
-          </a:lstStyle>
+          <a:lstStyle/>
           <a:p>
             <a:pPr indent="0" algn="ctr" latinLnBrk="0">
               <a:spcBef>
@@ -3654,7 +3588,7 @@
             <a:fld id="{1BEBB2CB-903D-46EF-8227-E770ED8FF514}" type="datetimeFigureOut">
               <a:rPr lang="en-US" smtClean="0"/>
               <a:pPr/>
-              <a:t>11/30/2017</a:t>
+              <a:t>12/4/2017</a:t>
             </a:fld>
             <a:endParaRPr lang="en-US"/>
           </a:p>
@@ -3673,9 +3607,7 @@
         <p:spPr/>
         <p:txBody>
           <a:bodyPr vert="horz"/>
-          <a:lstStyle>
-            <a:extLst/>
-          </a:lstStyle>
+          <a:lstStyle/>
           <a:p>
             <a:endParaRPr lang="en-US"/>
           </a:p>
@@ -3694,9 +3626,7 @@
         <p:spPr/>
         <p:txBody>
           <a:bodyPr vert="horz"/>
-          <a:lstStyle>
-            <a:extLst/>
-          </a:lstStyle>
+          <a:lstStyle/>
           <a:p>
             <a:fld id="{C75B88FA-3392-4D65-A457-DB2A9953195B}" type="slidenum">
               <a:rPr lang="en-US" smtClean="0"/>
@@ -3766,9 +3696,7 @@
           <a:bodyPr wrap="square">
             <a:noAutofit/>
           </a:bodyPr>
-          <a:lstStyle>
-            <a:extLst/>
-          </a:lstStyle>
+          <a:lstStyle/>
           <a:p>
             <a:pPr marL="0" indent="0" algn="ctr" rtl="0" latinLnBrk="0">
               <a:spcBef>
@@ -3835,9 +3763,7 @@
           <a:bodyPr wrap="square">
             <a:spAutoFit/>
           </a:bodyPr>
-          <a:lstStyle>
-            <a:extLst/>
-          </a:lstStyle>
+          <a:lstStyle/>
           <a:p>
             <a:pPr algn="ctr"/>
             <a:r>
@@ -4064,9 +3990,7 @@
         <p:spPr/>
         <p:txBody>
           <a:bodyPr vert="horz"/>
-          <a:lstStyle>
-            <a:extLst/>
-          </a:lstStyle>
+          <a:lstStyle/>
           <a:p>
             <a:endParaRPr lang="en-US"/>
           </a:p>
@@ -4470,7 +4394,7 @@
             <a:fld id="{1BEBB2CB-903D-46EF-8227-E770ED8FF514}" type="datetimeFigureOut">
               <a:rPr lang="en-US" smtClean="0"/>
               <a:pPr/>
-              <a:t>11/30/2017</a:t>
+              <a:t>12/4/2017</a:t>
             </a:fld>
             <a:endParaRPr lang="en-US"/>
           </a:p>
@@ -4892,9 +4816,7 @@
         <p:spPr/>
         <p:txBody>
           <a:bodyPr vert="horz"/>
-          <a:lstStyle>
-            <a:extLst/>
-          </a:lstStyle>
+          <a:lstStyle/>
           <a:p>
             <a:fld id="{C75B88FA-3392-4D65-A457-DB2A9953195B}" type="slidenum">
               <a:rPr lang="en-US" smtClean="0"/>
@@ -5468,9 +5390,7 @@
           <a:bodyPr vert="horz" anchor="b">
             <a:normAutofit/>
           </a:bodyPr>
-          <a:lstStyle>
-            <a:extLst/>
-          </a:lstStyle>
+          <a:lstStyle/>
           <a:p>
             <a:r>
               <a:rPr lang="en-US" smtClean="0"/>
@@ -5503,9 +5423,7 @@
           <a:bodyPr vert="horz">
             <a:normAutofit/>
           </a:bodyPr>
-          <a:lstStyle>
-            <a:extLst/>
-          </a:lstStyle>
+          <a:lstStyle/>
           <a:p>
             <a:pPr lvl="0"/>
             <a:r>
@@ -5576,7 +5494,7 @@
             <a:fld id="{8F67D422-08A8-451B-9A67-21962FC4B660}" type="datetimeFigureOut">
               <a:rPr lang="en-US" sz="1100" smtClean="0"/>
               <a:pPr algn="r"/>
-              <a:t>11/30/2017</a:t>
+              <a:t>12/4/2017</a:t>
             </a:fld>
             <a:endParaRPr lang="en-US" sz="1050" dirty="0"/>
           </a:p>
@@ -5696,9 +5614,7 @@
           </p:style>
           <p:txBody>
             <a:bodyPr anchor="ctr"/>
-            <a:lstStyle>
-              <a:extLst/>
-            </a:lstStyle>
+            <a:lstStyle/>
             <a:p>
               <a:pPr algn="ctr"/>
               <a:endParaRPr lang="en-US"/>
@@ -5736,9 +5652,7 @@
           </p:style>
           <p:txBody>
             <a:bodyPr anchor="ctr"/>
-            <a:lstStyle>
-              <a:extLst/>
-            </a:lstStyle>
+            <a:lstStyle/>
             <a:p>
               <a:pPr algn="ctr"/>
               <a:endParaRPr lang="en-US"/>
@@ -5776,9 +5690,7 @@
           </p:style>
           <p:txBody>
             <a:bodyPr anchor="ctr"/>
-            <a:lstStyle>
-              <a:extLst/>
-            </a:lstStyle>
+            <a:lstStyle/>
             <a:p>
               <a:pPr algn="ctr"/>
               <a:endParaRPr lang="en-US"/>
@@ -5816,9 +5728,7 @@
           </p:style>
           <p:txBody>
             <a:bodyPr anchor="ctr"/>
-            <a:lstStyle>
-              <a:extLst/>
-            </a:lstStyle>
+            <a:lstStyle/>
             <a:p>
               <a:pPr algn="ctr"/>
               <a:endParaRPr lang="en-US"/>
@@ -5856,9 +5766,7 @@
           </p:style>
           <p:txBody>
             <a:bodyPr anchor="ctr"/>
-            <a:lstStyle>
-              <a:extLst/>
-            </a:lstStyle>
+            <a:lstStyle/>
             <a:p>
               <a:pPr algn="ctr"/>
               <a:endParaRPr lang="en-US"/>
@@ -5896,9 +5804,7 @@
           </p:style>
           <p:txBody>
             <a:bodyPr anchor="ctr"/>
-            <a:lstStyle>
-              <a:extLst/>
-            </a:lstStyle>
+            <a:lstStyle/>
             <a:p>
               <a:pPr algn="ctr"/>
               <a:endParaRPr lang="en-US"/>
@@ -5936,9 +5842,7 @@
           </p:style>
           <p:txBody>
             <a:bodyPr anchor="ctr"/>
-            <a:lstStyle>
-              <a:extLst/>
-            </a:lstStyle>
+            <a:lstStyle/>
             <a:p>
               <a:pPr algn="ctr"/>
               <a:endParaRPr lang="en-US"/>
@@ -5991,9 +5895,7 @@
           </p:style>
           <p:txBody>
             <a:bodyPr anchor="ctr"/>
-            <a:lstStyle>
-              <a:extLst/>
-            </a:lstStyle>
+            <a:lstStyle/>
             <a:p>
               <a:pPr algn="ctr"/>
               <a:endParaRPr lang="en-US"/>
@@ -6031,9 +5933,7 @@
           </p:style>
           <p:txBody>
             <a:bodyPr anchor="ctr"/>
-            <a:lstStyle>
-              <a:extLst/>
-            </a:lstStyle>
+            <a:lstStyle/>
             <a:p>
               <a:pPr algn="ctr"/>
               <a:endParaRPr lang="en-US"/>
@@ -6071,9 +5971,7 @@
           </p:style>
           <p:txBody>
             <a:bodyPr anchor="ctr"/>
-            <a:lstStyle>
-              <a:extLst/>
-            </a:lstStyle>
+            <a:lstStyle/>
             <a:p>
               <a:pPr algn="ctr"/>
               <a:endParaRPr lang="en-US" dirty="0"/>
@@ -6111,9 +6009,7 @@
           </p:style>
           <p:txBody>
             <a:bodyPr anchor="ctr"/>
-            <a:lstStyle>
-              <a:extLst/>
-            </a:lstStyle>
+            <a:lstStyle/>
             <a:p>
               <a:pPr algn="ctr"/>
               <a:endParaRPr lang="en-US" dirty="0"/>
@@ -6151,9 +6047,7 @@
           </p:style>
           <p:txBody>
             <a:bodyPr anchor="ctr"/>
-            <a:lstStyle>
-              <a:extLst/>
-            </a:lstStyle>
+            <a:lstStyle/>
             <a:p>
               <a:pPr algn="ctr"/>
               <a:endParaRPr lang="en-US"/>
@@ -6191,9 +6085,7 @@
           </p:style>
           <p:txBody>
             <a:bodyPr anchor="ctr"/>
-            <a:lstStyle>
-              <a:extLst/>
-            </a:lstStyle>
+            <a:lstStyle/>
             <a:p>
               <a:pPr algn="ctr"/>
               <a:endParaRPr lang="en-US"/>
@@ -6231,9 +6123,7 @@
           </p:style>
           <p:txBody>
             <a:bodyPr anchor="ctr"/>
-            <a:lstStyle>
-              <a:extLst/>
-            </a:lstStyle>
+            <a:lstStyle/>
             <a:p>
               <a:pPr algn="ctr"/>
               <a:endParaRPr lang="en-US"/>
@@ -6273,9 +6163,7 @@
         </p:style>
         <p:txBody>
           <a:bodyPr anchor="ctr"/>
-          <a:lstStyle>
-            <a:extLst/>
-          </a:lstStyle>
+          <a:lstStyle/>
           <a:p>
             <a:pPr algn="ctr"/>
             <a:endParaRPr lang="en-US"/>
@@ -6650,9 +6538,7 @@
         </p:style>
         <p:txBody>
           <a:bodyPr anchor="ctr"/>
-          <a:lstStyle>
-            <a:extLst/>
-          </a:lstStyle>
+          <a:lstStyle/>
           <a:p>
             <a:pPr algn="ctr"/>
             <a:endParaRPr lang="en-US"/>
@@ -6672,9 +6558,7 @@
         <p:spPr/>
         <p:txBody>
           <a:bodyPr/>
-          <a:lstStyle>
-            <a:extLst/>
-          </a:lstStyle>
+          <a:lstStyle/>
           <a:p>
             <a:r>
               <a:rPr lang="en-US" dirty="0" err="1" smtClean="0"/>
@@ -7944,12 +7828,735 @@
         </p:nvSpPr>
         <p:spPr/>
         <p:txBody>
-          <a:bodyPr/>
+          <a:bodyPr>
+            <a:noAutofit/>
+          </a:bodyPr>
           <a:lstStyle/>
           <a:p>
             <a:pPr marL="0" indent="0">
               <a:buNone/>
             </a:pPr>
+            <a:r>
+              <a:rPr lang="en-US" dirty="0" err="1" smtClean="0"/>
+              <a:t>Hiện</a:t>
+            </a:r>
+            <a:r>
+              <a:rPr lang="en-US" dirty="0" smtClean="0"/>
+              <a:t> nay, </a:t>
+            </a:r>
+            <a:r>
+              <a:rPr lang="en-US" dirty="0" err="1" smtClean="0"/>
+              <a:t>ngành</a:t>
+            </a:r>
+            <a:r>
+              <a:rPr lang="en-US" dirty="0" smtClean="0"/>
+              <a:t> CNTT </a:t>
+            </a:r>
+            <a:r>
+              <a:rPr lang="en-US" dirty="0" err="1" smtClean="0"/>
+              <a:t>đang</a:t>
+            </a:r>
+            <a:r>
+              <a:rPr lang="en-US" dirty="0" smtClean="0"/>
+              <a:t> </a:t>
+            </a:r>
+            <a:r>
+              <a:rPr lang="en-US" dirty="0" err="1" smtClean="0"/>
+              <a:t>là</a:t>
+            </a:r>
+            <a:r>
+              <a:rPr lang="en-US" dirty="0" smtClean="0"/>
+              <a:t> </a:t>
+            </a:r>
+            <a:r>
+              <a:rPr lang="en-US" dirty="0" err="1" smtClean="0"/>
+              <a:t>một</a:t>
+            </a:r>
+            <a:r>
+              <a:rPr lang="en-US" dirty="0"/>
+              <a:t> </a:t>
+            </a:r>
+            <a:r>
+              <a:rPr lang="en-US" dirty="0" err="1" smtClean="0"/>
+              <a:t>trong</a:t>
+            </a:r>
+            <a:r>
+              <a:rPr lang="en-US" dirty="0" smtClean="0"/>
+              <a:t> </a:t>
+            </a:r>
+            <a:r>
+              <a:rPr lang="en-US" dirty="0" err="1" smtClean="0"/>
+              <a:t>những</a:t>
+            </a:r>
+            <a:r>
+              <a:rPr lang="en-US" dirty="0" smtClean="0"/>
+              <a:t> </a:t>
+            </a:r>
+            <a:r>
+              <a:rPr lang="en-US" dirty="0" err="1" smtClean="0"/>
+              <a:t>ngành</a:t>
+            </a:r>
+            <a:r>
+              <a:rPr lang="en-US" dirty="0" smtClean="0"/>
+              <a:t> </a:t>
+            </a:r>
+            <a:r>
+              <a:rPr lang="en-US" dirty="0" err="1" smtClean="0"/>
+              <a:t>hàng</a:t>
+            </a:r>
+            <a:r>
+              <a:rPr lang="en-US" dirty="0" smtClean="0"/>
+              <a:t> </a:t>
+            </a:r>
+            <a:r>
+              <a:rPr lang="en-US" dirty="0" err="1" smtClean="0"/>
+              <a:t>đầu</a:t>
+            </a:r>
+            <a:r>
+              <a:rPr lang="en-US" dirty="0" smtClean="0"/>
+              <a:t>, </a:t>
+            </a:r>
+            <a:r>
+              <a:rPr lang="en-US" dirty="0" err="1" smtClean="0"/>
+              <a:t>luôn</a:t>
+            </a:r>
+            <a:r>
+              <a:rPr lang="en-US" dirty="0" smtClean="0"/>
+              <a:t> </a:t>
+            </a:r>
+            <a:r>
+              <a:rPr lang="en-US" dirty="0" err="1" smtClean="0"/>
+              <a:t>có</a:t>
+            </a:r>
+            <a:r>
+              <a:rPr lang="en-US" dirty="0" smtClean="0"/>
+              <a:t> </a:t>
+            </a:r>
+            <a:r>
+              <a:rPr lang="en-US" dirty="0" err="1" smtClean="0"/>
+              <a:t>xu</a:t>
+            </a:r>
+            <a:r>
+              <a:rPr lang="en-US" dirty="0" smtClean="0"/>
+              <a:t> </a:t>
+            </a:r>
+            <a:r>
+              <a:rPr lang="en-US" dirty="0" err="1" smtClean="0"/>
+              <a:t>hướng</a:t>
+            </a:r>
+            <a:r>
+              <a:rPr lang="en-US" dirty="0" smtClean="0"/>
+              <a:t> </a:t>
+            </a:r>
+            <a:r>
+              <a:rPr lang="en-US" dirty="0" err="1" smtClean="0"/>
+              <a:t>đổi</a:t>
+            </a:r>
+            <a:r>
+              <a:rPr lang="en-US" dirty="0" smtClean="0"/>
+              <a:t> </a:t>
+            </a:r>
+            <a:r>
+              <a:rPr lang="en-US" dirty="0" err="1" smtClean="0"/>
+              <a:t>mới</a:t>
+            </a:r>
+            <a:r>
+              <a:rPr lang="en-US" dirty="0" smtClean="0"/>
+              <a:t> </a:t>
+            </a:r>
+            <a:r>
+              <a:rPr lang="en-US" dirty="0" err="1" smtClean="0"/>
+              <a:t>liên</a:t>
+            </a:r>
+            <a:r>
+              <a:rPr lang="en-US" dirty="0" smtClean="0"/>
+              <a:t> </a:t>
+            </a:r>
+            <a:r>
+              <a:rPr lang="en-US" dirty="0" err="1" smtClean="0"/>
+              <a:t>tục</a:t>
+            </a:r>
+            <a:r>
+              <a:rPr lang="en-US" dirty="0" smtClean="0"/>
+              <a:t> </a:t>
+            </a:r>
+            <a:r>
+              <a:rPr lang="en-US" dirty="0" err="1" smtClean="0"/>
+              <a:t>và</a:t>
+            </a:r>
+            <a:r>
+              <a:rPr lang="en-US" dirty="0" smtClean="0"/>
+              <a:t> </a:t>
+            </a:r>
+            <a:r>
+              <a:rPr lang="en-US" dirty="0" err="1" smtClean="0"/>
+              <a:t>không</a:t>
+            </a:r>
+            <a:r>
+              <a:rPr lang="en-US" dirty="0" smtClean="0"/>
+              <a:t> </a:t>
+            </a:r>
+            <a:r>
+              <a:rPr lang="en-US" dirty="0" err="1" smtClean="0"/>
+              <a:t>ngừng</a:t>
+            </a:r>
+            <a:r>
+              <a:rPr lang="en-US" dirty="0" smtClean="0"/>
+              <a:t> </a:t>
+            </a:r>
+            <a:r>
+              <a:rPr lang="en-US" dirty="0" err="1" smtClean="0"/>
+              <a:t>phát</a:t>
+            </a:r>
+            <a:r>
+              <a:rPr lang="en-US" dirty="0" smtClean="0"/>
+              <a:t> </a:t>
+            </a:r>
+            <a:r>
+              <a:rPr lang="en-US" dirty="0" err="1" smtClean="0"/>
+              <a:t>triển</a:t>
+            </a:r>
+            <a:r>
+              <a:rPr lang="en-US" dirty="0" smtClean="0"/>
+              <a:t>. </a:t>
+            </a:r>
+            <a:r>
+              <a:rPr lang="en-US" dirty="0" err="1" smtClean="0"/>
+              <a:t>Chính</a:t>
+            </a:r>
+            <a:r>
+              <a:rPr lang="en-US" dirty="0" smtClean="0"/>
+              <a:t> </a:t>
+            </a:r>
+            <a:r>
+              <a:rPr lang="en-US" dirty="0" err="1" smtClean="0"/>
+              <a:t>vì</a:t>
+            </a:r>
+            <a:r>
+              <a:rPr lang="en-US" dirty="0" smtClean="0"/>
+              <a:t> </a:t>
+            </a:r>
+            <a:r>
+              <a:rPr lang="en-US" dirty="0" err="1" smtClean="0"/>
+              <a:t>vậy</a:t>
+            </a:r>
+            <a:r>
+              <a:rPr lang="en-US" dirty="0" smtClean="0"/>
+              <a:t> </a:t>
+            </a:r>
+            <a:r>
+              <a:rPr lang="en-US" dirty="0" err="1" smtClean="0"/>
+              <a:t>nhu</a:t>
+            </a:r>
+            <a:r>
+              <a:rPr lang="en-US" dirty="0" smtClean="0"/>
+              <a:t> </a:t>
+            </a:r>
+            <a:r>
+              <a:rPr lang="en-US" dirty="0" err="1" smtClean="0"/>
+              <a:t>cầu</a:t>
+            </a:r>
+            <a:r>
+              <a:rPr lang="en-US" dirty="0" smtClean="0"/>
+              <a:t> </a:t>
+            </a:r>
+            <a:r>
+              <a:rPr lang="en-US" dirty="0" err="1" smtClean="0"/>
+              <a:t>nhân</a:t>
+            </a:r>
+            <a:r>
+              <a:rPr lang="en-US" dirty="0" smtClean="0"/>
+              <a:t> </a:t>
+            </a:r>
+            <a:r>
+              <a:rPr lang="en-US" dirty="0" err="1" smtClean="0"/>
+              <a:t>lực</a:t>
+            </a:r>
+            <a:r>
+              <a:rPr lang="en-US" dirty="0" smtClean="0"/>
+              <a:t> </a:t>
+            </a:r>
+            <a:r>
+              <a:rPr lang="en-US" dirty="0" err="1" smtClean="0"/>
+              <a:t>của</a:t>
+            </a:r>
+            <a:r>
+              <a:rPr lang="en-US" dirty="0" smtClean="0"/>
+              <a:t> </a:t>
+            </a:r>
+            <a:r>
+              <a:rPr lang="en-US" dirty="0" err="1" smtClean="0"/>
+              <a:t>ngành</a:t>
+            </a:r>
+            <a:r>
+              <a:rPr lang="en-US" dirty="0" smtClean="0"/>
+              <a:t> </a:t>
+            </a:r>
+            <a:r>
+              <a:rPr lang="en-US" dirty="0" err="1" smtClean="0"/>
+              <a:t>này</a:t>
+            </a:r>
+            <a:r>
+              <a:rPr lang="en-US" dirty="0" smtClean="0"/>
+              <a:t> </a:t>
+            </a:r>
+            <a:r>
+              <a:rPr lang="en-US" dirty="0" err="1" smtClean="0"/>
+              <a:t>luôn</a:t>
+            </a:r>
+            <a:r>
+              <a:rPr lang="en-US" dirty="0" smtClean="0"/>
+              <a:t> </a:t>
+            </a:r>
+            <a:r>
+              <a:rPr lang="en-US" dirty="0" err="1" smtClean="0"/>
+              <a:t>được</a:t>
+            </a:r>
+            <a:r>
+              <a:rPr lang="en-US" dirty="0" smtClean="0"/>
+              <a:t> </a:t>
+            </a:r>
+            <a:r>
+              <a:rPr lang="en-US" dirty="0" err="1" smtClean="0"/>
+              <a:t>đề</a:t>
+            </a:r>
+            <a:r>
+              <a:rPr lang="en-US" dirty="0" smtClean="0"/>
+              <a:t> </a:t>
+            </a:r>
+            <a:r>
+              <a:rPr lang="en-US" dirty="0" err="1" smtClean="0"/>
+              <a:t>cao</a:t>
+            </a:r>
+            <a:r>
+              <a:rPr lang="en-US" dirty="0" smtClean="0"/>
+              <a:t> </a:t>
+            </a:r>
+            <a:r>
+              <a:rPr lang="en-US" dirty="0" err="1" smtClean="0"/>
+              <a:t>và</a:t>
+            </a:r>
+            <a:r>
+              <a:rPr lang="en-US" dirty="0" smtClean="0"/>
+              <a:t> </a:t>
+            </a:r>
+            <a:r>
+              <a:rPr lang="en-US" dirty="0" err="1" smtClean="0"/>
+              <a:t>chú</a:t>
+            </a:r>
+            <a:r>
+              <a:rPr lang="en-US" dirty="0" smtClean="0"/>
+              <a:t> </a:t>
+            </a:r>
+            <a:r>
+              <a:rPr lang="en-US" dirty="0" err="1" smtClean="0"/>
+              <a:t>trọng</a:t>
+            </a:r>
+            <a:r>
+              <a:rPr lang="en-US" dirty="0" smtClean="0"/>
+              <a:t> </a:t>
+            </a:r>
+            <a:r>
+              <a:rPr lang="en-US" dirty="0" err="1" smtClean="0"/>
+              <a:t>phát</a:t>
+            </a:r>
+            <a:r>
+              <a:rPr lang="en-US" dirty="0" smtClean="0"/>
+              <a:t> </a:t>
+            </a:r>
+            <a:r>
+              <a:rPr lang="en-US" dirty="0" err="1" smtClean="0"/>
+              <a:t>triển</a:t>
+            </a:r>
+            <a:r>
+              <a:rPr lang="en-US" dirty="0" smtClean="0"/>
+              <a:t> </a:t>
+            </a:r>
+            <a:r>
+              <a:rPr lang="en-US" dirty="0" err="1" smtClean="0"/>
+              <a:t>mạnh</a:t>
+            </a:r>
+            <a:r>
+              <a:rPr lang="en-US" dirty="0" smtClean="0"/>
+              <a:t>. </a:t>
+            </a:r>
+            <a:r>
+              <a:rPr lang="en-US" dirty="0" err="1" smtClean="0"/>
+              <a:t>Mặc</a:t>
+            </a:r>
+            <a:r>
+              <a:rPr lang="en-US" dirty="0" smtClean="0"/>
+              <a:t> </a:t>
+            </a:r>
+            <a:r>
+              <a:rPr lang="en-US" dirty="0" err="1" smtClean="0"/>
+              <a:t>dù</a:t>
+            </a:r>
+            <a:r>
+              <a:rPr lang="en-US" dirty="0"/>
+              <a:t> </a:t>
+            </a:r>
+            <a:r>
+              <a:rPr lang="en-US" dirty="0" err="1" smtClean="0"/>
+              <a:t>hiện</a:t>
+            </a:r>
+            <a:r>
+              <a:rPr lang="en-US" dirty="0" smtClean="0"/>
+              <a:t> nay </a:t>
+            </a:r>
+            <a:r>
+              <a:rPr lang="en-US" dirty="0" err="1" smtClean="0"/>
+              <a:t>phần</a:t>
+            </a:r>
+            <a:r>
+              <a:rPr lang="en-US" dirty="0" smtClean="0"/>
+              <a:t> </a:t>
+            </a:r>
+            <a:r>
+              <a:rPr lang="en-US" dirty="0" err="1" smtClean="0"/>
+              <a:t>lớn</a:t>
+            </a:r>
+            <a:r>
+              <a:rPr lang="en-US" dirty="0" smtClean="0"/>
+              <a:t> </a:t>
+            </a:r>
+            <a:r>
+              <a:rPr lang="en-US" dirty="0" err="1" smtClean="0"/>
+              <a:t>các</a:t>
+            </a:r>
+            <a:r>
+              <a:rPr lang="en-US" dirty="0" smtClean="0"/>
+              <a:t> </a:t>
+            </a:r>
+            <a:r>
+              <a:rPr lang="en-US" dirty="0" err="1" smtClean="0"/>
+              <a:t>trường</a:t>
+            </a:r>
+            <a:r>
+              <a:rPr lang="en-US" dirty="0" smtClean="0"/>
+              <a:t> </a:t>
+            </a:r>
+            <a:r>
+              <a:rPr lang="en-US" dirty="0" err="1" smtClean="0"/>
+              <a:t>đại</a:t>
+            </a:r>
+            <a:r>
+              <a:rPr lang="en-US" dirty="0" smtClean="0"/>
+              <a:t> </a:t>
+            </a:r>
+            <a:r>
+              <a:rPr lang="en-US" dirty="0" err="1" smtClean="0"/>
+              <a:t>học</a:t>
+            </a:r>
+            <a:r>
+              <a:rPr lang="en-US" dirty="0" smtClean="0"/>
+              <a:t>, </a:t>
+            </a:r>
+            <a:r>
+              <a:rPr lang="en-US" dirty="0" err="1" smtClean="0"/>
+              <a:t>cao</a:t>
+            </a:r>
+            <a:r>
+              <a:rPr lang="en-US" dirty="0" smtClean="0"/>
+              <a:t> </a:t>
+            </a:r>
+            <a:r>
+              <a:rPr lang="en-US" dirty="0" err="1" smtClean="0"/>
+              <a:t>đẳng</a:t>
+            </a:r>
+            <a:r>
+              <a:rPr lang="en-US" dirty="0" smtClean="0"/>
+              <a:t> </a:t>
+            </a:r>
+            <a:r>
+              <a:rPr lang="en-US" dirty="0" err="1" smtClean="0"/>
+              <a:t>tại</a:t>
+            </a:r>
+            <a:r>
+              <a:rPr lang="en-US" dirty="0" smtClean="0"/>
+              <a:t> VN </a:t>
+            </a:r>
+            <a:r>
+              <a:rPr lang="en-US" dirty="0" err="1" smtClean="0"/>
+              <a:t>đều</a:t>
+            </a:r>
+            <a:r>
+              <a:rPr lang="en-US" dirty="0" smtClean="0"/>
+              <a:t> </a:t>
+            </a:r>
+            <a:r>
+              <a:rPr lang="en-US" dirty="0" err="1" smtClean="0"/>
+              <a:t>có</a:t>
+            </a:r>
+            <a:r>
+              <a:rPr lang="en-US" dirty="0" smtClean="0"/>
+              <a:t> </a:t>
+            </a:r>
+            <a:r>
+              <a:rPr lang="en-US" dirty="0" err="1" smtClean="0"/>
+              <a:t>chương</a:t>
+            </a:r>
+            <a:r>
+              <a:rPr lang="en-US" dirty="0" smtClean="0"/>
+              <a:t> </a:t>
+            </a:r>
+            <a:r>
+              <a:rPr lang="en-US" dirty="0" err="1" smtClean="0"/>
+              <a:t>trình</a:t>
+            </a:r>
+            <a:r>
+              <a:rPr lang="en-US" dirty="0" smtClean="0"/>
+              <a:t> </a:t>
+            </a:r>
+            <a:r>
+              <a:rPr lang="en-US" dirty="0" err="1" smtClean="0"/>
+              <a:t>đào</a:t>
+            </a:r>
+            <a:r>
+              <a:rPr lang="en-US" dirty="0" smtClean="0"/>
+              <a:t> </a:t>
+            </a:r>
+            <a:r>
+              <a:rPr lang="en-US" dirty="0" err="1" smtClean="0"/>
+              <a:t>tạo</a:t>
+            </a:r>
+            <a:r>
+              <a:rPr lang="en-US" dirty="0" smtClean="0"/>
+              <a:t> </a:t>
+            </a:r>
+            <a:r>
+              <a:rPr lang="en-US" dirty="0" err="1" smtClean="0"/>
+              <a:t>về</a:t>
+            </a:r>
+            <a:r>
+              <a:rPr lang="en-US" dirty="0" smtClean="0"/>
+              <a:t> CNTT, </a:t>
+            </a:r>
+            <a:r>
+              <a:rPr lang="en-US" dirty="0" err="1" smtClean="0"/>
+              <a:t>số</a:t>
+            </a:r>
+            <a:r>
+              <a:rPr lang="en-US" dirty="0" smtClean="0"/>
+              <a:t> </a:t>
+            </a:r>
+            <a:r>
+              <a:rPr lang="en-US" dirty="0" err="1" smtClean="0"/>
+              <a:t>lượng</a:t>
+            </a:r>
+            <a:r>
+              <a:rPr lang="en-US" dirty="0" smtClean="0"/>
+              <a:t> </a:t>
+            </a:r>
+            <a:r>
+              <a:rPr lang="en-US" dirty="0" err="1" smtClean="0"/>
+              <a:t>sinh</a:t>
+            </a:r>
+            <a:r>
+              <a:rPr lang="en-US" dirty="0" smtClean="0"/>
+              <a:t> </a:t>
+            </a:r>
+            <a:r>
+              <a:rPr lang="en-US" dirty="0" err="1" smtClean="0"/>
+              <a:t>viên</a:t>
+            </a:r>
+            <a:r>
+              <a:rPr lang="en-US" dirty="0" smtClean="0"/>
+              <a:t> </a:t>
+            </a:r>
+            <a:r>
+              <a:rPr lang="en-US" dirty="0" err="1" smtClean="0"/>
+              <a:t>ra</a:t>
+            </a:r>
+            <a:r>
+              <a:rPr lang="en-US" dirty="0" smtClean="0"/>
+              <a:t> </a:t>
+            </a:r>
+            <a:r>
+              <a:rPr lang="en-US" dirty="0" err="1" smtClean="0"/>
+              <a:t>trường</a:t>
+            </a:r>
+            <a:r>
+              <a:rPr lang="en-US" dirty="0" smtClean="0"/>
+              <a:t> </a:t>
+            </a:r>
+            <a:r>
+              <a:rPr lang="en-US" dirty="0" err="1" smtClean="0"/>
+              <a:t>cũng</a:t>
+            </a:r>
+            <a:r>
+              <a:rPr lang="en-US" dirty="0" smtClean="0"/>
+              <a:t> </a:t>
+            </a:r>
+            <a:r>
+              <a:rPr lang="en-US" dirty="0" err="1" smtClean="0"/>
+              <a:t>không</a:t>
+            </a:r>
+            <a:r>
+              <a:rPr lang="en-US" dirty="0" smtClean="0"/>
+              <a:t> </a:t>
+            </a:r>
+            <a:r>
+              <a:rPr lang="en-US" dirty="0" err="1" smtClean="0"/>
+              <a:t>hề</a:t>
+            </a:r>
+            <a:r>
+              <a:rPr lang="en-US" dirty="0" smtClean="0"/>
+              <a:t> </a:t>
+            </a:r>
+            <a:r>
+              <a:rPr lang="en-US" dirty="0" err="1" smtClean="0"/>
+              <a:t>nhỏ</a:t>
+            </a:r>
+            <a:r>
+              <a:rPr lang="en-US" dirty="0" smtClean="0"/>
+              <a:t>, </a:t>
+            </a:r>
+            <a:r>
+              <a:rPr lang="en-US" dirty="0" err="1" smtClean="0"/>
+              <a:t>tuy</a:t>
+            </a:r>
+            <a:r>
+              <a:rPr lang="en-US" dirty="0" smtClean="0"/>
+              <a:t> </a:t>
+            </a:r>
+            <a:r>
+              <a:rPr lang="en-US" dirty="0" err="1" smtClean="0"/>
+              <a:t>nhiên</a:t>
+            </a:r>
+            <a:r>
+              <a:rPr lang="en-US" dirty="0" smtClean="0"/>
+              <a:t> </a:t>
+            </a:r>
+            <a:r>
+              <a:rPr lang="en-US" dirty="0" err="1" smtClean="0"/>
+              <a:t>nguồn</a:t>
+            </a:r>
+            <a:r>
+              <a:rPr lang="en-US" dirty="0" smtClean="0"/>
+              <a:t> </a:t>
+            </a:r>
+            <a:r>
+              <a:rPr lang="en-US" dirty="0" err="1" smtClean="0"/>
+              <a:t>nhân</a:t>
+            </a:r>
+            <a:r>
+              <a:rPr lang="en-US" dirty="0" smtClean="0"/>
+              <a:t> </a:t>
+            </a:r>
+            <a:r>
+              <a:rPr lang="en-US" dirty="0" err="1" smtClean="0"/>
+              <a:t>lực</a:t>
+            </a:r>
+            <a:r>
+              <a:rPr lang="en-US" dirty="0" smtClean="0"/>
+              <a:t> </a:t>
+            </a:r>
+            <a:r>
+              <a:rPr lang="en-US" dirty="0" err="1" smtClean="0"/>
+              <a:t>về</a:t>
+            </a:r>
+            <a:r>
+              <a:rPr lang="en-US" dirty="0" smtClean="0"/>
+              <a:t> </a:t>
+            </a:r>
+            <a:r>
+              <a:rPr lang="en-US" dirty="0" err="1" smtClean="0"/>
+              <a:t>ngành</a:t>
+            </a:r>
+            <a:r>
+              <a:rPr lang="en-US" dirty="0" smtClean="0"/>
+              <a:t> </a:t>
+            </a:r>
+            <a:r>
+              <a:rPr lang="en-US" dirty="0" err="1" smtClean="0"/>
+              <a:t>này</a:t>
+            </a:r>
+            <a:r>
+              <a:rPr lang="en-US" dirty="0" smtClean="0"/>
+              <a:t> </a:t>
+            </a:r>
+            <a:r>
+              <a:rPr lang="en-US" dirty="0" err="1" smtClean="0"/>
+              <a:t>vẫn</a:t>
+            </a:r>
+            <a:r>
+              <a:rPr lang="en-US" dirty="0" smtClean="0"/>
+              <a:t> </a:t>
+            </a:r>
+            <a:r>
+              <a:rPr lang="en-US" dirty="0" err="1" smtClean="0"/>
+              <a:t>đang</a:t>
+            </a:r>
+            <a:r>
+              <a:rPr lang="en-US" dirty="0" smtClean="0"/>
+              <a:t> </a:t>
+            </a:r>
+            <a:r>
+              <a:rPr lang="en-US" dirty="0" err="1" smtClean="0"/>
+              <a:t>trong</a:t>
+            </a:r>
+            <a:r>
+              <a:rPr lang="en-US" dirty="0" smtClean="0"/>
+              <a:t> </a:t>
+            </a:r>
+            <a:r>
+              <a:rPr lang="en-US" dirty="0" err="1" smtClean="0"/>
+              <a:t>tình</a:t>
+            </a:r>
+            <a:r>
+              <a:rPr lang="en-US" dirty="0" smtClean="0"/>
+              <a:t> </a:t>
+            </a:r>
+            <a:r>
+              <a:rPr lang="en-US" dirty="0" err="1" smtClean="0"/>
+              <a:t>trạng</a:t>
+            </a:r>
+            <a:r>
+              <a:rPr lang="en-US" dirty="0" smtClean="0"/>
+              <a:t> </a:t>
+            </a:r>
+            <a:r>
+              <a:rPr lang="en-US" dirty="0" err="1" smtClean="0"/>
+              <a:t>thiếu</a:t>
+            </a:r>
+            <a:r>
+              <a:rPr lang="en-US" dirty="0" smtClean="0"/>
+              <a:t> </a:t>
+            </a:r>
+            <a:r>
+              <a:rPr lang="en-US" dirty="0" err="1" smtClean="0"/>
+              <a:t>hụt</a:t>
+            </a:r>
+            <a:r>
+              <a:rPr lang="en-US" dirty="0" smtClean="0"/>
+              <a:t> </a:t>
+            </a:r>
+            <a:r>
+              <a:rPr lang="en-US" dirty="0" err="1" smtClean="0"/>
+              <a:t>trầm</a:t>
+            </a:r>
+            <a:r>
+              <a:rPr lang="en-US" dirty="0" smtClean="0"/>
+              <a:t> </a:t>
+            </a:r>
+            <a:r>
+              <a:rPr lang="en-US" dirty="0" err="1" smtClean="0"/>
+              <a:t>trọng</a:t>
+            </a:r>
+            <a:r>
+              <a:rPr lang="en-US" dirty="0" smtClean="0"/>
+              <a:t>.</a:t>
+            </a:r>
+          </a:p>
+          <a:p>
+            <a:pPr marL="0" indent="0">
+              <a:buNone/>
+            </a:pPr>
+            <a:r>
+              <a:rPr lang="vi-VN" dirty="0"/>
+              <a:t>Theo dự báo của Vietnamworks, với gần 80.000 nhân lực CNTT sẽ được các trường cho “ra lò” trong hai năm, 2017 và 2018, so với nhu cầu tính đến cuối năm 2018, Việt Nam sẽ thiếu khoảng 70.000 nhân lực về CNTT. Việt Nam sẽ cần khoảng 1,2 triệu nhân lực ngành CNTT vào năm 2020. Nhưng nhiều khả năng số nhân lực thiếu hụt lên tới 500.000 người.</a:t>
+            </a:r>
             <a:endParaRPr lang="en-US" dirty="0"/>
           </a:p>
         </p:txBody>
@@ -8009,6 +8616,72 @@
                 </a:outerShdw>
               </a:effectLst>
             </a:endParaRPr>
+          </a:p>
+        </p:txBody>
+      </p:sp>
+      <p:sp>
+        <p:nvSpPr>
+          <p:cNvPr id="4" name="TextBox 3"/>
+          <p:cNvSpPr txBox="1"/>
+          <p:nvPr/>
+        </p:nvSpPr>
+        <p:spPr>
+          <a:xfrm>
+            <a:off x="1066800" y="1295400"/>
+            <a:ext cx="5950603" cy="523220"/>
+          </a:xfrm>
+          <a:prstGeom prst="rect">
+            <a:avLst/>
+          </a:prstGeom>
+          <a:noFill/>
+        </p:spPr>
+        <p:txBody>
+          <a:bodyPr wrap="none" rtlCol="0">
+            <a:spAutoFit/>
+          </a:bodyPr>
+          <a:lstStyle/>
+          <a:p>
+            <a:r>
+              <a:rPr lang="en-US" sz="2800" dirty="0" err="1" smtClean="0"/>
+              <a:t>Ngành</a:t>
+            </a:r>
+            <a:r>
+              <a:rPr lang="en-US" sz="2800" dirty="0" smtClean="0"/>
+              <a:t> CNTT ở </a:t>
+            </a:r>
+            <a:r>
+              <a:rPr lang="en-US" sz="2800" dirty="0" err="1" smtClean="0"/>
+              <a:t>nước</a:t>
+            </a:r>
+            <a:r>
+              <a:rPr lang="en-US" sz="2800" dirty="0" smtClean="0"/>
+              <a:t> ta </a:t>
+            </a:r>
+            <a:r>
+              <a:rPr lang="en-US" sz="2800" dirty="0" err="1" smtClean="0"/>
+              <a:t>như</a:t>
+            </a:r>
+            <a:r>
+              <a:rPr lang="en-US" sz="2800" dirty="0" smtClean="0"/>
+              <a:t> </a:t>
+            </a:r>
+            <a:r>
+              <a:rPr lang="en-US" sz="2800" dirty="0" err="1" smtClean="0"/>
+              <a:t>thế</a:t>
+            </a:r>
+            <a:r>
+              <a:rPr lang="en-US" sz="2800" dirty="0" smtClean="0"/>
+              <a:t> </a:t>
+            </a:r>
+            <a:r>
+              <a:rPr lang="en-US" sz="2800" dirty="0" err="1" smtClean="0"/>
+              <a:t>nào</a:t>
+            </a:r>
+            <a:r>
+              <a:rPr lang="en-US" sz="2800" dirty="0" smtClean="0"/>
+              <a:t>?</a:t>
+            </a:r>
+            <a:endParaRPr lang="en-US" sz="2800" dirty="0"/>
           </a:p>
         </p:txBody>
       </p:sp>
@@ -8080,10 +8753,88 @@
         </p:nvSpPr>
         <p:spPr/>
         <p:txBody>
-          <a:bodyPr/>
+          <a:bodyPr>
+            <a:normAutofit fontScale="90000"/>
+          </a:bodyPr>
           <a:lstStyle/>
           <a:p>
-            <a:endParaRPr lang="en-US"/>
+            <a:r>
+              <a:rPr lang="en-US" dirty="0" smtClean="0"/>
+              <a:t>2. </a:t>
+            </a:r>
+            <a:r>
+              <a:rPr lang="en-US" dirty="0" err="1" smtClean="0"/>
+              <a:t>Nguyên</a:t>
+            </a:r>
+            <a:r>
+              <a:rPr lang="en-US" dirty="0" smtClean="0"/>
+              <a:t> </a:t>
+            </a:r>
+            <a:r>
+              <a:rPr lang="en-US" dirty="0" err="1" smtClean="0"/>
+              <a:t>nhân</a:t>
+            </a:r>
+            <a:r>
+              <a:rPr lang="en-US" dirty="0" smtClean="0"/>
+              <a:t> do </a:t>
+            </a:r>
+            <a:r>
+              <a:rPr lang="en-US" dirty="0" err="1" smtClean="0"/>
+              <a:t>đâu</a:t>
+            </a:r>
+            <a:r>
+              <a:rPr lang="en-US" dirty="0" smtClean="0"/>
+              <a:t>? </a:t>
+            </a:r>
+            <a:r>
+              <a:rPr lang="en-US" dirty="0" err="1" smtClean="0"/>
+              <a:t>Sinh</a:t>
+            </a:r>
+            <a:r>
+              <a:rPr lang="en-US" dirty="0" smtClean="0"/>
+              <a:t> </a:t>
+            </a:r>
+            <a:r>
+              <a:rPr lang="en-US" dirty="0" err="1" smtClean="0"/>
+              <a:t>viên</a:t>
+            </a:r>
+            <a:r>
+              <a:rPr lang="en-US" dirty="0" smtClean="0"/>
+              <a:t> </a:t>
+            </a:r>
+            <a:r>
+              <a:rPr lang="en-US" dirty="0" err="1" smtClean="0"/>
+              <a:t>cần</a:t>
+            </a:r>
+            <a:r>
+              <a:rPr lang="en-US" dirty="0" smtClean="0"/>
+              <a:t> </a:t>
+            </a:r>
+            <a:r>
+              <a:rPr lang="en-US" dirty="0" err="1" smtClean="0"/>
+              <a:t>phải</a:t>
+            </a:r>
+            <a:r>
+              <a:rPr lang="en-US" dirty="0" smtClean="0"/>
+              <a:t> </a:t>
+            </a:r>
+            <a:r>
+              <a:rPr lang="en-US" dirty="0" err="1" smtClean="0"/>
+              <a:t>làm</a:t>
+            </a:r>
+            <a:r>
+              <a:rPr lang="en-US" dirty="0" smtClean="0"/>
+              <a:t> </a:t>
+            </a:r>
+            <a:r>
+              <a:rPr lang="en-US" dirty="0" err="1" smtClean="0"/>
+              <a:t>gì</a:t>
+            </a:r>
+            <a:r>
+              <a:rPr lang="en-US" dirty="0" smtClean="0"/>
+              <a:t>?</a:t>
+            </a:r>
+            <a:endParaRPr lang="en-US" dirty="0"/>
           </a:p>
         </p:txBody>
       </p:sp>

--- a/Nhóm 3.pptx
+++ b/Nhóm 3.pptx
@@ -5,10 +5,10 @@
     <p:sldMasterId id="2147483648" r:id="rId1"/>
   </p:sldMasterIdLst>
   <p:notesMasterIdLst>
-    <p:notesMasterId r:id="rId14"/>
+    <p:notesMasterId r:id="rId18"/>
   </p:notesMasterIdLst>
   <p:handoutMasterIdLst>
-    <p:handoutMasterId r:id="rId15"/>
+    <p:handoutMasterId r:id="rId19"/>
   </p:handoutMasterIdLst>
   <p:sldIdLst>
     <p:sldId id="257" r:id="rId2"/>
@@ -18,11 +18,15 @@
     <p:sldId id="260" r:id="rId6"/>
     <p:sldId id="263" r:id="rId7"/>
     <p:sldId id="262" r:id="rId8"/>
-    <p:sldId id="265" r:id="rId9"/>
-    <p:sldId id="264" r:id="rId10"/>
-    <p:sldId id="266" r:id="rId11"/>
-    <p:sldId id="267" r:id="rId12"/>
-    <p:sldId id="268" r:id="rId13"/>
+    <p:sldId id="269" r:id="rId9"/>
+    <p:sldId id="265" r:id="rId10"/>
+    <p:sldId id="270" r:id="rId11"/>
+    <p:sldId id="271" r:id="rId12"/>
+    <p:sldId id="272" r:id="rId13"/>
+    <p:sldId id="264" r:id="rId14"/>
+    <p:sldId id="266" r:id="rId15"/>
+    <p:sldId id="267" r:id="rId16"/>
+    <p:sldId id="268" r:id="rId17"/>
   </p:sldIdLst>
   <p:sldSz cx="9144000" cy="6858000" type="screen4x3"/>
   <p:notesSz cx="6858000" cy="9144000"/>
@@ -121,7 +125,7 @@
   </p:defaultTextStyle>
   <p:extLst>
     <p:ext uri="{EFAFB233-063F-42B5-8137-9DF3F51BA10A}">
-      <p15:sldGuideLst xmlns:p15="http://schemas.microsoft.com/office/powerpoint/2012/main">
+      <p15:sldGuideLst xmlns:p15="http://schemas.microsoft.com/office/powerpoint/2012/main" xmlns="">
         <p15:guide id="1" orient="horz" pos="2160">
           <p15:clr>
             <a:srgbClr val="A4A3A4"/>
@@ -223,7 +227,7 @@
             <a:fld id="{54D4857D-62A5-486B-9129-468003D7E020}" type="datetimeFigureOut">
               <a:rPr lang="en-US" smtClean="0"/>
               <a:pPr/>
-              <a:t>12/4/2017</a:t>
+              <a:t>12/6/2017</a:t>
             </a:fld>
             <a:endParaRPr lang="en-US"/>
           </a:p>
@@ -394,7 +398,7 @@
             <a:fld id="{2D2EF2CE-B28C-4ED4-8FD0-48BB3F48846A}" type="datetimeFigureOut">
               <a:rPr lang="en-US" smtClean="0"/>
               <a:pPr/>
-              <a:t>12/4/2017</a:t>
+              <a:t>12/6/2017</a:t>
             </a:fld>
             <a:endParaRPr lang="en-US"/>
           </a:p>
@@ -1561,7 +1565,7 @@
             <a:fld id="{8F67D422-08A8-451B-9A67-21962FC4B660}" type="datetimeFigureOut">
               <a:rPr lang="en-US" sz="1100" smtClean="0"/>
               <a:pPr algn="r"/>
-              <a:t>12/4/2017</a:t>
+              <a:t>12/6/2017</a:t>
             </a:fld>
             <a:endParaRPr lang="en-US"/>
           </a:p>
@@ -1791,7 +1795,7 @@
             <a:fld id="{8F67D422-08A8-451B-9A67-21962FC4B660}" type="datetimeFigureOut">
               <a:rPr lang="en-US" sz="1100" smtClean="0"/>
               <a:pPr algn="r"/>
-              <a:t>12/4/2017</a:t>
+              <a:t>12/6/2017</a:t>
             </a:fld>
             <a:endParaRPr lang="en-US"/>
           </a:p>
@@ -1914,7 +1918,7 @@
             <a:fld id="{8F67D422-08A8-451B-9A67-21962FC4B660}" type="datetimeFigureOut">
               <a:rPr lang="en-US" sz="1100" smtClean="0"/>
               <a:pPr algn="r"/>
-              <a:t>12/4/2017</a:t>
+              <a:t>12/6/2017</a:t>
             </a:fld>
             <a:endParaRPr lang="en-US"/>
           </a:p>
@@ -2088,7 +2092,7 @@
             <a:fld id="{1BEBB2CB-903D-46EF-8227-E770ED8FF514}" type="datetimeFigureOut">
               <a:rPr lang="en-US" smtClean="0"/>
               <a:pPr/>
-              <a:t>12/4/2017</a:t>
+              <a:t>12/6/2017</a:t>
             </a:fld>
             <a:endParaRPr lang="en-US"/>
           </a:p>
@@ -2570,7 +2574,7 @@
             <a:fld id="{1BEBB2CB-903D-46EF-8227-E770ED8FF514}" type="datetimeFigureOut">
               <a:rPr lang="en-US" smtClean="0"/>
               <a:pPr/>
-              <a:t>12/4/2017</a:t>
+              <a:t>12/6/2017</a:t>
             </a:fld>
             <a:endParaRPr lang="en-US"/>
           </a:p>
@@ -3183,7 +3187,7 @@
             <a:fld id="{1BEBB2CB-903D-46EF-8227-E770ED8FF514}" type="datetimeFigureOut">
               <a:rPr lang="en-US" smtClean="0"/>
               <a:pPr/>
-              <a:t>12/4/2017</a:t>
+              <a:t>12/6/2017</a:t>
             </a:fld>
             <a:endParaRPr lang="en-US"/>
           </a:p>
@@ -3588,7 +3592,7 @@
             <a:fld id="{1BEBB2CB-903D-46EF-8227-E770ED8FF514}" type="datetimeFigureOut">
               <a:rPr lang="en-US" smtClean="0"/>
               <a:pPr/>
-              <a:t>12/4/2017</a:t>
+              <a:t>12/6/2017</a:t>
             </a:fld>
             <a:endParaRPr lang="en-US"/>
           </a:p>
@@ -4394,7 +4398,7 @@
             <a:fld id="{1BEBB2CB-903D-46EF-8227-E770ED8FF514}" type="datetimeFigureOut">
               <a:rPr lang="en-US" smtClean="0"/>
               <a:pPr/>
-              <a:t>12/4/2017</a:t>
+              <a:t>12/6/2017</a:t>
             </a:fld>
             <a:endParaRPr lang="en-US"/>
           </a:p>
@@ -5494,7 +5498,7 @@
             <a:fld id="{8F67D422-08A8-451B-9A67-21962FC4B660}" type="datetimeFigureOut">
               <a:rPr lang="en-US" sz="1100" smtClean="0"/>
               <a:pPr algn="r"/>
-              <a:t>12/4/2017</a:t>
+              <a:t>12/6/2017</a:t>
             </a:fld>
             <a:endParaRPr lang="en-US" sz="1050" dirty="0"/>
           </a:p>
@@ -7117,6 +7121,2151 @@
             <p:ph idx="1"/>
           </p:nvPr>
         </p:nvSpPr>
+        <p:spPr>
+          <a:xfrm>
+            <a:off x="914400" y="533400"/>
+            <a:ext cx="7467600" cy="5791200"/>
+          </a:xfrm>
+        </p:spPr>
+        <p:txBody>
+          <a:bodyPr>
+            <a:normAutofit fontScale="77500" lnSpcReduction="20000"/>
+          </a:bodyPr>
+          <a:lstStyle/>
+          <a:p>
+            <a:pPr marL="457200" lvl="0" indent="-457200">
+              <a:buFont typeface="+mj-lt"/>
+              <a:buAutoNum type="arabicPeriod"/>
+            </a:pPr>
+            <a:r>
+              <a:rPr lang="en-US" b="1" dirty="0"/>
+              <a:t>Thảo luận, bàn bạc về đồ án giáo viên.</a:t>
+            </a:r>
+            <a:endParaRPr lang="en-US" dirty="0"/>
+          </a:p>
+          <a:p>
+            <a:pPr marL="457200" lvl="0" indent="-457200">
+              <a:buFont typeface="+mj-lt"/>
+              <a:buAutoNum type="arabicPeriod"/>
+            </a:pPr>
+            <a:r>
+              <a:rPr lang="en-US" b="1" dirty="0"/>
+              <a:t>Sắp xếp thời gian thực hiện từng công việc để hoàn thành đồ án.</a:t>
+            </a:r>
+            <a:endParaRPr lang="en-US" dirty="0"/>
+          </a:p>
+          <a:p>
+            <a:pPr marL="457200" lvl="0" indent="-457200">
+              <a:buFont typeface="+mj-lt"/>
+              <a:buAutoNum type="arabicPeriod"/>
+            </a:pPr>
+            <a:r>
+              <a:rPr lang="en-US" b="1" dirty="0"/>
+              <a:t>Phân công nhiệm vụ rỏ ràng cho từng thành viên trong nhóm.</a:t>
+            </a:r>
+            <a:endParaRPr lang="en-US" dirty="0"/>
+          </a:p>
+          <a:p>
+            <a:pPr marL="0" lvl="0" indent="0">
+              <a:buNone/>
+            </a:pPr>
+            <a:r>
+              <a:rPr lang="en-US" b="1" dirty="0"/>
+              <a:t>a.      Kết quả buổi họp nhóm:</a:t>
+            </a:r>
+            <a:endParaRPr lang="en-US" dirty="0"/>
+          </a:p>
+          <a:p>
+            <a:pPr lvl="0">
+              <a:buFont typeface="Wingdings" panose="05000000000000000000" pitchFamily="2" charset="2"/>
+              <a:buChar char="Ø"/>
+            </a:pPr>
+            <a:r>
+              <a:rPr lang="en-US" dirty="0"/>
+              <a:t>Nhóm đã trao đổi và thảo luận kĩ càng về hướng hoàn thành đồ án giáo viên giao.</a:t>
+            </a:r>
+          </a:p>
+          <a:p>
+            <a:pPr lvl="0">
+              <a:buFont typeface="Wingdings" panose="05000000000000000000" pitchFamily="2" charset="2"/>
+              <a:buChar char="Ø"/>
+            </a:pPr>
+            <a:r>
+              <a:rPr lang="en-US" dirty="0"/>
+              <a:t>Phân công được công việc phù hợp cho từng thành viên trong nhóm.</a:t>
+            </a:r>
+          </a:p>
+          <a:p>
+            <a:pPr lvl="0">
+              <a:buFont typeface="Wingdings" panose="05000000000000000000" pitchFamily="2" charset="2"/>
+              <a:buChar char="Ø"/>
+            </a:pPr>
+            <a:r>
+              <a:rPr lang="en-US" dirty="0"/>
+              <a:t>Thống nhất thời gian bắt đầu và hoàn thành đồ án </a:t>
+            </a:r>
+            <a:r>
+              <a:rPr lang="en-GB" dirty="0"/>
+              <a:t>.</a:t>
+            </a:r>
+            <a:endParaRPr lang="en-US" dirty="0"/>
+          </a:p>
+          <a:p>
+            <a:pPr marL="0" lvl="0" indent="0">
+              <a:buNone/>
+            </a:pPr>
+            <a:r>
+              <a:rPr lang="en-US" b="1" dirty="0"/>
+              <a:t>b.     Nội dung:</a:t>
+            </a:r>
+            <a:endParaRPr lang="en-US" dirty="0"/>
+          </a:p>
+          <a:p>
+            <a:pPr lvl="0">
+              <a:buFont typeface="Wingdings" panose="05000000000000000000" pitchFamily="2" charset="2"/>
+              <a:buChar char="Ø"/>
+            </a:pPr>
+            <a:r>
+              <a:rPr lang="en-US" dirty="0"/>
+              <a:t>Xác định hướng đi để làm đồ án.</a:t>
+            </a:r>
+          </a:p>
+          <a:p>
+            <a:pPr lvl="0">
+              <a:buFont typeface="Wingdings" panose="05000000000000000000" pitchFamily="2" charset="2"/>
+              <a:buChar char="Ø"/>
+            </a:pPr>
+            <a:r>
+              <a:rPr lang="en-US" dirty="0"/>
+              <a:t>Thảo luận về nội dung đồ án.</a:t>
+            </a:r>
+          </a:p>
+          <a:p>
+            <a:pPr lvl="0">
+              <a:buFont typeface="Wingdings" panose="05000000000000000000" pitchFamily="2" charset="2"/>
+              <a:buChar char="Ø"/>
+            </a:pPr>
+            <a:r>
+              <a:rPr lang="en-US" dirty="0"/>
+              <a:t>Phân công công việc rỏ ràng.</a:t>
+            </a:r>
+          </a:p>
+          <a:p>
+            <a:pPr marL="0" lvl="0" indent="0">
+              <a:buNone/>
+            </a:pPr>
+            <a:r>
+              <a:rPr lang="en-US" b="1" dirty="0"/>
+              <a:t>c.     Tổ chức công việc:</a:t>
+            </a:r>
+            <a:endParaRPr lang="en-US" dirty="0"/>
+          </a:p>
+          <a:p>
+            <a:pPr lvl="0">
+              <a:buFont typeface="Wingdings" panose="05000000000000000000" pitchFamily="2" charset="2"/>
+              <a:buChar char="Ø"/>
+            </a:pPr>
+            <a:r>
+              <a:rPr lang="en-US" b="1" dirty="0"/>
+              <a:t>Mục tiêu:</a:t>
+            </a:r>
+            <a:r>
+              <a:rPr lang="en-US" dirty="0"/>
+              <a:t> Thực hiện quay một Video Clip nói về yêu cầu thực tiễn từ doanh nghiệp và kế hoạch hoàn thiện bản thân để đáp ứng nhu cầu đó trong lĩnh vực công nghệ thông tin.</a:t>
+            </a:r>
+          </a:p>
+          <a:p>
+            <a:pPr lvl="0">
+              <a:buFont typeface="Wingdings" panose="05000000000000000000" pitchFamily="2" charset="2"/>
+              <a:buChar char="Ø"/>
+            </a:pPr>
+            <a:r>
+              <a:rPr lang="en-US" b="1" dirty="0"/>
+              <a:t>Địa điểm</a:t>
+            </a:r>
+            <a:r>
+              <a:rPr lang="en-US" dirty="0"/>
+              <a:t>: Căn tin trường Cao Đẳng Công Nghệ Thủ Đức</a:t>
+            </a:r>
+          </a:p>
+          <a:p>
+            <a:pPr lvl="0">
+              <a:buFont typeface="Wingdings" panose="05000000000000000000" pitchFamily="2" charset="2"/>
+              <a:buChar char="Ø"/>
+            </a:pPr>
+            <a:r>
+              <a:rPr lang="en-US" b="1" dirty="0"/>
+              <a:t>Thời gian</a:t>
+            </a:r>
+            <a:r>
+              <a:rPr lang="en-US" dirty="0"/>
+              <a:t>: Vào lúc 9h sáng  thứ ba ngày </a:t>
+            </a:r>
+            <a:r>
+              <a:rPr lang="en-US" dirty="0" smtClean="0"/>
+              <a:t>28 </a:t>
+            </a:r>
+            <a:r>
+              <a:rPr lang="en-US" dirty="0"/>
+              <a:t>/11 / 2017 .</a:t>
+            </a:r>
+          </a:p>
+          <a:p>
+            <a:pPr lvl="0"/>
+            <a:r>
+              <a:rPr lang="en-US" b="1" dirty="0"/>
+              <a:t>Nội dung buổi </a:t>
+            </a:r>
+            <a:r>
+              <a:rPr lang="en-US" b="1" dirty="0" smtClean="0"/>
+              <a:t>họp: </a:t>
+            </a:r>
+            <a:r>
+              <a:rPr lang="en-US" dirty="0"/>
+              <a:t>Địa điểm và thời gian quay clip, phân công công việc.</a:t>
+            </a:r>
+          </a:p>
+          <a:p>
+            <a:r>
+              <a:rPr lang="en-US" dirty="0"/>
+              <a:t>Địa điểm</a:t>
+            </a:r>
+            <a:r>
+              <a:rPr lang="en-US" b="1" dirty="0"/>
+              <a:t> </a:t>
+            </a:r>
+            <a:r>
+              <a:rPr lang="en-US" dirty="0"/>
+              <a:t>: Tầng 1, tòa nhà Waseco, công ty TNHH Fujinet Systems.</a:t>
+            </a:r>
+          </a:p>
+          <a:p>
+            <a:r>
+              <a:rPr lang="en-US" dirty="0"/>
+              <a:t>Thời gian: 8h30, ngày 6 tháng 12 năm 2017.</a:t>
+            </a:r>
+          </a:p>
+          <a:p>
+            <a:r>
+              <a:rPr lang="en-US" dirty="0"/>
+              <a:t>MC: Tương Lại Anh Thư</a:t>
+            </a:r>
+          </a:p>
+          <a:p>
+            <a:r>
+              <a:rPr lang="en-US" dirty="0"/>
+              <a:t>Quay clip: Võ Thành Phát</a:t>
+            </a:r>
+          </a:p>
+          <a:p>
+            <a:pPr lvl="0">
+              <a:buFont typeface="Wingdings" panose="05000000000000000000" pitchFamily="2" charset="2"/>
+              <a:buChar char="Ø"/>
+            </a:pPr>
+            <a:endParaRPr lang="en-US" dirty="0"/>
+          </a:p>
+        </p:txBody>
+      </p:sp>
+    </p:spTree>
+    <p:extLst>
+      <p:ext uri="{BB962C8B-B14F-4D97-AF65-F5344CB8AC3E}">
+        <p14:creationId xmlns:p14="http://schemas.microsoft.com/office/powerpoint/2010/main" val="2041202291"/>
+      </p:ext>
+    </p:extLst>
+  </p:cSld>
+  <p:clrMapOvr>
+    <a:masterClrMapping/>
+  </p:clrMapOvr>
+  <p:timing>
+    <p:tnLst>
+      <p:par>
+        <p:cTn id="1" dur="indefinite" restart="never" nodeType="tmRoot"/>
+      </p:par>
+    </p:tnLst>
+  </p:timing>
+</p:sld>
+</file>
+
+<file path=ppt/slides/slide11.xml><?xml version="1.0" encoding="utf-8"?>
+<p:sld xmlns:a="http://schemas.openxmlformats.org/drawingml/2006/main" xmlns:r="http://schemas.openxmlformats.org/officeDocument/2006/relationships" xmlns:p="http://schemas.openxmlformats.org/presentationml/2006/main">
+  <p:cSld>
+    <p:spTree>
+      <p:nvGrpSpPr>
+        <p:cNvPr id="1" name=""/>
+        <p:cNvGrpSpPr/>
+        <p:nvPr/>
+      </p:nvGrpSpPr>
+      <p:grpSpPr>
+        <a:xfrm>
+          <a:off x="0" y="0"/>
+          <a:ext cx="0" cy="0"/>
+          <a:chOff x="0" y="0"/>
+          <a:chExt cx="0" cy="0"/>
+        </a:xfrm>
+      </p:grpSpPr>
+      <p:graphicFrame>
+        <p:nvGraphicFramePr>
+          <p:cNvPr id="4" name="Content Placeholder 3"/>
+          <p:cNvGraphicFramePr>
+            <a:graphicFrameLocks noGrp="1"/>
+          </p:cNvGraphicFramePr>
+          <p:nvPr>
+            <p:ph idx="1"/>
+          </p:nvPr>
+        </p:nvGraphicFramePr>
+        <p:xfrm>
+          <a:off x="914400" y="2083911"/>
+          <a:ext cx="7467600" cy="3698617"/>
+        </p:xfrm>
+        <a:graphic>
+          <a:graphicData uri="http://schemas.openxmlformats.org/drawingml/2006/table">
+            <a:tbl>
+              <a:tblPr firstRow="1" firstCol="1" bandRow="1">
+                <a:tableStyleId>{5C22544A-7EE6-4342-B048-85BDC9FD1C3A}</a:tableStyleId>
+              </a:tblPr>
+              <a:tblGrid>
+                <a:gridCol w="445827"/>
+                <a:gridCol w="1058839"/>
+                <a:gridCol w="1783307"/>
+                <a:gridCol w="1058839"/>
+                <a:gridCol w="2061949"/>
+                <a:gridCol w="1058839"/>
+              </a:tblGrid>
+              <a:tr h="289787">
+                <a:tc>
+                  <a:txBody>
+                    <a:bodyPr/>
+                    <a:lstStyle/>
+                    <a:p>
+                      <a:pPr marL="0" marR="0" algn="ctr">
+                        <a:lnSpc>
+                          <a:spcPct val="150000"/>
+                        </a:lnSpc>
+                        <a:spcBef>
+                          <a:spcPts val="720"/>
+                        </a:spcBef>
+                        <a:spcAft>
+                          <a:spcPts val="720"/>
+                        </a:spcAft>
+                      </a:pPr>
+                      <a:r>
+                        <a:rPr lang="en-US" sz="1300">
+                          <a:effectLst/>
+                        </a:rPr>
+                        <a:t>STT</a:t>
+                      </a:r>
+                      <a:endParaRPr lang="en-US" sz="1100">
+                        <a:effectLst/>
+                        <a:latin typeface="Calibri"/>
+                        <a:ea typeface="Calibri"/>
+                        <a:cs typeface="Cordia New"/>
+                      </a:endParaRPr>
+                    </a:p>
+                  </a:txBody>
+                  <a:tcPr marL="66874" marR="66874" marT="0" marB="0" anchor="ctr"/>
+                </a:tc>
+                <a:tc>
+                  <a:txBody>
+                    <a:bodyPr/>
+                    <a:lstStyle/>
+                    <a:p>
+                      <a:pPr marL="0" marR="0" algn="ctr">
+                        <a:lnSpc>
+                          <a:spcPct val="150000"/>
+                        </a:lnSpc>
+                        <a:spcBef>
+                          <a:spcPts val="720"/>
+                        </a:spcBef>
+                        <a:spcAft>
+                          <a:spcPts val="720"/>
+                        </a:spcAft>
+                      </a:pPr>
+                      <a:r>
+                        <a:rPr lang="en-US" sz="1300">
+                          <a:effectLst/>
+                        </a:rPr>
+                        <a:t>MSSV</a:t>
+                      </a:r>
+                      <a:endParaRPr lang="en-US" sz="1100">
+                        <a:effectLst/>
+                        <a:latin typeface="Calibri"/>
+                        <a:ea typeface="Calibri"/>
+                        <a:cs typeface="Cordia New"/>
+                      </a:endParaRPr>
+                    </a:p>
+                  </a:txBody>
+                  <a:tcPr marL="66874" marR="66874" marT="0" marB="0" anchor="ctr"/>
+                </a:tc>
+                <a:tc>
+                  <a:txBody>
+                    <a:bodyPr/>
+                    <a:lstStyle/>
+                    <a:p>
+                      <a:pPr marL="0" marR="0" algn="ctr">
+                        <a:lnSpc>
+                          <a:spcPct val="150000"/>
+                        </a:lnSpc>
+                        <a:spcBef>
+                          <a:spcPts val="720"/>
+                        </a:spcBef>
+                        <a:spcAft>
+                          <a:spcPts val="720"/>
+                        </a:spcAft>
+                      </a:pPr>
+                      <a:r>
+                        <a:rPr lang="en-US" sz="1300">
+                          <a:effectLst/>
+                        </a:rPr>
+                        <a:t>Họ và tên</a:t>
+                      </a:r>
+                      <a:endParaRPr lang="en-US" sz="1100">
+                        <a:effectLst/>
+                        <a:latin typeface="Calibri"/>
+                        <a:ea typeface="Calibri"/>
+                        <a:cs typeface="Cordia New"/>
+                      </a:endParaRPr>
+                    </a:p>
+                  </a:txBody>
+                  <a:tcPr marL="66874" marR="66874" marT="0" marB="0" anchor="ctr"/>
+                </a:tc>
+                <a:tc>
+                  <a:txBody>
+                    <a:bodyPr/>
+                    <a:lstStyle/>
+                    <a:p>
+                      <a:pPr marL="0" marR="0" algn="ctr">
+                        <a:lnSpc>
+                          <a:spcPct val="150000"/>
+                        </a:lnSpc>
+                        <a:spcBef>
+                          <a:spcPts val="720"/>
+                        </a:spcBef>
+                        <a:spcAft>
+                          <a:spcPts val="720"/>
+                        </a:spcAft>
+                      </a:pPr>
+                      <a:r>
+                        <a:rPr lang="en-US" sz="1300">
+                          <a:effectLst/>
+                        </a:rPr>
+                        <a:t>Vai trò</a:t>
+                      </a:r>
+                      <a:endParaRPr lang="en-US" sz="1100">
+                        <a:effectLst/>
+                        <a:latin typeface="Calibri"/>
+                        <a:ea typeface="Calibri"/>
+                        <a:cs typeface="Cordia New"/>
+                      </a:endParaRPr>
+                    </a:p>
+                  </a:txBody>
+                  <a:tcPr marL="66874" marR="66874" marT="0" marB="0" anchor="ctr"/>
+                </a:tc>
+                <a:tc>
+                  <a:txBody>
+                    <a:bodyPr/>
+                    <a:lstStyle/>
+                    <a:p>
+                      <a:pPr marL="0" marR="0" algn="ctr">
+                        <a:lnSpc>
+                          <a:spcPct val="150000"/>
+                        </a:lnSpc>
+                        <a:spcBef>
+                          <a:spcPts val="720"/>
+                        </a:spcBef>
+                        <a:spcAft>
+                          <a:spcPts val="720"/>
+                        </a:spcAft>
+                      </a:pPr>
+                      <a:r>
+                        <a:rPr lang="en-US" sz="1300">
+                          <a:effectLst/>
+                        </a:rPr>
+                        <a:t>Email</a:t>
+                      </a:r>
+                      <a:endParaRPr lang="en-US" sz="1100">
+                        <a:effectLst/>
+                        <a:latin typeface="Calibri"/>
+                        <a:ea typeface="Calibri"/>
+                        <a:cs typeface="Cordia New"/>
+                      </a:endParaRPr>
+                    </a:p>
+                  </a:txBody>
+                  <a:tcPr marL="66874" marR="66874" marT="0" marB="0" anchor="ctr"/>
+                </a:tc>
+                <a:tc>
+                  <a:txBody>
+                    <a:bodyPr/>
+                    <a:lstStyle/>
+                    <a:p>
+                      <a:pPr marL="0" marR="0" algn="ctr">
+                        <a:lnSpc>
+                          <a:spcPct val="150000"/>
+                        </a:lnSpc>
+                        <a:spcBef>
+                          <a:spcPts val="720"/>
+                        </a:spcBef>
+                        <a:spcAft>
+                          <a:spcPts val="720"/>
+                        </a:spcAft>
+                      </a:pPr>
+                      <a:r>
+                        <a:rPr lang="en-US" sz="1300">
+                          <a:effectLst/>
+                        </a:rPr>
+                        <a:t>SĐT</a:t>
+                      </a:r>
+                      <a:endParaRPr lang="en-US" sz="1100">
+                        <a:effectLst/>
+                        <a:latin typeface="Calibri"/>
+                        <a:ea typeface="Calibri"/>
+                        <a:cs typeface="Cordia New"/>
+                      </a:endParaRPr>
+                    </a:p>
+                  </a:txBody>
+                  <a:tcPr marL="66874" marR="66874" marT="0" marB="0" anchor="ctr"/>
+                </a:tc>
+              </a:tr>
+              <a:tr h="450780">
+                <a:tc>
+                  <a:txBody>
+                    <a:bodyPr/>
+                    <a:lstStyle/>
+                    <a:p>
+                      <a:pPr marL="0" marR="0" algn="ctr">
+                        <a:lnSpc>
+                          <a:spcPct val="150000"/>
+                        </a:lnSpc>
+                        <a:spcBef>
+                          <a:spcPts val="720"/>
+                        </a:spcBef>
+                        <a:spcAft>
+                          <a:spcPts val="720"/>
+                        </a:spcAft>
+                      </a:pPr>
+                      <a:r>
+                        <a:rPr lang="en-US" sz="1300">
+                          <a:effectLst/>
+                        </a:rPr>
+                        <a:t>1</a:t>
+                      </a:r>
+                      <a:endParaRPr lang="en-US" sz="1100">
+                        <a:effectLst/>
+                        <a:latin typeface="Calibri"/>
+                        <a:ea typeface="Calibri"/>
+                        <a:cs typeface="Cordia New"/>
+                      </a:endParaRPr>
+                    </a:p>
+                  </a:txBody>
+                  <a:tcPr marL="66874" marR="66874" marT="0" marB="0" anchor="ctr"/>
+                </a:tc>
+                <a:tc>
+                  <a:txBody>
+                    <a:bodyPr/>
+                    <a:lstStyle/>
+                    <a:p>
+                      <a:pPr marL="0" marR="0" algn="ctr">
+                        <a:lnSpc>
+                          <a:spcPct val="150000"/>
+                        </a:lnSpc>
+                        <a:spcBef>
+                          <a:spcPts val="720"/>
+                        </a:spcBef>
+                        <a:spcAft>
+                          <a:spcPts val="720"/>
+                        </a:spcAft>
+                      </a:pPr>
+                      <a:r>
+                        <a:rPr lang="en-US" sz="1300">
+                          <a:effectLst/>
+                        </a:rPr>
+                        <a:t>17211TT0111</a:t>
+                      </a:r>
+                      <a:endParaRPr lang="en-US" sz="1100">
+                        <a:effectLst/>
+                        <a:latin typeface="Calibri"/>
+                        <a:ea typeface="Calibri"/>
+                        <a:cs typeface="Cordia New"/>
+                      </a:endParaRPr>
+                    </a:p>
+                  </a:txBody>
+                  <a:tcPr marL="66874" marR="66874" marT="0" marB="0" anchor="ctr"/>
+                </a:tc>
+                <a:tc>
+                  <a:txBody>
+                    <a:bodyPr/>
+                    <a:lstStyle/>
+                    <a:p>
+                      <a:pPr marL="0" marR="0" algn="ctr">
+                        <a:lnSpc>
+                          <a:spcPct val="150000"/>
+                        </a:lnSpc>
+                        <a:spcBef>
+                          <a:spcPts val="720"/>
+                        </a:spcBef>
+                        <a:spcAft>
+                          <a:spcPts val="720"/>
+                        </a:spcAft>
+                      </a:pPr>
+                      <a:r>
+                        <a:rPr lang="en-US" sz="1300">
+                          <a:effectLst/>
+                        </a:rPr>
+                        <a:t>Võ Thành Phát</a:t>
+                      </a:r>
+                      <a:endParaRPr lang="en-US" sz="1100">
+                        <a:effectLst/>
+                        <a:latin typeface="Calibri"/>
+                        <a:ea typeface="Calibri"/>
+                        <a:cs typeface="Cordia New"/>
+                      </a:endParaRPr>
+                    </a:p>
+                  </a:txBody>
+                  <a:tcPr marL="66874" marR="66874" marT="0" marB="0" anchor="ctr"/>
+                </a:tc>
+                <a:tc>
+                  <a:txBody>
+                    <a:bodyPr/>
+                    <a:lstStyle/>
+                    <a:p>
+                      <a:pPr marL="0" marR="0" algn="ctr">
+                        <a:lnSpc>
+                          <a:spcPct val="150000"/>
+                        </a:lnSpc>
+                        <a:spcBef>
+                          <a:spcPts val="720"/>
+                        </a:spcBef>
+                        <a:spcAft>
+                          <a:spcPts val="720"/>
+                        </a:spcAft>
+                      </a:pPr>
+                      <a:r>
+                        <a:rPr lang="en-US" sz="1300">
+                          <a:effectLst/>
+                        </a:rPr>
+                        <a:t>Nhóm trưởng</a:t>
+                      </a:r>
+                      <a:endParaRPr lang="en-US" sz="1100">
+                        <a:effectLst/>
+                        <a:latin typeface="Calibri"/>
+                        <a:ea typeface="Calibri"/>
+                        <a:cs typeface="Cordia New"/>
+                      </a:endParaRPr>
+                    </a:p>
+                  </a:txBody>
+                  <a:tcPr marL="66874" marR="66874" marT="0" marB="0" anchor="ctr"/>
+                </a:tc>
+                <a:tc>
+                  <a:txBody>
+                    <a:bodyPr/>
+                    <a:lstStyle/>
+                    <a:p>
+                      <a:pPr marL="0" marR="0">
+                        <a:lnSpc>
+                          <a:spcPct val="150000"/>
+                        </a:lnSpc>
+                        <a:spcBef>
+                          <a:spcPts val="720"/>
+                        </a:spcBef>
+                        <a:spcAft>
+                          <a:spcPts val="720"/>
+                        </a:spcAft>
+                      </a:pPr>
+                      <a:r>
+                        <a:rPr lang="en-US" sz="1300">
+                          <a:effectLst/>
+                        </a:rPr>
+                        <a:t>thanhphat147@gmail.com</a:t>
+                      </a:r>
+                      <a:endParaRPr lang="en-US" sz="1100">
+                        <a:effectLst/>
+                        <a:latin typeface="Calibri"/>
+                        <a:ea typeface="Calibri"/>
+                        <a:cs typeface="Cordia New"/>
+                      </a:endParaRPr>
+                    </a:p>
+                  </a:txBody>
+                  <a:tcPr marL="66874" marR="66874" marT="0" marB="0" anchor="ctr"/>
+                </a:tc>
+                <a:tc>
+                  <a:txBody>
+                    <a:bodyPr/>
+                    <a:lstStyle/>
+                    <a:p>
+                      <a:pPr marL="0" marR="0" algn="ctr">
+                        <a:lnSpc>
+                          <a:spcPct val="150000"/>
+                        </a:lnSpc>
+                        <a:spcBef>
+                          <a:spcPts val="720"/>
+                        </a:spcBef>
+                        <a:spcAft>
+                          <a:spcPts val="720"/>
+                        </a:spcAft>
+                      </a:pPr>
+                      <a:r>
+                        <a:rPr lang="en-US" sz="1300">
+                          <a:effectLst/>
+                        </a:rPr>
+                        <a:t>0971174293</a:t>
+                      </a:r>
+                      <a:endParaRPr lang="en-US" sz="1100">
+                        <a:effectLst/>
+                        <a:latin typeface="Calibri"/>
+                        <a:ea typeface="Calibri"/>
+                        <a:cs typeface="Cordia New"/>
+                      </a:endParaRPr>
+                    </a:p>
+                  </a:txBody>
+                  <a:tcPr marL="66874" marR="66874" marT="0" marB="0" anchor="ctr"/>
+                </a:tc>
+              </a:tr>
+              <a:tr h="579575">
+                <a:tc>
+                  <a:txBody>
+                    <a:bodyPr/>
+                    <a:lstStyle/>
+                    <a:p>
+                      <a:pPr marL="0" marR="0" algn="ctr">
+                        <a:lnSpc>
+                          <a:spcPct val="150000"/>
+                        </a:lnSpc>
+                        <a:spcBef>
+                          <a:spcPts val="720"/>
+                        </a:spcBef>
+                        <a:spcAft>
+                          <a:spcPts val="720"/>
+                        </a:spcAft>
+                      </a:pPr>
+                      <a:r>
+                        <a:rPr lang="en-US" sz="1300">
+                          <a:effectLst/>
+                        </a:rPr>
+                        <a:t>2</a:t>
+                      </a:r>
+                      <a:endParaRPr lang="en-US" sz="1100">
+                        <a:effectLst/>
+                        <a:latin typeface="Calibri"/>
+                        <a:ea typeface="Calibri"/>
+                        <a:cs typeface="Cordia New"/>
+                      </a:endParaRPr>
+                    </a:p>
+                  </a:txBody>
+                  <a:tcPr marL="66874" marR="66874" marT="0" marB="0" anchor="ctr"/>
+                </a:tc>
+                <a:tc>
+                  <a:txBody>
+                    <a:bodyPr/>
+                    <a:lstStyle/>
+                    <a:p>
+                      <a:pPr marL="0" marR="0">
+                        <a:lnSpc>
+                          <a:spcPct val="150000"/>
+                        </a:lnSpc>
+                        <a:spcBef>
+                          <a:spcPts val="720"/>
+                        </a:spcBef>
+                        <a:spcAft>
+                          <a:spcPts val="720"/>
+                        </a:spcAft>
+                      </a:pPr>
+                      <a:r>
+                        <a:rPr lang="en-US" sz="1300">
+                          <a:effectLst/>
+                        </a:rPr>
+                        <a:t>17211TT0235</a:t>
+                      </a:r>
+                      <a:endParaRPr lang="en-US" sz="1100">
+                        <a:effectLst/>
+                        <a:latin typeface="Calibri"/>
+                        <a:ea typeface="Calibri"/>
+                        <a:cs typeface="Cordia New"/>
+                      </a:endParaRPr>
+                    </a:p>
+                  </a:txBody>
+                  <a:tcPr marL="66874" marR="66874" marT="0" marB="0" anchor="ctr"/>
+                </a:tc>
+                <a:tc>
+                  <a:txBody>
+                    <a:bodyPr/>
+                    <a:lstStyle/>
+                    <a:p>
+                      <a:pPr marL="0" marR="0" algn="ctr">
+                        <a:lnSpc>
+                          <a:spcPct val="150000"/>
+                        </a:lnSpc>
+                        <a:spcBef>
+                          <a:spcPts val="720"/>
+                        </a:spcBef>
+                        <a:spcAft>
+                          <a:spcPts val="720"/>
+                        </a:spcAft>
+                      </a:pPr>
+                      <a:r>
+                        <a:rPr lang="en-US" sz="1300">
+                          <a:effectLst/>
+                        </a:rPr>
+                        <a:t>Tương Lại Anh Thư</a:t>
+                      </a:r>
+                      <a:endParaRPr lang="en-US" sz="1100">
+                        <a:effectLst/>
+                        <a:latin typeface="Calibri"/>
+                        <a:ea typeface="Calibri"/>
+                        <a:cs typeface="Cordia New"/>
+                      </a:endParaRPr>
+                    </a:p>
+                  </a:txBody>
+                  <a:tcPr marL="66874" marR="66874" marT="0" marB="0" anchor="ctr"/>
+                </a:tc>
+                <a:tc>
+                  <a:txBody>
+                    <a:bodyPr/>
+                    <a:lstStyle/>
+                    <a:p>
+                      <a:pPr marL="0" marR="0" algn="ctr">
+                        <a:lnSpc>
+                          <a:spcPct val="150000"/>
+                        </a:lnSpc>
+                        <a:spcBef>
+                          <a:spcPts val="720"/>
+                        </a:spcBef>
+                        <a:spcAft>
+                          <a:spcPts val="720"/>
+                        </a:spcAft>
+                      </a:pPr>
+                      <a:r>
+                        <a:rPr lang="en-US" sz="1300">
+                          <a:effectLst/>
+                        </a:rPr>
+                        <a:t>Thư ký</a:t>
+                      </a:r>
+                      <a:endParaRPr lang="en-US" sz="1100">
+                        <a:effectLst/>
+                        <a:latin typeface="Calibri"/>
+                        <a:ea typeface="Calibri"/>
+                        <a:cs typeface="Cordia New"/>
+                      </a:endParaRPr>
+                    </a:p>
+                  </a:txBody>
+                  <a:tcPr marL="66874" marR="66874" marT="0" marB="0" anchor="ctr"/>
+                </a:tc>
+                <a:tc>
+                  <a:txBody>
+                    <a:bodyPr/>
+                    <a:lstStyle/>
+                    <a:p>
+                      <a:pPr marL="0" marR="0" algn="ctr">
+                        <a:lnSpc>
+                          <a:spcPct val="150000"/>
+                        </a:lnSpc>
+                        <a:spcBef>
+                          <a:spcPts val="720"/>
+                        </a:spcBef>
+                        <a:spcAft>
+                          <a:spcPts val="720"/>
+                        </a:spcAft>
+                      </a:pPr>
+                      <a:r>
+                        <a:rPr lang="en-US" sz="1300">
+                          <a:effectLst/>
+                        </a:rPr>
+                        <a:t>Tuonglaianhthu03041999@gmail.com</a:t>
+                      </a:r>
+                      <a:endParaRPr lang="en-US" sz="1100">
+                        <a:effectLst/>
+                        <a:latin typeface="Calibri"/>
+                        <a:ea typeface="Calibri"/>
+                        <a:cs typeface="Cordia New"/>
+                      </a:endParaRPr>
+                    </a:p>
+                  </a:txBody>
+                  <a:tcPr marL="66874" marR="66874" marT="0" marB="0" anchor="ctr"/>
+                </a:tc>
+                <a:tc>
+                  <a:txBody>
+                    <a:bodyPr/>
+                    <a:lstStyle/>
+                    <a:p>
+                      <a:pPr marL="0" marR="0" algn="ctr">
+                        <a:lnSpc>
+                          <a:spcPct val="150000"/>
+                        </a:lnSpc>
+                        <a:spcBef>
+                          <a:spcPts val="720"/>
+                        </a:spcBef>
+                        <a:spcAft>
+                          <a:spcPts val="720"/>
+                        </a:spcAft>
+                      </a:pPr>
+                      <a:r>
+                        <a:rPr lang="en-US" sz="1300">
+                          <a:effectLst/>
+                        </a:rPr>
+                        <a:t>01687574440</a:t>
+                      </a:r>
+                      <a:endParaRPr lang="en-US" sz="1100">
+                        <a:effectLst/>
+                        <a:latin typeface="Calibri"/>
+                        <a:ea typeface="Calibri"/>
+                        <a:cs typeface="Cordia New"/>
+                      </a:endParaRPr>
+                    </a:p>
+                  </a:txBody>
+                  <a:tcPr marL="66874" marR="66874" marT="0" marB="0" anchor="ctr"/>
+                </a:tc>
+              </a:tr>
+              <a:tr h="289787">
+                <a:tc>
+                  <a:txBody>
+                    <a:bodyPr/>
+                    <a:lstStyle/>
+                    <a:p>
+                      <a:pPr marL="0" marR="0" algn="ctr">
+                        <a:lnSpc>
+                          <a:spcPct val="150000"/>
+                        </a:lnSpc>
+                        <a:spcBef>
+                          <a:spcPts val="720"/>
+                        </a:spcBef>
+                        <a:spcAft>
+                          <a:spcPts val="720"/>
+                        </a:spcAft>
+                      </a:pPr>
+                      <a:r>
+                        <a:rPr lang="en-US" sz="1300">
+                          <a:effectLst/>
+                        </a:rPr>
+                        <a:t>3</a:t>
+                      </a:r>
+                      <a:endParaRPr lang="en-US" sz="1100">
+                        <a:effectLst/>
+                        <a:latin typeface="Calibri"/>
+                        <a:ea typeface="Calibri"/>
+                        <a:cs typeface="Cordia New"/>
+                      </a:endParaRPr>
+                    </a:p>
+                  </a:txBody>
+                  <a:tcPr marL="66874" marR="66874" marT="0" marB="0" anchor="ctr"/>
+                </a:tc>
+                <a:tc>
+                  <a:txBody>
+                    <a:bodyPr/>
+                    <a:lstStyle/>
+                    <a:p>
+                      <a:pPr marL="0" marR="0" algn="ctr">
+                        <a:lnSpc>
+                          <a:spcPct val="150000"/>
+                        </a:lnSpc>
+                        <a:spcBef>
+                          <a:spcPts val="720"/>
+                        </a:spcBef>
+                        <a:spcAft>
+                          <a:spcPts val="720"/>
+                        </a:spcAft>
+                      </a:pPr>
+                      <a:r>
+                        <a:rPr lang="en-US" sz="1300">
+                          <a:effectLst/>
+                        </a:rPr>
+                        <a:t>17211TT3149</a:t>
+                      </a:r>
+                      <a:endParaRPr lang="en-US" sz="1100">
+                        <a:effectLst/>
+                        <a:latin typeface="Calibri"/>
+                        <a:ea typeface="Calibri"/>
+                        <a:cs typeface="Cordia New"/>
+                      </a:endParaRPr>
+                    </a:p>
+                  </a:txBody>
+                  <a:tcPr marL="66874" marR="66874" marT="0" marB="0" anchor="ctr"/>
+                </a:tc>
+                <a:tc>
+                  <a:txBody>
+                    <a:bodyPr/>
+                    <a:lstStyle/>
+                    <a:p>
+                      <a:pPr marL="0" marR="0" algn="ctr">
+                        <a:lnSpc>
+                          <a:spcPct val="150000"/>
+                        </a:lnSpc>
+                        <a:spcBef>
+                          <a:spcPts val="720"/>
+                        </a:spcBef>
+                        <a:spcAft>
+                          <a:spcPts val="720"/>
+                        </a:spcAft>
+                      </a:pPr>
+                      <a:r>
+                        <a:rPr lang="en-US" sz="1300">
+                          <a:effectLst/>
+                        </a:rPr>
+                        <a:t>Nguyễn Thị Hà Phương</a:t>
+                      </a:r>
+                      <a:endParaRPr lang="en-US" sz="1100">
+                        <a:effectLst/>
+                        <a:latin typeface="Calibri"/>
+                        <a:ea typeface="Calibri"/>
+                        <a:cs typeface="Cordia New"/>
+                      </a:endParaRPr>
+                    </a:p>
+                  </a:txBody>
+                  <a:tcPr marL="66874" marR="66874" marT="0" marB="0" anchor="ctr"/>
+                </a:tc>
+                <a:tc>
+                  <a:txBody>
+                    <a:bodyPr/>
+                    <a:lstStyle/>
+                    <a:p>
+                      <a:pPr marL="0" marR="0" algn="ctr">
+                        <a:lnSpc>
+                          <a:spcPct val="150000"/>
+                        </a:lnSpc>
+                        <a:spcBef>
+                          <a:spcPts val="720"/>
+                        </a:spcBef>
+                        <a:spcAft>
+                          <a:spcPts val="720"/>
+                        </a:spcAft>
+                      </a:pPr>
+                      <a:r>
+                        <a:rPr lang="en-US" sz="1300">
+                          <a:effectLst/>
+                        </a:rPr>
+                        <a:t>Thành viên</a:t>
+                      </a:r>
+                      <a:endParaRPr lang="en-US" sz="1100">
+                        <a:effectLst/>
+                        <a:latin typeface="Calibri"/>
+                        <a:ea typeface="Calibri"/>
+                        <a:cs typeface="Cordia New"/>
+                      </a:endParaRPr>
+                    </a:p>
+                  </a:txBody>
+                  <a:tcPr marL="66874" marR="66874" marT="0" marB="0" anchor="ctr"/>
+                </a:tc>
+                <a:tc>
+                  <a:txBody>
+                    <a:bodyPr/>
+                    <a:lstStyle/>
+                    <a:p>
+                      <a:pPr marL="0" marR="0">
+                        <a:lnSpc>
+                          <a:spcPct val="150000"/>
+                        </a:lnSpc>
+                        <a:spcBef>
+                          <a:spcPts val="720"/>
+                        </a:spcBef>
+                        <a:spcAft>
+                          <a:spcPts val="720"/>
+                        </a:spcAft>
+                      </a:pPr>
+                      <a:r>
+                        <a:rPr lang="en-US" sz="1300">
+                          <a:effectLst/>
+                        </a:rPr>
+                        <a:t>haphuongn739@gmail.com</a:t>
+                      </a:r>
+                      <a:endParaRPr lang="en-US" sz="1100">
+                        <a:effectLst/>
+                        <a:latin typeface="Calibri"/>
+                        <a:ea typeface="Calibri"/>
+                        <a:cs typeface="Cordia New"/>
+                      </a:endParaRPr>
+                    </a:p>
+                  </a:txBody>
+                  <a:tcPr marL="66874" marR="66874" marT="0" marB="0" anchor="ctr"/>
+                </a:tc>
+                <a:tc>
+                  <a:txBody>
+                    <a:bodyPr/>
+                    <a:lstStyle/>
+                    <a:p>
+                      <a:pPr marL="0" marR="0" algn="ctr">
+                        <a:lnSpc>
+                          <a:spcPct val="150000"/>
+                        </a:lnSpc>
+                        <a:spcBef>
+                          <a:spcPts val="720"/>
+                        </a:spcBef>
+                        <a:spcAft>
+                          <a:spcPts val="720"/>
+                        </a:spcAft>
+                      </a:pPr>
+                      <a:r>
+                        <a:rPr lang="en-US" sz="1300">
+                          <a:effectLst/>
+                        </a:rPr>
+                        <a:t>01648974550</a:t>
+                      </a:r>
+                      <a:endParaRPr lang="en-US" sz="1100">
+                        <a:effectLst/>
+                        <a:latin typeface="Calibri"/>
+                        <a:ea typeface="Calibri"/>
+                        <a:cs typeface="Cordia New"/>
+                      </a:endParaRPr>
+                    </a:p>
+                  </a:txBody>
+                  <a:tcPr marL="66874" marR="66874" marT="0" marB="0" anchor="ctr"/>
+                </a:tc>
+              </a:tr>
+              <a:tr h="289787">
+                <a:tc>
+                  <a:txBody>
+                    <a:bodyPr/>
+                    <a:lstStyle/>
+                    <a:p>
+                      <a:pPr marL="0" marR="0" algn="ctr">
+                        <a:lnSpc>
+                          <a:spcPct val="150000"/>
+                        </a:lnSpc>
+                        <a:spcBef>
+                          <a:spcPts val="720"/>
+                        </a:spcBef>
+                        <a:spcAft>
+                          <a:spcPts val="720"/>
+                        </a:spcAft>
+                      </a:pPr>
+                      <a:r>
+                        <a:rPr lang="en-US" sz="1300">
+                          <a:effectLst/>
+                        </a:rPr>
+                        <a:t>4</a:t>
+                      </a:r>
+                      <a:endParaRPr lang="en-US" sz="1100">
+                        <a:effectLst/>
+                        <a:latin typeface="Calibri"/>
+                        <a:ea typeface="Calibri"/>
+                        <a:cs typeface="Cordia New"/>
+                      </a:endParaRPr>
+                    </a:p>
+                  </a:txBody>
+                  <a:tcPr marL="66874" marR="66874" marT="0" marB="0" anchor="ctr"/>
+                </a:tc>
+                <a:tc>
+                  <a:txBody>
+                    <a:bodyPr/>
+                    <a:lstStyle/>
+                    <a:p>
+                      <a:pPr marL="0" marR="0" algn="ctr">
+                        <a:lnSpc>
+                          <a:spcPct val="150000"/>
+                        </a:lnSpc>
+                        <a:spcBef>
+                          <a:spcPts val="720"/>
+                        </a:spcBef>
+                        <a:spcAft>
+                          <a:spcPts val="720"/>
+                        </a:spcAft>
+                      </a:pPr>
+                      <a:r>
+                        <a:rPr lang="en-US" sz="1300">
+                          <a:effectLst/>
+                        </a:rPr>
+                        <a:t>17211TT0192</a:t>
+                      </a:r>
+                      <a:endParaRPr lang="en-US" sz="1100">
+                        <a:effectLst/>
+                        <a:latin typeface="Calibri"/>
+                        <a:ea typeface="Calibri"/>
+                        <a:cs typeface="Cordia New"/>
+                      </a:endParaRPr>
+                    </a:p>
+                  </a:txBody>
+                  <a:tcPr marL="66874" marR="66874" marT="0" marB="0" anchor="ctr"/>
+                </a:tc>
+                <a:tc>
+                  <a:txBody>
+                    <a:bodyPr/>
+                    <a:lstStyle/>
+                    <a:p>
+                      <a:pPr marL="0" marR="0" algn="ctr">
+                        <a:lnSpc>
+                          <a:spcPct val="150000"/>
+                        </a:lnSpc>
+                        <a:spcBef>
+                          <a:spcPts val="720"/>
+                        </a:spcBef>
+                        <a:spcAft>
+                          <a:spcPts val="720"/>
+                        </a:spcAft>
+                      </a:pPr>
+                      <a:r>
+                        <a:rPr lang="en-US" sz="1300">
+                          <a:effectLst/>
+                        </a:rPr>
+                        <a:t>Trần Quốc Thứ</a:t>
+                      </a:r>
+                      <a:endParaRPr lang="en-US" sz="1100">
+                        <a:effectLst/>
+                        <a:latin typeface="Calibri"/>
+                        <a:ea typeface="Calibri"/>
+                        <a:cs typeface="Cordia New"/>
+                      </a:endParaRPr>
+                    </a:p>
+                  </a:txBody>
+                  <a:tcPr marL="66874" marR="66874" marT="0" marB="0" anchor="ctr"/>
+                </a:tc>
+                <a:tc>
+                  <a:txBody>
+                    <a:bodyPr/>
+                    <a:lstStyle/>
+                    <a:p>
+                      <a:pPr marL="0" marR="0" algn="ctr">
+                        <a:lnSpc>
+                          <a:spcPct val="150000"/>
+                        </a:lnSpc>
+                        <a:spcBef>
+                          <a:spcPts val="720"/>
+                        </a:spcBef>
+                        <a:spcAft>
+                          <a:spcPts val="720"/>
+                        </a:spcAft>
+                      </a:pPr>
+                      <a:r>
+                        <a:rPr lang="en-US" sz="1300">
+                          <a:effectLst/>
+                        </a:rPr>
+                        <a:t>Thành viên</a:t>
+                      </a:r>
+                      <a:endParaRPr lang="en-US" sz="1100">
+                        <a:effectLst/>
+                        <a:latin typeface="Calibri"/>
+                        <a:ea typeface="Calibri"/>
+                        <a:cs typeface="Cordia New"/>
+                      </a:endParaRPr>
+                    </a:p>
+                  </a:txBody>
+                  <a:tcPr marL="66874" marR="66874" marT="0" marB="0" anchor="ctr"/>
+                </a:tc>
+                <a:tc>
+                  <a:txBody>
+                    <a:bodyPr/>
+                    <a:lstStyle/>
+                    <a:p>
+                      <a:pPr marL="0" marR="0">
+                        <a:lnSpc>
+                          <a:spcPct val="150000"/>
+                        </a:lnSpc>
+                        <a:spcBef>
+                          <a:spcPts val="720"/>
+                        </a:spcBef>
+                        <a:spcAft>
+                          <a:spcPts val="720"/>
+                        </a:spcAft>
+                      </a:pPr>
+                      <a:r>
+                        <a:rPr lang="en-US" sz="1300">
+                          <a:effectLst/>
+                        </a:rPr>
+                        <a:t>thutran1401998@gmail.com</a:t>
+                      </a:r>
+                      <a:endParaRPr lang="en-US" sz="1100">
+                        <a:effectLst/>
+                        <a:latin typeface="Calibri"/>
+                        <a:ea typeface="Calibri"/>
+                        <a:cs typeface="Cordia New"/>
+                      </a:endParaRPr>
+                    </a:p>
+                  </a:txBody>
+                  <a:tcPr marL="66874" marR="66874" marT="0" marB="0" anchor="ctr"/>
+                </a:tc>
+                <a:tc>
+                  <a:txBody>
+                    <a:bodyPr/>
+                    <a:lstStyle/>
+                    <a:p>
+                      <a:pPr marL="0" marR="0" algn="ctr">
+                        <a:lnSpc>
+                          <a:spcPct val="150000"/>
+                        </a:lnSpc>
+                        <a:spcBef>
+                          <a:spcPts val="720"/>
+                        </a:spcBef>
+                        <a:spcAft>
+                          <a:spcPts val="720"/>
+                        </a:spcAft>
+                      </a:pPr>
+                      <a:r>
+                        <a:rPr lang="en-US" sz="1300">
+                          <a:effectLst/>
+                        </a:rPr>
+                        <a:t>01664631966</a:t>
+                      </a:r>
+                      <a:endParaRPr lang="en-US" sz="1100">
+                        <a:effectLst/>
+                        <a:latin typeface="Calibri"/>
+                        <a:ea typeface="Calibri"/>
+                        <a:cs typeface="Cordia New"/>
+                      </a:endParaRPr>
+                    </a:p>
+                  </a:txBody>
+                  <a:tcPr marL="66874" marR="66874" marT="0" marB="0" anchor="ctr"/>
+                </a:tc>
+              </a:tr>
+              <a:tr h="289787">
+                <a:tc>
+                  <a:txBody>
+                    <a:bodyPr/>
+                    <a:lstStyle/>
+                    <a:p>
+                      <a:pPr marL="0" marR="0" algn="ctr">
+                        <a:lnSpc>
+                          <a:spcPct val="150000"/>
+                        </a:lnSpc>
+                        <a:spcBef>
+                          <a:spcPts val="720"/>
+                        </a:spcBef>
+                        <a:spcAft>
+                          <a:spcPts val="720"/>
+                        </a:spcAft>
+                      </a:pPr>
+                      <a:r>
+                        <a:rPr lang="en-US" sz="1300">
+                          <a:effectLst/>
+                        </a:rPr>
+                        <a:t>5</a:t>
+                      </a:r>
+                      <a:endParaRPr lang="en-US" sz="1100">
+                        <a:effectLst/>
+                        <a:latin typeface="Calibri"/>
+                        <a:ea typeface="Calibri"/>
+                        <a:cs typeface="Cordia New"/>
+                      </a:endParaRPr>
+                    </a:p>
+                  </a:txBody>
+                  <a:tcPr marL="66874" marR="66874" marT="0" marB="0" anchor="ctr"/>
+                </a:tc>
+                <a:tc>
+                  <a:txBody>
+                    <a:bodyPr/>
+                    <a:lstStyle/>
+                    <a:p>
+                      <a:pPr marL="0" marR="0" algn="ctr">
+                        <a:lnSpc>
+                          <a:spcPct val="150000"/>
+                        </a:lnSpc>
+                        <a:spcBef>
+                          <a:spcPts val="720"/>
+                        </a:spcBef>
+                        <a:spcAft>
+                          <a:spcPts val="720"/>
+                        </a:spcAft>
+                      </a:pPr>
+                      <a:r>
+                        <a:rPr lang="en-US" sz="1300">
+                          <a:effectLst/>
+                        </a:rPr>
+                        <a:t>17211TT0227</a:t>
+                      </a:r>
+                      <a:endParaRPr lang="en-US" sz="1100">
+                        <a:effectLst/>
+                        <a:latin typeface="Calibri"/>
+                        <a:ea typeface="Calibri"/>
+                        <a:cs typeface="Cordia New"/>
+                      </a:endParaRPr>
+                    </a:p>
+                  </a:txBody>
+                  <a:tcPr marL="66874" marR="66874" marT="0" marB="0" anchor="ctr"/>
+                </a:tc>
+                <a:tc>
+                  <a:txBody>
+                    <a:bodyPr/>
+                    <a:lstStyle/>
+                    <a:p>
+                      <a:pPr marL="0" marR="0" algn="ctr">
+                        <a:lnSpc>
+                          <a:spcPct val="150000"/>
+                        </a:lnSpc>
+                        <a:spcBef>
+                          <a:spcPts val="720"/>
+                        </a:spcBef>
+                        <a:spcAft>
+                          <a:spcPts val="720"/>
+                        </a:spcAft>
+                      </a:pPr>
+                      <a:r>
+                        <a:rPr lang="en-US" sz="1300">
+                          <a:effectLst/>
+                        </a:rPr>
+                        <a:t>Nguyễn Đăng Khoa</a:t>
+                      </a:r>
+                      <a:endParaRPr lang="en-US" sz="1100">
+                        <a:effectLst/>
+                        <a:latin typeface="Calibri"/>
+                        <a:ea typeface="Calibri"/>
+                        <a:cs typeface="Cordia New"/>
+                      </a:endParaRPr>
+                    </a:p>
+                  </a:txBody>
+                  <a:tcPr marL="66874" marR="66874" marT="0" marB="0" anchor="ctr"/>
+                </a:tc>
+                <a:tc>
+                  <a:txBody>
+                    <a:bodyPr/>
+                    <a:lstStyle/>
+                    <a:p>
+                      <a:pPr marL="0" marR="0" algn="ctr">
+                        <a:lnSpc>
+                          <a:spcPct val="150000"/>
+                        </a:lnSpc>
+                        <a:spcBef>
+                          <a:spcPts val="720"/>
+                        </a:spcBef>
+                        <a:spcAft>
+                          <a:spcPts val="720"/>
+                        </a:spcAft>
+                      </a:pPr>
+                      <a:r>
+                        <a:rPr lang="en-US" sz="1300">
+                          <a:effectLst/>
+                        </a:rPr>
+                        <a:t>Thành viên</a:t>
+                      </a:r>
+                      <a:endParaRPr lang="en-US" sz="1100">
+                        <a:effectLst/>
+                        <a:latin typeface="Calibri"/>
+                        <a:ea typeface="Calibri"/>
+                        <a:cs typeface="Cordia New"/>
+                      </a:endParaRPr>
+                    </a:p>
+                  </a:txBody>
+                  <a:tcPr marL="66874" marR="66874" marT="0" marB="0" anchor="ctr"/>
+                </a:tc>
+                <a:tc>
+                  <a:txBody>
+                    <a:bodyPr/>
+                    <a:lstStyle/>
+                    <a:p>
+                      <a:pPr marL="0" marR="0">
+                        <a:lnSpc>
+                          <a:spcPct val="150000"/>
+                        </a:lnSpc>
+                        <a:spcBef>
+                          <a:spcPts val="720"/>
+                        </a:spcBef>
+                        <a:spcAft>
+                          <a:spcPts val="720"/>
+                        </a:spcAft>
+                      </a:pPr>
+                      <a:r>
+                        <a:rPr lang="en-US" sz="1300">
+                          <a:effectLst/>
+                        </a:rPr>
+                        <a:t>khoa09081999@gmail.com</a:t>
+                      </a:r>
+                      <a:endParaRPr lang="en-US" sz="1100">
+                        <a:effectLst/>
+                        <a:latin typeface="Calibri"/>
+                        <a:ea typeface="Calibri"/>
+                        <a:cs typeface="Cordia New"/>
+                      </a:endParaRPr>
+                    </a:p>
+                  </a:txBody>
+                  <a:tcPr marL="66874" marR="66874" marT="0" marB="0" anchor="ctr"/>
+                </a:tc>
+                <a:tc>
+                  <a:txBody>
+                    <a:bodyPr/>
+                    <a:lstStyle/>
+                    <a:p>
+                      <a:pPr marL="0" marR="0" algn="ctr">
+                        <a:lnSpc>
+                          <a:spcPct val="150000"/>
+                        </a:lnSpc>
+                        <a:spcBef>
+                          <a:spcPts val="720"/>
+                        </a:spcBef>
+                        <a:spcAft>
+                          <a:spcPts val="720"/>
+                        </a:spcAft>
+                      </a:pPr>
+                      <a:r>
+                        <a:rPr lang="en-US" sz="1300">
+                          <a:effectLst/>
+                        </a:rPr>
+                        <a:t>09021922337</a:t>
+                      </a:r>
+                      <a:endParaRPr lang="en-US" sz="1100">
+                        <a:effectLst/>
+                        <a:latin typeface="Calibri"/>
+                        <a:ea typeface="Calibri"/>
+                        <a:cs typeface="Cordia New"/>
+                      </a:endParaRPr>
+                    </a:p>
+                  </a:txBody>
+                  <a:tcPr marL="66874" marR="66874" marT="0" marB="0" anchor="ctr"/>
+                </a:tc>
+              </a:tr>
+              <a:tr h="579575">
+                <a:tc>
+                  <a:txBody>
+                    <a:bodyPr/>
+                    <a:lstStyle/>
+                    <a:p>
+                      <a:pPr marL="0" marR="0" algn="ctr">
+                        <a:lnSpc>
+                          <a:spcPct val="150000"/>
+                        </a:lnSpc>
+                        <a:spcBef>
+                          <a:spcPts val="720"/>
+                        </a:spcBef>
+                        <a:spcAft>
+                          <a:spcPts val="720"/>
+                        </a:spcAft>
+                      </a:pPr>
+                      <a:r>
+                        <a:rPr lang="en-US" sz="1300">
+                          <a:effectLst/>
+                        </a:rPr>
+                        <a:t>6</a:t>
+                      </a:r>
+                      <a:endParaRPr lang="en-US" sz="1100">
+                        <a:effectLst/>
+                        <a:latin typeface="Calibri"/>
+                        <a:ea typeface="Calibri"/>
+                        <a:cs typeface="Cordia New"/>
+                      </a:endParaRPr>
+                    </a:p>
+                  </a:txBody>
+                  <a:tcPr marL="66874" marR="66874" marT="0" marB="0" anchor="ctr"/>
+                </a:tc>
+                <a:tc>
+                  <a:txBody>
+                    <a:bodyPr/>
+                    <a:lstStyle/>
+                    <a:p>
+                      <a:pPr marL="0" marR="0" algn="ctr">
+                        <a:lnSpc>
+                          <a:spcPct val="150000"/>
+                        </a:lnSpc>
+                        <a:spcBef>
+                          <a:spcPts val="720"/>
+                        </a:spcBef>
+                        <a:spcAft>
+                          <a:spcPts val="720"/>
+                        </a:spcAft>
+                      </a:pPr>
+                      <a:r>
+                        <a:rPr lang="en-US" sz="1300">
+                          <a:effectLst/>
+                        </a:rPr>
+                        <a:t>17211TT0315</a:t>
+                      </a:r>
+                      <a:endParaRPr lang="en-US" sz="1100">
+                        <a:effectLst/>
+                        <a:latin typeface="Calibri"/>
+                        <a:ea typeface="Calibri"/>
+                        <a:cs typeface="Cordia New"/>
+                      </a:endParaRPr>
+                    </a:p>
+                  </a:txBody>
+                  <a:tcPr marL="66874" marR="66874" marT="0" marB="0" anchor="ctr"/>
+                </a:tc>
+                <a:tc>
+                  <a:txBody>
+                    <a:bodyPr/>
+                    <a:lstStyle/>
+                    <a:p>
+                      <a:pPr marL="0" marR="0" algn="ctr">
+                        <a:lnSpc>
+                          <a:spcPct val="150000"/>
+                        </a:lnSpc>
+                        <a:spcBef>
+                          <a:spcPts val="720"/>
+                        </a:spcBef>
+                        <a:spcAft>
+                          <a:spcPts val="720"/>
+                        </a:spcAft>
+                      </a:pPr>
+                      <a:r>
+                        <a:rPr lang="en-US" sz="1300">
+                          <a:effectLst/>
+                        </a:rPr>
+                        <a:t>Nguyễn Văn Nở</a:t>
+                      </a:r>
+                      <a:endParaRPr lang="en-US" sz="1100">
+                        <a:effectLst/>
+                        <a:latin typeface="Calibri"/>
+                        <a:ea typeface="Calibri"/>
+                        <a:cs typeface="Cordia New"/>
+                      </a:endParaRPr>
+                    </a:p>
+                  </a:txBody>
+                  <a:tcPr marL="66874" marR="66874" marT="0" marB="0" anchor="ctr"/>
+                </a:tc>
+                <a:tc>
+                  <a:txBody>
+                    <a:bodyPr/>
+                    <a:lstStyle/>
+                    <a:p>
+                      <a:pPr marL="0" marR="0" algn="ctr">
+                        <a:lnSpc>
+                          <a:spcPct val="150000"/>
+                        </a:lnSpc>
+                        <a:spcBef>
+                          <a:spcPts val="720"/>
+                        </a:spcBef>
+                        <a:spcAft>
+                          <a:spcPts val="720"/>
+                        </a:spcAft>
+                      </a:pPr>
+                      <a:r>
+                        <a:rPr lang="en-US" sz="1300">
+                          <a:effectLst/>
+                        </a:rPr>
+                        <a:t>Thành viên</a:t>
+                      </a:r>
+                      <a:endParaRPr lang="en-US" sz="1100">
+                        <a:effectLst/>
+                        <a:latin typeface="Calibri"/>
+                        <a:ea typeface="Calibri"/>
+                        <a:cs typeface="Cordia New"/>
+                      </a:endParaRPr>
+                    </a:p>
+                  </a:txBody>
+                  <a:tcPr marL="66874" marR="66874" marT="0" marB="0" anchor="ctr"/>
+                </a:tc>
+                <a:tc>
+                  <a:txBody>
+                    <a:bodyPr/>
+                    <a:lstStyle/>
+                    <a:p>
+                      <a:pPr marL="0" marR="0" algn="ctr">
+                        <a:lnSpc>
+                          <a:spcPct val="150000"/>
+                        </a:lnSpc>
+                        <a:spcBef>
+                          <a:spcPts val="720"/>
+                        </a:spcBef>
+                        <a:spcAft>
+                          <a:spcPts val="720"/>
+                        </a:spcAft>
+                      </a:pPr>
+                      <a:r>
+                        <a:rPr lang="en-US" sz="1300">
+                          <a:effectLst/>
+                        </a:rPr>
+                        <a:t>Nguyenvanno1011999@gmail.com</a:t>
+                      </a:r>
+                      <a:endParaRPr lang="en-US" sz="1100">
+                        <a:effectLst/>
+                        <a:latin typeface="Calibri"/>
+                        <a:ea typeface="Calibri"/>
+                        <a:cs typeface="Cordia New"/>
+                      </a:endParaRPr>
+                    </a:p>
+                  </a:txBody>
+                  <a:tcPr marL="66874" marR="66874" marT="0" marB="0" anchor="ctr"/>
+                </a:tc>
+                <a:tc>
+                  <a:txBody>
+                    <a:bodyPr/>
+                    <a:lstStyle/>
+                    <a:p>
+                      <a:pPr marL="0" marR="0" algn="ctr">
+                        <a:lnSpc>
+                          <a:spcPct val="150000"/>
+                        </a:lnSpc>
+                        <a:spcBef>
+                          <a:spcPts val="720"/>
+                        </a:spcBef>
+                        <a:spcAft>
+                          <a:spcPts val="720"/>
+                        </a:spcAft>
+                      </a:pPr>
+                      <a:r>
+                        <a:rPr lang="en-US" sz="1300" dirty="0">
+                          <a:effectLst/>
+                        </a:rPr>
+                        <a:t>01683657307</a:t>
+                      </a:r>
+                      <a:endParaRPr lang="en-US" sz="1100" dirty="0">
+                        <a:effectLst/>
+                        <a:latin typeface="Calibri"/>
+                        <a:ea typeface="Calibri"/>
+                        <a:cs typeface="Cordia New"/>
+                      </a:endParaRPr>
+                    </a:p>
+                  </a:txBody>
+                  <a:tcPr marL="66874" marR="66874" marT="0" marB="0" anchor="ctr"/>
+                </a:tc>
+              </a:tr>
+            </a:tbl>
+          </a:graphicData>
+        </a:graphic>
+      </p:graphicFrame>
+      <p:sp>
+        <p:nvSpPr>
+          <p:cNvPr id="3" name="Title 2"/>
+          <p:cNvSpPr>
+            <a:spLocks noGrp="1"/>
+          </p:cNvSpPr>
+          <p:nvPr>
+            <p:ph type="title"/>
+          </p:nvPr>
+        </p:nvSpPr>
+        <p:spPr>
+          <a:xfrm>
+            <a:off x="914400" y="609600"/>
+            <a:ext cx="7696200" cy="685800"/>
+          </a:xfrm>
+        </p:spPr>
+        <p:txBody>
+          <a:bodyPr>
+            <a:normAutofit/>
+          </a:bodyPr>
+          <a:lstStyle/>
+          <a:p>
+            <a:pPr algn="ctr"/>
+            <a:r>
+              <a:rPr lang="en-US" sz="2400" b="1" dirty="0" smtClean="0"/>
+              <a:t>BIÊN BẢN HỌP NHÓM</a:t>
+            </a:r>
+            <a:endParaRPr lang="en-US" sz="2400" b="1" dirty="0"/>
+          </a:p>
+        </p:txBody>
+      </p:sp>
+    </p:spTree>
+    <p:extLst>
+      <p:ext uri="{BB962C8B-B14F-4D97-AF65-F5344CB8AC3E}">
+        <p14:creationId xmlns:p14="http://schemas.microsoft.com/office/powerpoint/2010/main" val="3655122392"/>
+      </p:ext>
+    </p:extLst>
+  </p:cSld>
+  <p:clrMapOvr>
+    <a:masterClrMapping/>
+  </p:clrMapOvr>
+  <p:timing>
+    <p:tnLst>
+      <p:par>
+        <p:cTn id="1" dur="indefinite" restart="never" nodeType="tmRoot"/>
+      </p:par>
+    </p:tnLst>
+  </p:timing>
+</p:sld>
+</file>
+
+<file path=ppt/slides/slide12.xml><?xml version="1.0" encoding="utf-8"?>
+<p:sld xmlns:a="http://schemas.openxmlformats.org/drawingml/2006/main" xmlns:r="http://schemas.openxmlformats.org/officeDocument/2006/relationships" xmlns:p="http://schemas.openxmlformats.org/presentationml/2006/main">
+  <p:cSld>
+    <p:spTree>
+      <p:nvGrpSpPr>
+        <p:cNvPr id="1" name=""/>
+        <p:cNvGrpSpPr/>
+        <p:nvPr/>
+      </p:nvGrpSpPr>
+      <p:grpSpPr>
+        <a:xfrm>
+          <a:off x="0" y="0"/>
+          <a:ext cx="0" cy="0"/>
+          <a:chOff x="0" y="0"/>
+          <a:chExt cx="0" cy="0"/>
+        </a:xfrm>
+      </p:grpSpPr>
+      <p:sp>
+        <p:nvSpPr>
+          <p:cNvPr id="5" name="Title 2"/>
+          <p:cNvSpPr>
+            <a:spLocks noGrp="1"/>
+          </p:cNvSpPr>
+          <p:nvPr>
+            <p:ph idx="1"/>
+          </p:nvPr>
+        </p:nvSpPr>
+        <p:spPr>
+          <a:xfrm>
+            <a:off x="914400" y="152400"/>
+            <a:ext cx="7467600" cy="5973763"/>
+          </a:xfrm>
+        </p:spPr>
+        <p:txBody>
+          <a:bodyPr>
+            <a:normAutofit fontScale="85000" lnSpcReduction="20000"/>
+          </a:bodyPr>
+          <a:lstStyle/>
+          <a:p>
+            <a:pPr marL="457200" lvl="0" indent="-457200">
+              <a:buFont typeface="+mj-lt"/>
+              <a:buAutoNum type="arabicPeriod"/>
+            </a:pPr>
+            <a:r>
+              <a:rPr lang="en-US" b="1" dirty="0"/>
+              <a:t>Thảo luận, bàn bạc về đồ án giáo viên.</a:t>
+            </a:r>
+            <a:endParaRPr lang="en-US" dirty="0"/>
+          </a:p>
+          <a:p>
+            <a:pPr marL="457200" lvl="0" indent="-457200">
+              <a:buFont typeface="+mj-lt"/>
+              <a:buAutoNum type="arabicPeriod"/>
+            </a:pPr>
+            <a:r>
+              <a:rPr lang="en-US" b="1" dirty="0"/>
+              <a:t>Sắp xếp thời gian thực hiện từng công việc để hoàn thành đồ án.</a:t>
+            </a:r>
+            <a:endParaRPr lang="en-US" dirty="0"/>
+          </a:p>
+          <a:p>
+            <a:pPr marL="457200" lvl="0" indent="-457200">
+              <a:buFont typeface="+mj-lt"/>
+              <a:buAutoNum type="arabicPeriod"/>
+            </a:pPr>
+            <a:r>
+              <a:rPr lang="en-US" b="1" dirty="0"/>
+              <a:t>Phân công nhiệm vụ rỏ ràng cho từng thành viên trong nhóm.</a:t>
+            </a:r>
+            <a:endParaRPr lang="en-US" dirty="0"/>
+          </a:p>
+          <a:p>
+            <a:pPr marL="0" lvl="0" indent="0">
+              <a:buNone/>
+            </a:pPr>
+            <a:r>
+              <a:rPr lang="en-US" b="1" dirty="0"/>
+              <a:t>a.      Kết quả buổi họp nhóm:</a:t>
+            </a:r>
+            <a:endParaRPr lang="en-US" dirty="0"/>
+          </a:p>
+          <a:p>
+            <a:pPr lvl="0">
+              <a:buFont typeface="Wingdings" panose="05000000000000000000" pitchFamily="2" charset="2"/>
+              <a:buChar char="Ø"/>
+            </a:pPr>
+            <a:r>
+              <a:rPr lang="en-US" dirty="0"/>
+              <a:t>Nhóm đã trao đổi và thảo luận kĩ càng về hướng hoàn thành đồ án giáo viên giao.</a:t>
+            </a:r>
+          </a:p>
+          <a:p>
+            <a:pPr lvl="0">
+              <a:buFont typeface="Wingdings" panose="05000000000000000000" pitchFamily="2" charset="2"/>
+              <a:buChar char="Ø"/>
+            </a:pPr>
+            <a:r>
+              <a:rPr lang="en-US" dirty="0"/>
+              <a:t>Phân công được công việc phù hợp cho từng thành viên trong nhóm.</a:t>
+            </a:r>
+          </a:p>
+          <a:p>
+            <a:pPr lvl="0">
+              <a:buFont typeface="Wingdings" panose="05000000000000000000" pitchFamily="2" charset="2"/>
+              <a:buChar char="Ø"/>
+            </a:pPr>
+            <a:r>
+              <a:rPr lang="en-US" dirty="0"/>
+              <a:t>Thống nhất thời gian bắt đầu và hoàn thành đồ án </a:t>
+            </a:r>
+            <a:r>
+              <a:rPr lang="en-GB" dirty="0"/>
+              <a:t>.</a:t>
+            </a:r>
+            <a:endParaRPr lang="en-US" dirty="0"/>
+          </a:p>
+          <a:p>
+            <a:pPr marL="0" lvl="0" indent="0">
+              <a:buNone/>
+            </a:pPr>
+            <a:r>
+              <a:rPr lang="en-US" b="1" dirty="0"/>
+              <a:t>b.     Nội dung:</a:t>
+            </a:r>
+            <a:endParaRPr lang="en-US" dirty="0"/>
+          </a:p>
+          <a:p>
+            <a:pPr lvl="0">
+              <a:buFont typeface="Wingdings" panose="05000000000000000000" pitchFamily="2" charset="2"/>
+              <a:buChar char="Ø"/>
+            </a:pPr>
+            <a:r>
+              <a:rPr lang="en-US" dirty="0"/>
+              <a:t>Xác định hướng đi để làm đồ án.</a:t>
+            </a:r>
+          </a:p>
+          <a:p>
+            <a:pPr lvl="0">
+              <a:buFont typeface="Wingdings" panose="05000000000000000000" pitchFamily="2" charset="2"/>
+              <a:buChar char="Ø"/>
+            </a:pPr>
+            <a:r>
+              <a:rPr lang="en-US" dirty="0"/>
+              <a:t>Thảo luận về nội dung đồ án.</a:t>
+            </a:r>
+          </a:p>
+          <a:p>
+            <a:pPr lvl="0">
+              <a:buFont typeface="Wingdings" panose="05000000000000000000" pitchFamily="2" charset="2"/>
+              <a:buChar char="Ø"/>
+            </a:pPr>
+            <a:r>
+              <a:rPr lang="en-US" dirty="0"/>
+              <a:t>Phân công công việc rỏ ràng.</a:t>
+            </a:r>
+          </a:p>
+          <a:p>
+            <a:pPr marL="0" lvl="0" indent="0">
+              <a:buNone/>
+            </a:pPr>
+            <a:r>
+              <a:rPr lang="en-US" b="1" dirty="0"/>
+              <a:t>c.     Tổ chức công việc:</a:t>
+            </a:r>
+            <a:endParaRPr lang="en-US" dirty="0"/>
+          </a:p>
+          <a:p>
+            <a:pPr lvl="0">
+              <a:buFont typeface="Wingdings" panose="05000000000000000000" pitchFamily="2" charset="2"/>
+              <a:buChar char="Ø"/>
+            </a:pPr>
+            <a:r>
+              <a:rPr lang="en-US" b="1" dirty="0"/>
+              <a:t>Mục tiêu:</a:t>
+            </a:r>
+            <a:r>
+              <a:rPr lang="en-US" dirty="0"/>
+              <a:t> Thực hiện quay một Video Clip nói về yêu cầu thực tiễn từ doanh nghiệp và kế hoạch hoàn thiện bản thân để đáp ứng nhu cầu đó trong lĩnh vực công nghệ thông tin.</a:t>
+            </a:r>
+          </a:p>
+          <a:p>
+            <a:pPr lvl="0">
+              <a:buFont typeface="Wingdings" panose="05000000000000000000" pitchFamily="2" charset="2"/>
+              <a:buChar char="Ø"/>
+            </a:pPr>
+            <a:r>
+              <a:rPr lang="en-US" b="1" dirty="0"/>
+              <a:t>Địa điểm</a:t>
+            </a:r>
+            <a:r>
+              <a:rPr lang="en-US" dirty="0"/>
+              <a:t>: Căn tin trường Cao Đẳng Công Nghệ Thủ Đức</a:t>
+            </a:r>
+          </a:p>
+          <a:p>
+            <a:pPr lvl="0">
+              <a:buFont typeface="Wingdings" panose="05000000000000000000" pitchFamily="2" charset="2"/>
+              <a:buChar char="Ø"/>
+            </a:pPr>
+            <a:r>
+              <a:rPr lang="en-US" b="1" dirty="0"/>
+              <a:t>Thời gian</a:t>
+            </a:r>
+            <a:r>
+              <a:rPr lang="en-US" dirty="0"/>
+              <a:t>: Vào lúc 9h sáng  thứ ba </a:t>
+            </a:r>
+            <a:r>
+              <a:rPr lang="en-US"/>
+              <a:t>ngày </a:t>
+            </a:r>
+            <a:r>
+              <a:rPr lang="en-US" smtClean="0"/>
+              <a:t>06 </a:t>
+            </a:r>
+            <a:r>
+              <a:rPr lang="en-US"/>
+              <a:t>/</a:t>
+            </a:r>
+            <a:r>
+              <a:rPr lang="en-US" smtClean="0"/>
+              <a:t>12 </a:t>
+            </a:r>
+            <a:r>
+              <a:rPr lang="en-US" dirty="0"/>
+              <a:t>/ 2017 .</a:t>
+            </a:r>
+          </a:p>
+          <a:p>
+            <a:pPr lvl="0"/>
+            <a:r>
+              <a:rPr lang="en-US" b="1" dirty="0"/>
+              <a:t>Nội dung buổi họp</a:t>
+            </a:r>
+            <a:r>
+              <a:rPr lang="en-US" b="1" dirty="0" smtClean="0"/>
+              <a:t>: </a:t>
+            </a:r>
+            <a:r>
+              <a:rPr lang="en-US" dirty="0"/>
+              <a:t>Kết quả thu được qua clip</a:t>
+            </a:r>
+          </a:p>
+          <a:p>
+            <a:r>
+              <a:rPr lang="en-US" dirty="0"/>
+              <a:t>Những khó khăn trong quá trình học tập.</a:t>
+            </a:r>
+          </a:p>
+          <a:p>
+            <a:r>
+              <a:rPr lang="en-US" dirty="0"/>
+              <a:t>Những khó khăn bở ngỡ khi đi thực tập.</a:t>
+            </a:r>
+          </a:p>
+          <a:p>
+            <a:r>
+              <a:rPr lang="en-US" dirty="0"/>
+              <a:t>Những lời khuyên dành cho sinh viên công nghệ phần mềm.</a:t>
+            </a:r>
+          </a:p>
+          <a:p>
+            <a:pPr marL="0" lvl="0" indent="0">
+              <a:buNone/>
+            </a:pPr>
+            <a:endParaRPr lang="en-US" dirty="0"/>
+          </a:p>
+        </p:txBody>
+      </p:sp>
+    </p:spTree>
+    <p:extLst>
+      <p:ext uri="{BB962C8B-B14F-4D97-AF65-F5344CB8AC3E}">
+        <p14:creationId xmlns:p14="http://schemas.microsoft.com/office/powerpoint/2010/main" val="488304129"/>
+      </p:ext>
+    </p:extLst>
+  </p:cSld>
+  <p:clrMapOvr>
+    <a:masterClrMapping/>
+  </p:clrMapOvr>
+  <p:timing>
+    <p:tnLst>
+      <p:par>
+        <p:cTn id="1" dur="indefinite" restart="never" nodeType="tmRoot"/>
+      </p:par>
+    </p:tnLst>
+  </p:timing>
+</p:sld>
+</file>
+
+<file path=ppt/slides/slide13.xml><?xml version="1.0" encoding="utf-8"?>
+<p:sld xmlns:a="http://schemas.openxmlformats.org/drawingml/2006/main" xmlns:r="http://schemas.openxmlformats.org/officeDocument/2006/relationships" xmlns:p="http://schemas.openxmlformats.org/presentationml/2006/main">
+  <p:cSld>
+    <p:spTree>
+      <p:nvGrpSpPr>
+        <p:cNvPr id="1" name=""/>
+        <p:cNvGrpSpPr/>
+        <p:nvPr/>
+      </p:nvGrpSpPr>
+      <p:grpSpPr>
+        <a:xfrm>
+          <a:off x="0" y="0"/>
+          <a:ext cx="0" cy="0"/>
+          <a:chOff x="0" y="0"/>
+          <a:chExt cx="0" cy="0"/>
+        </a:xfrm>
+      </p:grpSpPr>
+      <p:sp>
+        <p:nvSpPr>
+          <p:cNvPr id="2" name="Content Placeholder 1"/>
+          <p:cNvSpPr>
+            <a:spLocks noGrp="1"/>
+          </p:cNvSpPr>
+          <p:nvPr>
+            <p:ph idx="1"/>
+          </p:nvPr>
+        </p:nvSpPr>
+        <p:spPr/>
+        <p:txBody>
+          <a:bodyPr/>
+          <a:lstStyle/>
+          <a:p>
+            <a:pPr marL="0" indent="0">
+              <a:buNone/>
+            </a:pPr>
+            <a:endParaRPr lang="en-US" dirty="0"/>
+          </a:p>
+        </p:txBody>
+      </p:sp>
+      <p:sp>
+        <p:nvSpPr>
+          <p:cNvPr id="3" name="Title 2"/>
+          <p:cNvSpPr>
+            <a:spLocks noGrp="1"/>
+          </p:cNvSpPr>
+          <p:nvPr>
+            <p:ph type="title"/>
+          </p:nvPr>
+        </p:nvSpPr>
+        <p:spPr/>
+        <p:txBody>
+          <a:bodyPr/>
+          <a:lstStyle/>
+          <a:p>
+            <a:r>
+              <a:rPr lang="en-US" dirty="0" err="1" smtClean="0"/>
+              <a:t>III.Kết</a:t>
+            </a:r>
+            <a:r>
+              <a:rPr lang="en-US" dirty="0" smtClean="0"/>
+              <a:t> </a:t>
+            </a:r>
+            <a:r>
+              <a:rPr lang="en-US" dirty="0" err="1" smtClean="0"/>
+              <a:t>quả</a:t>
+            </a:r>
+            <a:r>
+              <a:rPr lang="en-US" dirty="0" smtClean="0"/>
+              <a:t> </a:t>
+            </a:r>
+            <a:r>
+              <a:rPr lang="en-US" dirty="0" err="1" smtClean="0"/>
+              <a:t>đạt</a:t>
+            </a:r>
+            <a:r>
+              <a:rPr lang="en-US" dirty="0" smtClean="0"/>
+              <a:t> </a:t>
+            </a:r>
+            <a:r>
+              <a:rPr lang="en-US" dirty="0" err="1" smtClean="0"/>
+              <a:t>được</a:t>
+            </a:r>
+            <a:endParaRPr lang="en-US" dirty="0"/>
+          </a:p>
+        </p:txBody>
+      </p:sp>
+    </p:spTree>
+    <p:extLst>
+      <p:ext uri="{BB962C8B-B14F-4D97-AF65-F5344CB8AC3E}">
+        <p14:creationId xmlns:p14="http://schemas.microsoft.com/office/powerpoint/2010/main" val="3812383746"/>
+      </p:ext>
+    </p:extLst>
+  </p:cSld>
+  <p:clrMapOvr>
+    <a:masterClrMapping/>
+  </p:clrMapOvr>
+  <p:timing>
+    <p:tnLst>
+      <p:par>
+        <p:cTn id="1" dur="indefinite" restart="never" nodeType="tmRoot"/>
+      </p:par>
+    </p:tnLst>
+  </p:timing>
+</p:sld>
+</file>
+
+<file path=ppt/slides/slide14.xml><?xml version="1.0" encoding="utf-8"?>
+<p:sld xmlns:a="http://schemas.openxmlformats.org/drawingml/2006/main" xmlns:r="http://schemas.openxmlformats.org/officeDocument/2006/relationships" xmlns:p="http://schemas.openxmlformats.org/presentationml/2006/main">
+  <p:cSld>
+    <p:spTree>
+      <p:nvGrpSpPr>
+        <p:cNvPr id="1" name=""/>
+        <p:cNvGrpSpPr/>
+        <p:nvPr/>
+      </p:nvGrpSpPr>
+      <p:grpSpPr>
+        <a:xfrm>
+          <a:off x="0" y="0"/>
+          <a:ext cx="0" cy="0"/>
+          <a:chOff x="0" y="0"/>
+          <a:chExt cx="0" cy="0"/>
+        </a:xfrm>
+      </p:grpSpPr>
+      <p:sp>
+        <p:nvSpPr>
+          <p:cNvPr id="2" name="Content Placeholder 1"/>
+          <p:cNvSpPr>
+            <a:spLocks noGrp="1"/>
+          </p:cNvSpPr>
+          <p:nvPr>
+            <p:ph idx="1"/>
+          </p:nvPr>
+        </p:nvSpPr>
         <p:spPr/>
         <p:txBody>
           <a:bodyPr/>
@@ -7220,7 +9369,7 @@
 </p:sld>
 </file>
 
-<file path=ppt/slides/slide11.xml><?xml version="1.0" encoding="utf-8"?>
+<file path=ppt/slides/slide15.xml><?xml version="1.0" encoding="utf-8"?>
 <p:sld xmlns:a="http://schemas.openxmlformats.org/drawingml/2006/main" xmlns:r="http://schemas.openxmlformats.org/officeDocument/2006/relationships" xmlns:p="http://schemas.openxmlformats.org/presentationml/2006/main">
   <p:cSld>
     <p:spTree>
@@ -7337,7 +9486,7 @@
 </p:sld>
 </file>
 
-<file path=ppt/slides/slide12.xml><?xml version="1.0" encoding="utf-8"?>
+<file path=ppt/slides/slide16.xml><?xml version="1.0" encoding="utf-8"?>
 <p:sld xmlns:a="http://schemas.openxmlformats.org/drawingml/2006/main" xmlns:r="http://schemas.openxmlformats.org/officeDocument/2006/relationships" xmlns:p="http://schemas.openxmlformats.org/presentationml/2006/main">
   <p:cSld>
     <p:spTree>
@@ -9150,33 +11299,1401 @@
           <a:chExt cx="0" cy="0"/>
         </a:xfrm>
       </p:grpSpPr>
-      <p:sp>
-        <p:nvSpPr>
-          <p:cNvPr id="2" name="Content Placeholder 1"/>
-          <p:cNvSpPr>
-            <a:spLocks noGrp="1"/>
-          </p:cNvSpPr>
+      <p:graphicFrame>
+        <p:nvGraphicFramePr>
+          <p:cNvPr id="6" name="Content Placeholder 5"/>
+          <p:cNvGraphicFramePr>
+            <a:graphicFrameLocks noGrp="1"/>
+          </p:cNvGraphicFramePr>
           <p:nvPr>
             <p:ph idx="1"/>
+            <p:extLst>
+              <p:ext uri="{D42A27DB-BD31-4B8C-83A1-F6EECF244321}">
+                <p14:modId xmlns:p14="http://schemas.microsoft.com/office/powerpoint/2010/main" val="154413992"/>
+              </p:ext>
+            </p:extLst>
           </p:nvPr>
-        </p:nvSpPr>
-        <p:spPr>
-          <a:xfrm>
-            <a:off x="838200" y="1905000"/>
-            <a:ext cx="7467600" cy="4221163"/>
-          </a:xfrm>
-        </p:spPr>
-        <p:txBody>
-          <a:bodyPr/>
-          <a:lstStyle/>
-          <a:p>
-            <a:pPr marL="0" indent="0">
-              <a:buNone/>
-            </a:pPr>
-            <a:endParaRPr lang="en-US" dirty="0"/>
-          </a:p>
-        </p:txBody>
-      </p:sp>
+        </p:nvGraphicFramePr>
+        <p:xfrm>
+          <a:off x="838200" y="2057400"/>
+          <a:ext cx="7467600" cy="3698617"/>
+        </p:xfrm>
+        <a:graphic>
+          <a:graphicData uri="http://schemas.openxmlformats.org/drawingml/2006/table">
+            <a:tbl>
+              <a:tblPr firstRow="1" firstCol="1" bandRow="1">
+                <a:tableStyleId>{5C22544A-7EE6-4342-B048-85BDC9FD1C3A}</a:tableStyleId>
+              </a:tblPr>
+              <a:tblGrid>
+                <a:gridCol w="445827"/>
+                <a:gridCol w="1058839"/>
+                <a:gridCol w="1783307"/>
+                <a:gridCol w="1058839"/>
+                <a:gridCol w="2061949"/>
+                <a:gridCol w="1058839"/>
+              </a:tblGrid>
+              <a:tr h="289787">
+                <a:tc>
+                  <a:txBody>
+                    <a:bodyPr/>
+                    <a:lstStyle/>
+                    <a:p>
+                      <a:pPr marL="0" marR="0" algn="ctr">
+                        <a:lnSpc>
+                          <a:spcPct val="150000"/>
+                        </a:lnSpc>
+                        <a:spcBef>
+                          <a:spcPts val="720"/>
+                        </a:spcBef>
+                        <a:spcAft>
+                          <a:spcPts val="720"/>
+                        </a:spcAft>
+                      </a:pPr>
+                      <a:r>
+                        <a:rPr lang="en-US" sz="1300" dirty="0">
+                          <a:effectLst/>
+                        </a:rPr>
+                        <a:t>STT</a:t>
+                      </a:r>
+                      <a:endParaRPr lang="en-US" sz="1100" dirty="0">
+                        <a:effectLst/>
+                        <a:latin typeface="Calibri"/>
+                        <a:ea typeface="Calibri"/>
+                        <a:cs typeface="Cordia New"/>
+                      </a:endParaRPr>
+                    </a:p>
+                  </a:txBody>
+                  <a:tcPr marL="66874" marR="66874" marT="0" marB="0" anchor="ctr"/>
+                </a:tc>
+                <a:tc>
+                  <a:txBody>
+                    <a:bodyPr/>
+                    <a:lstStyle/>
+                    <a:p>
+                      <a:pPr marL="0" marR="0" algn="ctr">
+                        <a:lnSpc>
+                          <a:spcPct val="150000"/>
+                        </a:lnSpc>
+                        <a:spcBef>
+                          <a:spcPts val="720"/>
+                        </a:spcBef>
+                        <a:spcAft>
+                          <a:spcPts val="720"/>
+                        </a:spcAft>
+                      </a:pPr>
+                      <a:r>
+                        <a:rPr lang="en-US" sz="1300">
+                          <a:effectLst/>
+                        </a:rPr>
+                        <a:t>MSSV</a:t>
+                      </a:r>
+                      <a:endParaRPr lang="en-US" sz="1100">
+                        <a:effectLst/>
+                        <a:latin typeface="Calibri"/>
+                        <a:ea typeface="Calibri"/>
+                        <a:cs typeface="Cordia New"/>
+                      </a:endParaRPr>
+                    </a:p>
+                  </a:txBody>
+                  <a:tcPr marL="66874" marR="66874" marT="0" marB="0" anchor="ctr"/>
+                </a:tc>
+                <a:tc>
+                  <a:txBody>
+                    <a:bodyPr/>
+                    <a:lstStyle/>
+                    <a:p>
+                      <a:pPr marL="0" marR="0" algn="ctr">
+                        <a:lnSpc>
+                          <a:spcPct val="150000"/>
+                        </a:lnSpc>
+                        <a:spcBef>
+                          <a:spcPts val="720"/>
+                        </a:spcBef>
+                        <a:spcAft>
+                          <a:spcPts val="720"/>
+                        </a:spcAft>
+                      </a:pPr>
+                      <a:r>
+                        <a:rPr lang="en-US" sz="1300">
+                          <a:effectLst/>
+                        </a:rPr>
+                        <a:t>Họ và tên</a:t>
+                      </a:r>
+                      <a:endParaRPr lang="en-US" sz="1100">
+                        <a:effectLst/>
+                        <a:latin typeface="Calibri"/>
+                        <a:ea typeface="Calibri"/>
+                        <a:cs typeface="Cordia New"/>
+                      </a:endParaRPr>
+                    </a:p>
+                  </a:txBody>
+                  <a:tcPr marL="66874" marR="66874" marT="0" marB="0" anchor="ctr"/>
+                </a:tc>
+                <a:tc>
+                  <a:txBody>
+                    <a:bodyPr/>
+                    <a:lstStyle/>
+                    <a:p>
+                      <a:pPr marL="0" marR="0" algn="ctr">
+                        <a:lnSpc>
+                          <a:spcPct val="150000"/>
+                        </a:lnSpc>
+                        <a:spcBef>
+                          <a:spcPts val="720"/>
+                        </a:spcBef>
+                        <a:spcAft>
+                          <a:spcPts val="720"/>
+                        </a:spcAft>
+                      </a:pPr>
+                      <a:r>
+                        <a:rPr lang="en-US" sz="1300">
+                          <a:effectLst/>
+                        </a:rPr>
+                        <a:t>Vai trò</a:t>
+                      </a:r>
+                      <a:endParaRPr lang="en-US" sz="1100">
+                        <a:effectLst/>
+                        <a:latin typeface="Calibri"/>
+                        <a:ea typeface="Calibri"/>
+                        <a:cs typeface="Cordia New"/>
+                      </a:endParaRPr>
+                    </a:p>
+                  </a:txBody>
+                  <a:tcPr marL="66874" marR="66874" marT="0" marB="0" anchor="ctr"/>
+                </a:tc>
+                <a:tc>
+                  <a:txBody>
+                    <a:bodyPr/>
+                    <a:lstStyle/>
+                    <a:p>
+                      <a:pPr marL="0" marR="0" algn="ctr">
+                        <a:lnSpc>
+                          <a:spcPct val="150000"/>
+                        </a:lnSpc>
+                        <a:spcBef>
+                          <a:spcPts val="720"/>
+                        </a:spcBef>
+                        <a:spcAft>
+                          <a:spcPts val="720"/>
+                        </a:spcAft>
+                      </a:pPr>
+                      <a:r>
+                        <a:rPr lang="en-US" sz="1300">
+                          <a:effectLst/>
+                        </a:rPr>
+                        <a:t>Email</a:t>
+                      </a:r>
+                      <a:endParaRPr lang="en-US" sz="1100">
+                        <a:effectLst/>
+                        <a:latin typeface="Calibri"/>
+                        <a:ea typeface="Calibri"/>
+                        <a:cs typeface="Cordia New"/>
+                      </a:endParaRPr>
+                    </a:p>
+                  </a:txBody>
+                  <a:tcPr marL="66874" marR="66874" marT="0" marB="0" anchor="ctr"/>
+                </a:tc>
+                <a:tc>
+                  <a:txBody>
+                    <a:bodyPr/>
+                    <a:lstStyle/>
+                    <a:p>
+                      <a:pPr marL="0" marR="0" algn="ctr">
+                        <a:lnSpc>
+                          <a:spcPct val="150000"/>
+                        </a:lnSpc>
+                        <a:spcBef>
+                          <a:spcPts val="720"/>
+                        </a:spcBef>
+                        <a:spcAft>
+                          <a:spcPts val="720"/>
+                        </a:spcAft>
+                      </a:pPr>
+                      <a:r>
+                        <a:rPr lang="en-US" sz="1300">
+                          <a:effectLst/>
+                        </a:rPr>
+                        <a:t>SĐT</a:t>
+                      </a:r>
+                      <a:endParaRPr lang="en-US" sz="1100">
+                        <a:effectLst/>
+                        <a:latin typeface="Calibri"/>
+                        <a:ea typeface="Calibri"/>
+                        <a:cs typeface="Cordia New"/>
+                      </a:endParaRPr>
+                    </a:p>
+                  </a:txBody>
+                  <a:tcPr marL="66874" marR="66874" marT="0" marB="0" anchor="ctr"/>
+                </a:tc>
+              </a:tr>
+              <a:tr h="450780">
+                <a:tc>
+                  <a:txBody>
+                    <a:bodyPr/>
+                    <a:lstStyle/>
+                    <a:p>
+                      <a:pPr marL="0" marR="0" algn="ctr">
+                        <a:lnSpc>
+                          <a:spcPct val="150000"/>
+                        </a:lnSpc>
+                        <a:spcBef>
+                          <a:spcPts val="720"/>
+                        </a:spcBef>
+                        <a:spcAft>
+                          <a:spcPts val="720"/>
+                        </a:spcAft>
+                      </a:pPr>
+                      <a:r>
+                        <a:rPr lang="en-US" sz="1300">
+                          <a:effectLst/>
+                        </a:rPr>
+                        <a:t>1</a:t>
+                      </a:r>
+                      <a:endParaRPr lang="en-US" sz="1100">
+                        <a:effectLst/>
+                        <a:latin typeface="Calibri"/>
+                        <a:ea typeface="Calibri"/>
+                        <a:cs typeface="Cordia New"/>
+                      </a:endParaRPr>
+                    </a:p>
+                  </a:txBody>
+                  <a:tcPr marL="66874" marR="66874" marT="0" marB="0" anchor="ctr"/>
+                </a:tc>
+                <a:tc>
+                  <a:txBody>
+                    <a:bodyPr/>
+                    <a:lstStyle/>
+                    <a:p>
+                      <a:pPr marL="0" marR="0" algn="ctr">
+                        <a:lnSpc>
+                          <a:spcPct val="150000"/>
+                        </a:lnSpc>
+                        <a:spcBef>
+                          <a:spcPts val="720"/>
+                        </a:spcBef>
+                        <a:spcAft>
+                          <a:spcPts val="720"/>
+                        </a:spcAft>
+                      </a:pPr>
+                      <a:r>
+                        <a:rPr lang="en-US" sz="1300">
+                          <a:effectLst/>
+                        </a:rPr>
+                        <a:t>17211TT0111</a:t>
+                      </a:r>
+                      <a:endParaRPr lang="en-US" sz="1100">
+                        <a:effectLst/>
+                        <a:latin typeface="Calibri"/>
+                        <a:ea typeface="Calibri"/>
+                        <a:cs typeface="Cordia New"/>
+                      </a:endParaRPr>
+                    </a:p>
+                  </a:txBody>
+                  <a:tcPr marL="66874" marR="66874" marT="0" marB="0" anchor="ctr"/>
+                </a:tc>
+                <a:tc>
+                  <a:txBody>
+                    <a:bodyPr/>
+                    <a:lstStyle/>
+                    <a:p>
+                      <a:pPr marL="0" marR="0" algn="ctr">
+                        <a:lnSpc>
+                          <a:spcPct val="150000"/>
+                        </a:lnSpc>
+                        <a:spcBef>
+                          <a:spcPts val="720"/>
+                        </a:spcBef>
+                        <a:spcAft>
+                          <a:spcPts val="720"/>
+                        </a:spcAft>
+                      </a:pPr>
+                      <a:r>
+                        <a:rPr lang="en-US" sz="1300" dirty="0">
+                          <a:effectLst/>
+                        </a:rPr>
+                        <a:t>Võ Thành Phát</a:t>
+                      </a:r>
+                      <a:endParaRPr lang="en-US" sz="1100" dirty="0">
+                        <a:effectLst/>
+                        <a:latin typeface="Calibri"/>
+                        <a:ea typeface="Calibri"/>
+                        <a:cs typeface="Cordia New"/>
+                      </a:endParaRPr>
+                    </a:p>
+                  </a:txBody>
+                  <a:tcPr marL="66874" marR="66874" marT="0" marB="0" anchor="ctr"/>
+                </a:tc>
+                <a:tc>
+                  <a:txBody>
+                    <a:bodyPr/>
+                    <a:lstStyle/>
+                    <a:p>
+                      <a:pPr marL="0" marR="0" algn="ctr">
+                        <a:lnSpc>
+                          <a:spcPct val="150000"/>
+                        </a:lnSpc>
+                        <a:spcBef>
+                          <a:spcPts val="720"/>
+                        </a:spcBef>
+                        <a:spcAft>
+                          <a:spcPts val="720"/>
+                        </a:spcAft>
+                      </a:pPr>
+                      <a:r>
+                        <a:rPr lang="en-US" sz="1300" dirty="0">
+                          <a:effectLst/>
+                        </a:rPr>
+                        <a:t>Nhóm trưởng</a:t>
+                      </a:r>
+                      <a:endParaRPr lang="en-US" sz="1100" dirty="0">
+                        <a:effectLst/>
+                        <a:latin typeface="Calibri"/>
+                        <a:ea typeface="Calibri"/>
+                        <a:cs typeface="Cordia New"/>
+                      </a:endParaRPr>
+                    </a:p>
+                  </a:txBody>
+                  <a:tcPr marL="66874" marR="66874" marT="0" marB="0" anchor="ctr"/>
+                </a:tc>
+                <a:tc>
+                  <a:txBody>
+                    <a:bodyPr/>
+                    <a:lstStyle/>
+                    <a:p>
+                      <a:pPr marL="0" marR="0">
+                        <a:lnSpc>
+                          <a:spcPct val="150000"/>
+                        </a:lnSpc>
+                        <a:spcBef>
+                          <a:spcPts val="720"/>
+                        </a:spcBef>
+                        <a:spcAft>
+                          <a:spcPts val="720"/>
+                        </a:spcAft>
+                      </a:pPr>
+                      <a:r>
+                        <a:rPr lang="en-US" sz="1300">
+                          <a:effectLst/>
+                        </a:rPr>
+                        <a:t>thanhphat147@gmail.com</a:t>
+                      </a:r>
+                      <a:endParaRPr lang="en-US" sz="1100">
+                        <a:effectLst/>
+                        <a:latin typeface="Calibri"/>
+                        <a:ea typeface="Calibri"/>
+                        <a:cs typeface="Cordia New"/>
+                      </a:endParaRPr>
+                    </a:p>
+                  </a:txBody>
+                  <a:tcPr marL="66874" marR="66874" marT="0" marB="0" anchor="ctr"/>
+                </a:tc>
+                <a:tc>
+                  <a:txBody>
+                    <a:bodyPr/>
+                    <a:lstStyle/>
+                    <a:p>
+                      <a:pPr marL="0" marR="0" algn="ctr">
+                        <a:lnSpc>
+                          <a:spcPct val="150000"/>
+                        </a:lnSpc>
+                        <a:spcBef>
+                          <a:spcPts val="720"/>
+                        </a:spcBef>
+                        <a:spcAft>
+                          <a:spcPts val="720"/>
+                        </a:spcAft>
+                      </a:pPr>
+                      <a:r>
+                        <a:rPr lang="en-US" sz="1300">
+                          <a:effectLst/>
+                        </a:rPr>
+                        <a:t>0971174293</a:t>
+                      </a:r>
+                      <a:endParaRPr lang="en-US" sz="1100">
+                        <a:effectLst/>
+                        <a:latin typeface="Calibri"/>
+                        <a:ea typeface="Calibri"/>
+                        <a:cs typeface="Cordia New"/>
+                      </a:endParaRPr>
+                    </a:p>
+                  </a:txBody>
+                  <a:tcPr marL="66874" marR="66874" marT="0" marB="0" anchor="ctr"/>
+                </a:tc>
+              </a:tr>
+              <a:tr h="579575">
+                <a:tc>
+                  <a:txBody>
+                    <a:bodyPr/>
+                    <a:lstStyle/>
+                    <a:p>
+                      <a:pPr marL="0" marR="0" algn="ctr">
+                        <a:lnSpc>
+                          <a:spcPct val="150000"/>
+                        </a:lnSpc>
+                        <a:spcBef>
+                          <a:spcPts val="720"/>
+                        </a:spcBef>
+                        <a:spcAft>
+                          <a:spcPts val="720"/>
+                        </a:spcAft>
+                      </a:pPr>
+                      <a:r>
+                        <a:rPr lang="en-US" sz="1300">
+                          <a:effectLst/>
+                        </a:rPr>
+                        <a:t>2</a:t>
+                      </a:r>
+                      <a:endParaRPr lang="en-US" sz="1100">
+                        <a:effectLst/>
+                        <a:latin typeface="Calibri"/>
+                        <a:ea typeface="Calibri"/>
+                        <a:cs typeface="Cordia New"/>
+                      </a:endParaRPr>
+                    </a:p>
+                  </a:txBody>
+                  <a:tcPr marL="66874" marR="66874" marT="0" marB="0" anchor="ctr"/>
+                </a:tc>
+                <a:tc>
+                  <a:txBody>
+                    <a:bodyPr/>
+                    <a:lstStyle/>
+                    <a:p>
+                      <a:pPr marL="0" marR="0">
+                        <a:lnSpc>
+                          <a:spcPct val="150000"/>
+                        </a:lnSpc>
+                        <a:spcBef>
+                          <a:spcPts val="720"/>
+                        </a:spcBef>
+                        <a:spcAft>
+                          <a:spcPts val="720"/>
+                        </a:spcAft>
+                      </a:pPr>
+                      <a:r>
+                        <a:rPr lang="en-US" sz="1300">
+                          <a:effectLst/>
+                        </a:rPr>
+                        <a:t>17211TT0235</a:t>
+                      </a:r>
+                      <a:endParaRPr lang="en-US" sz="1100">
+                        <a:effectLst/>
+                        <a:latin typeface="Calibri"/>
+                        <a:ea typeface="Calibri"/>
+                        <a:cs typeface="Cordia New"/>
+                      </a:endParaRPr>
+                    </a:p>
+                  </a:txBody>
+                  <a:tcPr marL="66874" marR="66874" marT="0" marB="0" anchor="ctr"/>
+                </a:tc>
+                <a:tc>
+                  <a:txBody>
+                    <a:bodyPr/>
+                    <a:lstStyle/>
+                    <a:p>
+                      <a:pPr marL="0" marR="0" algn="ctr">
+                        <a:lnSpc>
+                          <a:spcPct val="150000"/>
+                        </a:lnSpc>
+                        <a:spcBef>
+                          <a:spcPts val="720"/>
+                        </a:spcBef>
+                        <a:spcAft>
+                          <a:spcPts val="720"/>
+                        </a:spcAft>
+                      </a:pPr>
+                      <a:r>
+                        <a:rPr lang="en-US" sz="1300">
+                          <a:effectLst/>
+                        </a:rPr>
+                        <a:t>Tương Lại Anh Thư</a:t>
+                      </a:r>
+                      <a:endParaRPr lang="en-US" sz="1100">
+                        <a:effectLst/>
+                        <a:latin typeface="Calibri"/>
+                        <a:ea typeface="Calibri"/>
+                        <a:cs typeface="Cordia New"/>
+                      </a:endParaRPr>
+                    </a:p>
+                  </a:txBody>
+                  <a:tcPr marL="66874" marR="66874" marT="0" marB="0" anchor="ctr"/>
+                </a:tc>
+                <a:tc>
+                  <a:txBody>
+                    <a:bodyPr/>
+                    <a:lstStyle/>
+                    <a:p>
+                      <a:pPr marL="0" marR="0" algn="ctr">
+                        <a:lnSpc>
+                          <a:spcPct val="150000"/>
+                        </a:lnSpc>
+                        <a:spcBef>
+                          <a:spcPts val="720"/>
+                        </a:spcBef>
+                        <a:spcAft>
+                          <a:spcPts val="720"/>
+                        </a:spcAft>
+                      </a:pPr>
+                      <a:r>
+                        <a:rPr lang="en-US" sz="1300">
+                          <a:effectLst/>
+                        </a:rPr>
+                        <a:t>Thư ký</a:t>
+                      </a:r>
+                      <a:endParaRPr lang="en-US" sz="1100">
+                        <a:effectLst/>
+                        <a:latin typeface="Calibri"/>
+                        <a:ea typeface="Calibri"/>
+                        <a:cs typeface="Cordia New"/>
+                      </a:endParaRPr>
+                    </a:p>
+                  </a:txBody>
+                  <a:tcPr marL="66874" marR="66874" marT="0" marB="0" anchor="ctr"/>
+                </a:tc>
+                <a:tc>
+                  <a:txBody>
+                    <a:bodyPr/>
+                    <a:lstStyle/>
+                    <a:p>
+                      <a:pPr marL="0" marR="0" algn="ctr">
+                        <a:lnSpc>
+                          <a:spcPct val="150000"/>
+                        </a:lnSpc>
+                        <a:spcBef>
+                          <a:spcPts val="720"/>
+                        </a:spcBef>
+                        <a:spcAft>
+                          <a:spcPts val="720"/>
+                        </a:spcAft>
+                      </a:pPr>
+                      <a:r>
+                        <a:rPr lang="en-US" sz="1300">
+                          <a:effectLst/>
+                        </a:rPr>
+                        <a:t>Tuonglaianhthu03041999@gmail.com</a:t>
+                      </a:r>
+                      <a:endParaRPr lang="en-US" sz="1100">
+                        <a:effectLst/>
+                        <a:latin typeface="Calibri"/>
+                        <a:ea typeface="Calibri"/>
+                        <a:cs typeface="Cordia New"/>
+                      </a:endParaRPr>
+                    </a:p>
+                  </a:txBody>
+                  <a:tcPr marL="66874" marR="66874" marT="0" marB="0" anchor="ctr"/>
+                </a:tc>
+                <a:tc>
+                  <a:txBody>
+                    <a:bodyPr/>
+                    <a:lstStyle/>
+                    <a:p>
+                      <a:pPr marL="0" marR="0" algn="ctr">
+                        <a:lnSpc>
+                          <a:spcPct val="150000"/>
+                        </a:lnSpc>
+                        <a:spcBef>
+                          <a:spcPts val="720"/>
+                        </a:spcBef>
+                        <a:spcAft>
+                          <a:spcPts val="720"/>
+                        </a:spcAft>
+                      </a:pPr>
+                      <a:r>
+                        <a:rPr lang="en-US" sz="1300">
+                          <a:effectLst/>
+                        </a:rPr>
+                        <a:t>01687574440</a:t>
+                      </a:r>
+                      <a:endParaRPr lang="en-US" sz="1100">
+                        <a:effectLst/>
+                        <a:latin typeface="Calibri"/>
+                        <a:ea typeface="Calibri"/>
+                        <a:cs typeface="Cordia New"/>
+                      </a:endParaRPr>
+                    </a:p>
+                  </a:txBody>
+                  <a:tcPr marL="66874" marR="66874" marT="0" marB="0" anchor="ctr"/>
+                </a:tc>
+              </a:tr>
+              <a:tr h="289787">
+                <a:tc>
+                  <a:txBody>
+                    <a:bodyPr/>
+                    <a:lstStyle/>
+                    <a:p>
+                      <a:pPr marL="0" marR="0" algn="ctr">
+                        <a:lnSpc>
+                          <a:spcPct val="150000"/>
+                        </a:lnSpc>
+                        <a:spcBef>
+                          <a:spcPts val="720"/>
+                        </a:spcBef>
+                        <a:spcAft>
+                          <a:spcPts val="720"/>
+                        </a:spcAft>
+                      </a:pPr>
+                      <a:r>
+                        <a:rPr lang="en-US" sz="1300">
+                          <a:effectLst/>
+                        </a:rPr>
+                        <a:t>3</a:t>
+                      </a:r>
+                      <a:endParaRPr lang="en-US" sz="1100">
+                        <a:effectLst/>
+                        <a:latin typeface="Calibri"/>
+                        <a:ea typeface="Calibri"/>
+                        <a:cs typeface="Cordia New"/>
+                      </a:endParaRPr>
+                    </a:p>
+                  </a:txBody>
+                  <a:tcPr marL="66874" marR="66874" marT="0" marB="0" anchor="ctr"/>
+                </a:tc>
+                <a:tc>
+                  <a:txBody>
+                    <a:bodyPr/>
+                    <a:lstStyle/>
+                    <a:p>
+                      <a:pPr marL="0" marR="0" algn="ctr">
+                        <a:lnSpc>
+                          <a:spcPct val="150000"/>
+                        </a:lnSpc>
+                        <a:spcBef>
+                          <a:spcPts val="720"/>
+                        </a:spcBef>
+                        <a:spcAft>
+                          <a:spcPts val="720"/>
+                        </a:spcAft>
+                      </a:pPr>
+                      <a:r>
+                        <a:rPr lang="en-US" sz="1300">
+                          <a:effectLst/>
+                        </a:rPr>
+                        <a:t>17211TT3149</a:t>
+                      </a:r>
+                      <a:endParaRPr lang="en-US" sz="1100">
+                        <a:effectLst/>
+                        <a:latin typeface="Calibri"/>
+                        <a:ea typeface="Calibri"/>
+                        <a:cs typeface="Cordia New"/>
+                      </a:endParaRPr>
+                    </a:p>
+                  </a:txBody>
+                  <a:tcPr marL="66874" marR="66874" marT="0" marB="0" anchor="ctr"/>
+                </a:tc>
+                <a:tc>
+                  <a:txBody>
+                    <a:bodyPr/>
+                    <a:lstStyle/>
+                    <a:p>
+                      <a:pPr marL="0" marR="0" algn="ctr">
+                        <a:lnSpc>
+                          <a:spcPct val="150000"/>
+                        </a:lnSpc>
+                        <a:spcBef>
+                          <a:spcPts val="720"/>
+                        </a:spcBef>
+                        <a:spcAft>
+                          <a:spcPts val="720"/>
+                        </a:spcAft>
+                      </a:pPr>
+                      <a:r>
+                        <a:rPr lang="en-US" sz="1300">
+                          <a:effectLst/>
+                        </a:rPr>
+                        <a:t>Nguyễn Thị Hà Phương</a:t>
+                      </a:r>
+                      <a:endParaRPr lang="en-US" sz="1100">
+                        <a:effectLst/>
+                        <a:latin typeface="Calibri"/>
+                        <a:ea typeface="Calibri"/>
+                        <a:cs typeface="Cordia New"/>
+                      </a:endParaRPr>
+                    </a:p>
+                  </a:txBody>
+                  <a:tcPr marL="66874" marR="66874" marT="0" marB="0" anchor="ctr"/>
+                </a:tc>
+                <a:tc>
+                  <a:txBody>
+                    <a:bodyPr/>
+                    <a:lstStyle/>
+                    <a:p>
+                      <a:pPr marL="0" marR="0" algn="ctr">
+                        <a:lnSpc>
+                          <a:spcPct val="150000"/>
+                        </a:lnSpc>
+                        <a:spcBef>
+                          <a:spcPts val="720"/>
+                        </a:spcBef>
+                        <a:spcAft>
+                          <a:spcPts val="720"/>
+                        </a:spcAft>
+                      </a:pPr>
+                      <a:r>
+                        <a:rPr lang="en-US" sz="1300">
+                          <a:effectLst/>
+                        </a:rPr>
+                        <a:t>Thành viên</a:t>
+                      </a:r>
+                      <a:endParaRPr lang="en-US" sz="1100">
+                        <a:effectLst/>
+                        <a:latin typeface="Calibri"/>
+                        <a:ea typeface="Calibri"/>
+                        <a:cs typeface="Cordia New"/>
+                      </a:endParaRPr>
+                    </a:p>
+                  </a:txBody>
+                  <a:tcPr marL="66874" marR="66874" marT="0" marB="0" anchor="ctr"/>
+                </a:tc>
+                <a:tc>
+                  <a:txBody>
+                    <a:bodyPr/>
+                    <a:lstStyle/>
+                    <a:p>
+                      <a:pPr marL="0" marR="0">
+                        <a:lnSpc>
+                          <a:spcPct val="150000"/>
+                        </a:lnSpc>
+                        <a:spcBef>
+                          <a:spcPts val="720"/>
+                        </a:spcBef>
+                        <a:spcAft>
+                          <a:spcPts val="720"/>
+                        </a:spcAft>
+                      </a:pPr>
+                      <a:r>
+                        <a:rPr lang="en-US" sz="1300">
+                          <a:effectLst/>
+                        </a:rPr>
+                        <a:t>haphuongn739@gmail.com</a:t>
+                      </a:r>
+                      <a:endParaRPr lang="en-US" sz="1100">
+                        <a:effectLst/>
+                        <a:latin typeface="Calibri"/>
+                        <a:ea typeface="Calibri"/>
+                        <a:cs typeface="Cordia New"/>
+                      </a:endParaRPr>
+                    </a:p>
+                  </a:txBody>
+                  <a:tcPr marL="66874" marR="66874" marT="0" marB="0" anchor="ctr"/>
+                </a:tc>
+                <a:tc>
+                  <a:txBody>
+                    <a:bodyPr/>
+                    <a:lstStyle/>
+                    <a:p>
+                      <a:pPr marL="0" marR="0" algn="ctr">
+                        <a:lnSpc>
+                          <a:spcPct val="150000"/>
+                        </a:lnSpc>
+                        <a:spcBef>
+                          <a:spcPts val="720"/>
+                        </a:spcBef>
+                        <a:spcAft>
+                          <a:spcPts val="720"/>
+                        </a:spcAft>
+                      </a:pPr>
+                      <a:r>
+                        <a:rPr lang="en-US" sz="1300">
+                          <a:effectLst/>
+                        </a:rPr>
+                        <a:t>01648974550</a:t>
+                      </a:r>
+                      <a:endParaRPr lang="en-US" sz="1100">
+                        <a:effectLst/>
+                        <a:latin typeface="Calibri"/>
+                        <a:ea typeface="Calibri"/>
+                        <a:cs typeface="Cordia New"/>
+                      </a:endParaRPr>
+                    </a:p>
+                  </a:txBody>
+                  <a:tcPr marL="66874" marR="66874" marT="0" marB="0" anchor="ctr"/>
+                </a:tc>
+              </a:tr>
+              <a:tr h="289787">
+                <a:tc>
+                  <a:txBody>
+                    <a:bodyPr/>
+                    <a:lstStyle/>
+                    <a:p>
+                      <a:pPr marL="0" marR="0" algn="ctr">
+                        <a:lnSpc>
+                          <a:spcPct val="150000"/>
+                        </a:lnSpc>
+                        <a:spcBef>
+                          <a:spcPts val="720"/>
+                        </a:spcBef>
+                        <a:spcAft>
+                          <a:spcPts val="720"/>
+                        </a:spcAft>
+                      </a:pPr>
+                      <a:r>
+                        <a:rPr lang="en-US" sz="1300">
+                          <a:effectLst/>
+                        </a:rPr>
+                        <a:t>4</a:t>
+                      </a:r>
+                      <a:endParaRPr lang="en-US" sz="1100">
+                        <a:effectLst/>
+                        <a:latin typeface="Calibri"/>
+                        <a:ea typeface="Calibri"/>
+                        <a:cs typeface="Cordia New"/>
+                      </a:endParaRPr>
+                    </a:p>
+                  </a:txBody>
+                  <a:tcPr marL="66874" marR="66874" marT="0" marB="0" anchor="ctr"/>
+                </a:tc>
+                <a:tc>
+                  <a:txBody>
+                    <a:bodyPr/>
+                    <a:lstStyle/>
+                    <a:p>
+                      <a:pPr marL="0" marR="0" algn="ctr">
+                        <a:lnSpc>
+                          <a:spcPct val="150000"/>
+                        </a:lnSpc>
+                        <a:spcBef>
+                          <a:spcPts val="720"/>
+                        </a:spcBef>
+                        <a:spcAft>
+                          <a:spcPts val="720"/>
+                        </a:spcAft>
+                      </a:pPr>
+                      <a:r>
+                        <a:rPr lang="en-US" sz="1300">
+                          <a:effectLst/>
+                        </a:rPr>
+                        <a:t>17211TT0192</a:t>
+                      </a:r>
+                      <a:endParaRPr lang="en-US" sz="1100">
+                        <a:effectLst/>
+                        <a:latin typeface="Calibri"/>
+                        <a:ea typeface="Calibri"/>
+                        <a:cs typeface="Cordia New"/>
+                      </a:endParaRPr>
+                    </a:p>
+                  </a:txBody>
+                  <a:tcPr marL="66874" marR="66874" marT="0" marB="0" anchor="ctr"/>
+                </a:tc>
+                <a:tc>
+                  <a:txBody>
+                    <a:bodyPr/>
+                    <a:lstStyle/>
+                    <a:p>
+                      <a:pPr marL="0" marR="0" algn="ctr">
+                        <a:lnSpc>
+                          <a:spcPct val="150000"/>
+                        </a:lnSpc>
+                        <a:spcBef>
+                          <a:spcPts val="720"/>
+                        </a:spcBef>
+                        <a:spcAft>
+                          <a:spcPts val="720"/>
+                        </a:spcAft>
+                      </a:pPr>
+                      <a:r>
+                        <a:rPr lang="en-US" sz="1300">
+                          <a:effectLst/>
+                        </a:rPr>
+                        <a:t>Trần Quốc Thứ</a:t>
+                      </a:r>
+                      <a:endParaRPr lang="en-US" sz="1100">
+                        <a:effectLst/>
+                        <a:latin typeface="Calibri"/>
+                        <a:ea typeface="Calibri"/>
+                        <a:cs typeface="Cordia New"/>
+                      </a:endParaRPr>
+                    </a:p>
+                  </a:txBody>
+                  <a:tcPr marL="66874" marR="66874" marT="0" marB="0" anchor="ctr"/>
+                </a:tc>
+                <a:tc>
+                  <a:txBody>
+                    <a:bodyPr/>
+                    <a:lstStyle/>
+                    <a:p>
+                      <a:pPr marL="0" marR="0" algn="ctr">
+                        <a:lnSpc>
+                          <a:spcPct val="150000"/>
+                        </a:lnSpc>
+                        <a:spcBef>
+                          <a:spcPts val="720"/>
+                        </a:spcBef>
+                        <a:spcAft>
+                          <a:spcPts val="720"/>
+                        </a:spcAft>
+                      </a:pPr>
+                      <a:r>
+                        <a:rPr lang="en-US" sz="1300">
+                          <a:effectLst/>
+                        </a:rPr>
+                        <a:t>Thành viên</a:t>
+                      </a:r>
+                      <a:endParaRPr lang="en-US" sz="1100">
+                        <a:effectLst/>
+                        <a:latin typeface="Calibri"/>
+                        <a:ea typeface="Calibri"/>
+                        <a:cs typeface="Cordia New"/>
+                      </a:endParaRPr>
+                    </a:p>
+                  </a:txBody>
+                  <a:tcPr marL="66874" marR="66874" marT="0" marB="0" anchor="ctr"/>
+                </a:tc>
+                <a:tc>
+                  <a:txBody>
+                    <a:bodyPr/>
+                    <a:lstStyle/>
+                    <a:p>
+                      <a:pPr marL="0" marR="0">
+                        <a:lnSpc>
+                          <a:spcPct val="150000"/>
+                        </a:lnSpc>
+                        <a:spcBef>
+                          <a:spcPts val="720"/>
+                        </a:spcBef>
+                        <a:spcAft>
+                          <a:spcPts val="720"/>
+                        </a:spcAft>
+                      </a:pPr>
+                      <a:r>
+                        <a:rPr lang="en-US" sz="1300">
+                          <a:effectLst/>
+                        </a:rPr>
+                        <a:t>thutran1401998@gmail.com</a:t>
+                      </a:r>
+                      <a:endParaRPr lang="en-US" sz="1100">
+                        <a:effectLst/>
+                        <a:latin typeface="Calibri"/>
+                        <a:ea typeface="Calibri"/>
+                        <a:cs typeface="Cordia New"/>
+                      </a:endParaRPr>
+                    </a:p>
+                  </a:txBody>
+                  <a:tcPr marL="66874" marR="66874" marT="0" marB="0" anchor="ctr"/>
+                </a:tc>
+                <a:tc>
+                  <a:txBody>
+                    <a:bodyPr/>
+                    <a:lstStyle/>
+                    <a:p>
+                      <a:pPr marL="0" marR="0" algn="ctr">
+                        <a:lnSpc>
+                          <a:spcPct val="150000"/>
+                        </a:lnSpc>
+                        <a:spcBef>
+                          <a:spcPts val="720"/>
+                        </a:spcBef>
+                        <a:spcAft>
+                          <a:spcPts val="720"/>
+                        </a:spcAft>
+                      </a:pPr>
+                      <a:r>
+                        <a:rPr lang="en-US" sz="1300">
+                          <a:effectLst/>
+                        </a:rPr>
+                        <a:t>01664631966</a:t>
+                      </a:r>
+                      <a:endParaRPr lang="en-US" sz="1100">
+                        <a:effectLst/>
+                        <a:latin typeface="Calibri"/>
+                        <a:ea typeface="Calibri"/>
+                        <a:cs typeface="Cordia New"/>
+                      </a:endParaRPr>
+                    </a:p>
+                  </a:txBody>
+                  <a:tcPr marL="66874" marR="66874" marT="0" marB="0" anchor="ctr"/>
+                </a:tc>
+              </a:tr>
+              <a:tr h="289787">
+                <a:tc>
+                  <a:txBody>
+                    <a:bodyPr/>
+                    <a:lstStyle/>
+                    <a:p>
+                      <a:pPr marL="0" marR="0" algn="ctr">
+                        <a:lnSpc>
+                          <a:spcPct val="150000"/>
+                        </a:lnSpc>
+                        <a:spcBef>
+                          <a:spcPts val="720"/>
+                        </a:spcBef>
+                        <a:spcAft>
+                          <a:spcPts val="720"/>
+                        </a:spcAft>
+                      </a:pPr>
+                      <a:r>
+                        <a:rPr lang="en-US" sz="1300">
+                          <a:effectLst/>
+                        </a:rPr>
+                        <a:t>5</a:t>
+                      </a:r>
+                      <a:endParaRPr lang="en-US" sz="1100">
+                        <a:effectLst/>
+                        <a:latin typeface="Calibri"/>
+                        <a:ea typeface="Calibri"/>
+                        <a:cs typeface="Cordia New"/>
+                      </a:endParaRPr>
+                    </a:p>
+                  </a:txBody>
+                  <a:tcPr marL="66874" marR="66874" marT="0" marB="0" anchor="ctr"/>
+                </a:tc>
+                <a:tc>
+                  <a:txBody>
+                    <a:bodyPr/>
+                    <a:lstStyle/>
+                    <a:p>
+                      <a:pPr marL="0" marR="0" algn="ctr">
+                        <a:lnSpc>
+                          <a:spcPct val="150000"/>
+                        </a:lnSpc>
+                        <a:spcBef>
+                          <a:spcPts val="720"/>
+                        </a:spcBef>
+                        <a:spcAft>
+                          <a:spcPts val="720"/>
+                        </a:spcAft>
+                      </a:pPr>
+                      <a:r>
+                        <a:rPr lang="en-US" sz="1300">
+                          <a:effectLst/>
+                        </a:rPr>
+                        <a:t>17211TT0227</a:t>
+                      </a:r>
+                      <a:endParaRPr lang="en-US" sz="1100">
+                        <a:effectLst/>
+                        <a:latin typeface="Calibri"/>
+                        <a:ea typeface="Calibri"/>
+                        <a:cs typeface="Cordia New"/>
+                      </a:endParaRPr>
+                    </a:p>
+                  </a:txBody>
+                  <a:tcPr marL="66874" marR="66874" marT="0" marB="0" anchor="ctr"/>
+                </a:tc>
+                <a:tc>
+                  <a:txBody>
+                    <a:bodyPr/>
+                    <a:lstStyle/>
+                    <a:p>
+                      <a:pPr marL="0" marR="0" algn="ctr">
+                        <a:lnSpc>
+                          <a:spcPct val="150000"/>
+                        </a:lnSpc>
+                        <a:spcBef>
+                          <a:spcPts val="720"/>
+                        </a:spcBef>
+                        <a:spcAft>
+                          <a:spcPts val="720"/>
+                        </a:spcAft>
+                      </a:pPr>
+                      <a:r>
+                        <a:rPr lang="en-US" sz="1300">
+                          <a:effectLst/>
+                        </a:rPr>
+                        <a:t>Nguyễn Đăng Khoa</a:t>
+                      </a:r>
+                      <a:endParaRPr lang="en-US" sz="1100">
+                        <a:effectLst/>
+                        <a:latin typeface="Calibri"/>
+                        <a:ea typeface="Calibri"/>
+                        <a:cs typeface="Cordia New"/>
+                      </a:endParaRPr>
+                    </a:p>
+                  </a:txBody>
+                  <a:tcPr marL="66874" marR="66874" marT="0" marB="0" anchor="ctr"/>
+                </a:tc>
+                <a:tc>
+                  <a:txBody>
+                    <a:bodyPr/>
+                    <a:lstStyle/>
+                    <a:p>
+                      <a:pPr marL="0" marR="0" algn="ctr">
+                        <a:lnSpc>
+                          <a:spcPct val="150000"/>
+                        </a:lnSpc>
+                        <a:spcBef>
+                          <a:spcPts val="720"/>
+                        </a:spcBef>
+                        <a:spcAft>
+                          <a:spcPts val="720"/>
+                        </a:spcAft>
+                      </a:pPr>
+                      <a:r>
+                        <a:rPr lang="en-US" sz="1300">
+                          <a:effectLst/>
+                        </a:rPr>
+                        <a:t>Thành viên</a:t>
+                      </a:r>
+                      <a:endParaRPr lang="en-US" sz="1100">
+                        <a:effectLst/>
+                        <a:latin typeface="Calibri"/>
+                        <a:ea typeface="Calibri"/>
+                        <a:cs typeface="Cordia New"/>
+                      </a:endParaRPr>
+                    </a:p>
+                  </a:txBody>
+                  <a:tcPr marL="66874" marR="66874" marT="0" marB="0" anchor="ctr"/>
+                </a:tc>
+                <a:tc>
+                  <a:txBody>
+                    <a:bodyPr/>
+                    <a:lstStyle/>
+                    <a:p>
+                      <a:pPr marL="0" marR="0">
+                        <a:lnSpc>
+                          <a:spcPct val="150000"/>
+                        </a:lnSpc>
+                        <a:spcBef>
+                          <a:spcPts val="720"/>
+                        </a:spcBef>
+                        <a:spcAft>
+                          <a:spcPts val="720"/>
+                        </a:spcAft>
+                      </a:pPr>
+                      <a:r>
+                        <a:rPr lang="en-US" sz="1300">
+                          <a:effectLst/>
+                        </a:rPr>
+                        <a:t>khoa09081999@gmail.com</a:t>
+                      </a:r>
+                      <a:endParaRPr lang="en-US" sz="1100">
+                        <a:effectLst/>
+                        <a:latin typeface="Calibri"/>
+                        <a:ea typeface="Calibri"/>
+                        <a:cs typeface="Cordia New"/>
+                      </a:endParaRPr>
+                    </a:p>
+                  </a:txBody>
+                  <a:tcPr marL="66874" marR="66874" marT="0" marB="0" anchor="ctr"/>
+                </a:tc>
+                <a:tc>
+                  <a:txBody>
+                    <a:bodyPr/>
+                    <a:lstStyle/>
+                    <a:p>
+                      <a:pPr marL="0" marR="0" algn="ctr">
+                        <a:lnSpc>
+                          <a:spcPct val="150000"/>
+                        </a:lnSpc>
+                        <a:spcBef>
+                          <a:spcPts val="720"/>
+                        </a:spcBef>
+                        <a:spcAft>
+                          <a:spcPts val="720"/>
+                        </a:spcAft>
+                      </a:pPr>
+                      <a:r>
+                        <a:rPr lang="en-US" sz="1300">
+                          <a:effectLst/>
+                        </a:rPr>
+                        <a:t>09021922337</a:t>
+                      </a:r>
+                      <a:endParaRPr lang="en-US" sz="1100">
+                        <a:effectLst/>
+                        <a:latin typeface="Calibri"/>
+                        <a:ea typeface="Calibri"/>
+                        <a:cs typeface="Cordia New"/>
+                      </a:endParaRPr>
+                    </a:p>
+                  </a:txBody>
+                  <a:tcPr marL="66874" marR="66874" marT="0" marB="0" anchor="ctr"/>
+                </a:tc>
+              </a:tr>
+              <a:tr h="579575">
+                <a:tc>
+                  <a:txBody>
+                    <a:bodyPr/>
+                    <a:lstStyle/>
+                    <a:p>
+                      <a:pPr marL="0" marR="0" algn="ctr">
+                        <a:lnSpc>
+                          <a:spcPct val="150000"/>
+                        </a:lnSpc>
+                        <a:spcBef>
+                          <a:spcPts val="720"/>
+                        </a:spcBef>
+                        <a:spcAft>
+                          <a:spcPts val="720"/>
+                        </a:spcAft>
+                      </a:pPr>
+                      <a:r>
+                        <a:rPr lang="en-US" sz="1300" dirty="0">
+                          <a:effectLst/>
+                        </a:rPr>
+                        <a:t>6</a:t>
+                      </a:r>
+                      <a:endParaRPr lang="en-US" sz="1100" dirty="0">
+                        <a:effectLst/>
+                        <a:latin typeface="Calibri"/>
+                        <a:ea typeface="Calibri"/>
+                        <a:cs typeface="Cordia New"/>
+                      </a:endParaRPr>
+                    </a:p>
+                  </a:txBody>
+                  <a:tcPr marL="66874" marR="66874" marT="0" marB="0" anchor="ctr"/>
+                </a:tc>
+                <a:tc>
+                  <a:txBody>
+                    <a:bodyPr/>
+                    <a:lstStyle/>
+                    <a:p>
+                      <a:pPr marL="0" marR="0" algn="ctr">
+                        <a:lnSpc>
+                          <a:spcPct val="150000"/>
+                        </a:lnSpc>
+                        <a:spcBef>
+                          <a:spcPts val="720"/>
+                        </a:spcBef>
+                        <a:spcAft>
+                          <a:spcPts val="720"/>
+                        </a:spcAft>
+                      </a:pPr>
+                      <a:r>
+                        <a:rPr lang="en-US" sz="1300">
+                          <a:effectLst/>
+                        </a:rPr>
+                        <a:t>17211TT</a:t>
+                      </a:r>
+                      <a:endParaRPr lang="en-US" sz="1100">
+                        <a:effectLst/>
+                        <a:latin typeface="Calibri"/>
+                        <a:ea typeface="Calibri"/>
+                        <a:cs typeface="Cordia New"/>
+                      </a:endParaRPr>
+                    </a:p>
+                  </a:txBody>
+                  <a:tcPr marL="66874" marR="66874" marT="0" marB="0" anchor="ctr"/>
+                </a:tc>
+                <a:tc>
+                  <a:txBody>
+                    <a:bodyPr/>
+                    <a:lstStyle/>
+                    <a:p>
+                      <a:pPr marL="0" marR="0" algn="ctr">
+                        <a:lnSpc>
+                          <a:spcPct val="150000"/>
+                        </a:lnSpc>
+                        <a:spcBef>
+                          <a:spcPts val="720"/>
+                        </a:spcBef>
+                        <a:spcAft>
+                          <a:spcPts val="720"/>
+                        </a:spcAft>
+                      </a:pPr>
+                      <a:r>
+                        <a:rPr lang="en-US" sz="1300">
+                          <a:effectLst/>
+                        </a:rPr>
+                        <a:t>Nguyễn Văn Nở</a:t>
+                      </a:r>
+                      <a:endParaRPr lang="en-US" sz="1100">
+                        <a:effectLst/>
+                        <a:latin typeface="Calibri"/>
+                        <a:ea typeface="Calibri"/>
+                        <a:cs typeface="Cordia New"/>
+                      </a:endParaRPr>
+                    </a:p>
+                  </a:txBody>
+                  <a:tcPr marL="66874" marR="66874" marT="0" marB="0" anchor="ctr"/>
+                </a:tc>
+                <a:tc>
+                  <a:txBody>
+                    <a:bodyPr/>
+                    <a:lstStyle/>
+                    <a:p>
+                      <a:pPr marL="0" marR="0" algn="ctr">
+                        <a:lnSpc>
+                          <a:spcPct val="150000"/>
+                        </a:lnSpc>
+                        <a:spcBef>
+                          <a:spcPts val="720"/>
+                        </a:spcBef>
+                        <a:spcAft>
+                          <a:spcPts val="720"/>
+                        </a:spcAft>
+                      </a:pPr>
+                      <a:r>
+                        <a:rPr lang="en-US" sz="1300" dirty="0">
+                          <a:effectLst/>
+                        </a:rPr>
+                        <a:t>Thành viên</a:t>
+                      </a:r>
+                      <a:endParaRPr lang="en-US" sz="1100" dirty="0">
+                        <a:effectLst/>
+                        <a:latin typeface="Calibri"/>
+                        <a:ea typeface="Calibri"/>
+                        <a:cs typeface="Cordia New"/>
+                      </a:endParaRPr>
+                    </a:p>
+                  </a:txBody>
+                  <a:tcPr marL="66874" marR="66874" marT="0" marB="0" anchor="ctr"/>
+                </a:tc>
+                <a:tc>
+                  <a:txBody>
+                    <a:bodyPr/>
+                    <a:lstStyle/>
+                    <a:p>
+                      <a:pPr marL="0" marR="0" algn="ctr">
+                        <a:lnSpc>
+                          <a:spcPct val="150000"/>
+                        </a:lnSpc>
+                        <a:spcBef>
+                          <a:spcPts val="720"/>
+                        </a:spcBef>
+                        <a:spcAft>
+                          <a:spcPts val="720"/>
+                        </a:spcAft>
+                      </a:pPr>
+                      <a:r>
+                        <a:rPr lang="en-US" sz="1300">
+                          <a:effectLst/>
+                        </a:rPr>
+                        <a:t>Nguyenvanno1011999@gmail.com</a:t>
+                      </a:r>
+                      <a:endParaRPr lang="en-US" sz="1100">
+                        <a:effectLst/>
+                        <a:latin typeface="Calibri"/>
+                        <a:ea typeface="Calibri"/>
+                        <a:cs typeface="Cordia New"/>
+                      </a:endParaRPr>
+                    </a:p>
+                  </a:txBody>
+                  <a:tcPr marL="66874" marR="66874" marT="0" marB="0" anchor="ctr"/>
+                </a:tc>
+                <a:tc>
+                  <a:txBody>
+                    <a:bodyPr/>
+                    <a:lstStyle/>
+                    <a:p>
+                      <a:pPr marL="0" marR="0" algn="ctr">
+                        <a:lnSpc>
+                          <a:spcPct val="150000"/>
+                        </a:lnSpc>
+                        <a:spcBef>
+                          <a:spcPts val="720"/>
+                        </a:spcBef>
+                        <a:spcAft>
+                          <a:spcPts val="720"/>
+                        </a:spcAft>
+                      </a:pPr>
+                      <a:r>
+                        <a:rPr lang="en-US" sz="1300" dirty="0">
+                          <a:effectLst/>
+                        </a:rPr>
+                        <a:t>01683657307</a:t>
+                      </a:r>
+                      <a:endParaRPr lang="en-US" sz="1100" dirty="0">
+                        <a:effectLst/>
+                        <a:latin typeface="Calibri"/>
+                        <a:ea typeface="Calibri"/>
+                        <a:cs typeface="Cordia New"/>
+                      </a:endParaRPr>
+                    </a:p>
+                  </a:txBody>
+                  <a:tcPr marL="66874" marR="66874" marT="0" marB="0" anchor="ctr"/>
+                </a:tc>
+              </a:tr>
+            </a:tbl>
+          </a:graphicData>
+        </a:graphic>
+      </p:graphicFrame>
       <p:sp>
         <p:nvSpPr>
           <p:cNvPr id="4" name="TextBox 3"/>
@@ -9243,6 +12760,37 @@
           </a:p>
           <a:p>
             <a:endParaRPr lang="en-US" sz="2400" dirty="0"/>
+          </a:p>
+        </p:txBody>
+      </p:sp>
+      <p:sp>
+        <p:nvSpPr>
+          <p:cNvPr id="7" name="TextBox 6"/>
+          <p:cNvSpPr txBox="1"/>
+          <p:nvPr/>
+        </p:nvSpPr>
+        <p:spPr>
+          <a:xfrm>
+            <a:off x="2286129" y="1333082"/>
+            <a:ext cx="4190871" cy="461665"/>
+          </a:xfrm>
+          <a:prstGeom prst="rect">
+            <a:avLst/>
+          </a:prstGeom>
+          <a:noFill/>
+        </p:spPr>
+        <p:txBody>
+          <a:bodyPr wrap="square" rtlCol="0">
+            <a:spAutoFit/>
+          </a:bodyPr>
+          <a:lstStyle/>
+          <a:p>
+            <a:pPr algn="ctr"/>
+            <a:r>
+              <a:rPr lang="en-US" sz="2400" b="1" dirty="0" smtClean="0"/>
+              <a:t>BIÊN BẢN HỌP NHÓM</a:t>
+            </a:r>
+            <a:endParaRPr lang="en-US" sz="2400" b="1" dirty="0"/>
           </a:p>
         </p:txBody>
       </p:sp>
@@ -9293,29 +12841,255 @@
             <p:ph idx="1"/>
           </p:nvPr>
         </p:nvSpPr>
-        <p:spPr/>
+        <p:spPr>
+          <a:xfrm>
+            <a:off x="914400" y="685800"/>
+            <a:ext cx="7467600" cy="5440363"/>
+          </a:xfrm>
+        </p:spPr>
         <p:txBody>
-          <a:bodyPr/>
+          <a:bodyPr>
+            <a:normAutofit fontScale="70000" lnSpcReduction="20000"/>
+          </a:bodyPr>
           <a:lstStyle/>
           <a:p>
-            <a:endParaRPr lang="en-US"/>
-          </a:p>
-        </p:txBody>
-      </p:sp>
-      <p:sp>
-        <p:nvSpPr>
-          <p:cNvPr id="3" name="Title 2"/>
-          <p:cNvSpPr>
-            <a:spLocks noGrp="1"/>
-          </p:cNvSpPr>
-          <p:nvPr>
-            <p:ph type="title"/>
-          </p:nvPr>
-        </p:nvSpPr>
-        <p:spPr/>
-        <p:txBody>
-          <a:bodyPr/>
-          <a:lstStyle/>
+            <a:pPr marL="457200" lvl="0" indent="-457200">
+              <a:buFont typeface="+mj-lt"/>
+              <a:buAutoNum type="arabicPeriod"/>
+            </a:pPr>
+            <a:r>
+              <a:rPr lang="en-US" b="1" dirty="0"/>
+              <a:t>Thảo luận, bàn bạc về đồ án giáo viên.</a:t>
+            </a:r>
+            <a:endParaRPr lang="en-US" dirty="0"/>
+          </a:p>
+          <a:p>
+            <a:pPr marL="457200" lvl="0" indent="-457200">
+              <a:buFont typeface="+mj-lt"/>
+              <a:buAutoNum type="arabicPeriod"/>
+            </a:pPr>
+            <a:r>
+              <a:rPr lang="en-US" b="1" dirty="0"/>
+              <a:t>Sắp xếp thời gian thực hiện từng công việc để hoàn thành đồ án.</a:t>
+            </a:r>
+            <a:endParaRPr lang="en-US" dirty="0"/>
+          </a:p>
+          <a:p>
+            <a:pPr marL="457200" lvl="0" indent="-457200">
+              <a:buFont typeface="+mj-lt"/>
+              <a:buAutoNum type="arabicPeriod"/>
+            </a:pPr>
+            <a:r>
+              <a:rPr lang="en-US" b="1" dirty="0"/>
+              <a:t>Phân công nhiệm vụ rỏ ràng cho từng thành viên trong nhóm.</a:t>
+            </a:r>
+            <a:endParaRPr lang="en-US" dirty="0"/>
+          </a:p>
+          <a:p>
+            <a:pPr marL="0" lvl="0" indent="0">
+              <a:buNone/>
+            </a:pPr>
+            <a:r>
+              <a:rPr lang="en-US" b="1" dirty="0" smtClean="0"/>
+              <a:t>a.      Kết </a:t>
+            </a:r>
+            <a:r>
+              <a:rPr lang="en-US" b="1" dirty="0"/>
+              <a:t>quả buổi họp nhóm:</a:t>
+            </a:r>
+            <a:endParaRPr lang="en-US" dirty="0"/>
+          </a:p>
+          <a:p>
+            <a:pPr lvl="0">
+              <a:buFont typeface="Wingdings" panose="05000000000000000000" pitchFamily="2" charset="2"/>
+              <a:buChar char="Ø"/>
+            </a:pPr>
+            <a:r>
+              <a:rPr lang="en-US" dirty="0"/>
+              <a:t>Nhóm đã trao đổi và thảo luận kĩ càng về hướng hoàn thành đồ án giáo viên giao.</a:t>
+            </a:r>
+          </a:p>
+          <a:p>
+            <a:pPr lvl="0">
+              <a:buFont typeface="Wingdings" panose="05000000000000000000" pitchFamily="2" charset="2"/>
+              <a:buChar char="Ø"/>
+            </a:pPr>
+            <a:r>
+              <a:rPr lang="en-US" dirty="0"/>
+              <a:t>Phân công được công việc phù hợp cho từng thành viên trong nhóm.</a:t>
+            </a:r>
+          </a:p>
+          <a:p>
+            <a:pPr lvl="0">
+              <a:buFont typeface="Wingdings" panose="05000000000000000000" pitchFamily="2" charset="2"/>
+              <a:buChar char="Ø"/>
+            </a:pPr>
+            <a:r>
+              <a:rPr lang="en-US" dirty="0"/>
+              <a:t>Thống nhất thời gian bắt đầu và hoàn thành đồ án </a:t>
+            </a:r>
+            <a:r>
+              <a:rPr lang="en-GB" dirty="0"/>
+              <a:t>.</a:t>
+            </a:r>
+            <a:endParaRPr lang="en-US" dirty="0"/>
+          </a:p>
+          <a:p>
+            <a:pPr marL="0" lvl="0" indent="0">
+              <a:buNone/>
+            </a:pPr>
+            <a:r>
+              <a:rPr lang="en-US" b="1" dirty="0" smtClean="0"/>
+              <a:t>b.     Nội </a:t>
+            </a:r>
+            <a:r>
+              <a:rPr lang="en-US" b="1" dirty="0"/>
+              <a:t>dung:</a:t>
+            </a:r>
+            <a:endParaRPr lang="en-US" dirty="0"/>
+          </a:p>
+          <a:p>
+            <a:pPr lvl="0">
+              <a:buFont typeface="Wingdings" panose="05000000000000000000" pitchFamily="2" charset="2"/>
+              <a:buChar char="Ø"/>
+            </a:pPr>
+            <a:r>
+              <a:rPr lang="en-US" dirty="0"/>
+              <a:t>Xác định hướng đi để làm đồ án.</a:t>
+            </a:r>
+          </a:p>
+          <a:p>
+            <a:pPr lvl="0">
+              <a:buFont typeface="Wingdings" panose="05000000000000000000" pitchFamily="2" charset="2"/>
+              <a:buChar char="Ø"/>
+            </a:pPr>
+            <a:r>
+              <a:rPr lang="en-US" dirty="0"/>
+              <a:t>Thảo luận về nội dung đồ án.</a:t>
+            </a:r>
+          </a:p>
+          <a:p>
+            <a:pPr lvl="0">
+              <a:buFont typeface="Wingdings" panose="05000000000000000000" pitchFamily="2" charset="2"/>
+              <a:buChar char="Ø"/>
+            </a:pPr>
+            <a:r>
+              <a:rPr lang="en-US" dirty="0"/>
+              <a:t>Phân công công việc rỏ ràng.</a:t>
+            </a:r>
+          </a:p>
+          <a:p>
+            <a:pPr marL="0" lvl="0" indent="0">
+              <a:buNone/>
+            </a:pPr>
+            <a:r>
+              <a:rPr lang="en-US" b="1" dirty="0" smtClean="0"/>
+              <a:t>c.     Tổ </a:t>
+            </a:r>
+            <a:r>
+              <a:rPr lang="en-US" b="1" dirty="0"/>
+              <a:t>chức công việc:</a:t>
+            </a:r>
+            <a:endParaRPr lang="en-US" dirty="0"/>
+          </a:p>
+          <a:p>
+            <a:pPr lvl="0">
+              <a:buFont typeface="Wingdings" panose="05000000000000000000" pitchFamily="2" charset="2"/>
+              <a:buChar char="Ø"/>
+            </a:pPr>
+            <a:r>
+              <a:rPr lang="en-US" b="1" dirty="0"/>
+              <a:t>Mục tiêu:</a:t>
+            </a:r>
+            <a:r>
+              <a:rPr lang="en-US" dirty="0"/>
+              <a:t> Thực hiện quay một Video Clip nói về yêu cầu thực tiễn từ doanh nghiệp và kế hoạch hoàn thiện bản thân để đáp ứng nhu cầu đó trong lĩnh vực công nghệ thông tin.</a:t>
+            </a:r>
+          </a:p>
+          <a:p>
+            <a:pPr lvl="0">
+              <a:buFont typeface="Wingdings" panose="05000000000000000000" pitchFamily="2" charset="2"/>
+              <a:buChar char="Ø"/>
+            </a:pPr>
+            <a:r>
+              <a:rPr lang="en-US" b="1" dirty="0"/>
+              <a:t>Địa điểm</a:t>
+            </a:r>
+            <a:r>
+              <a:rPr lang="en-US" dirty="0"/>
+              <a:t>: Căn tin trường Cao Đẳng Công Nghệ Thủ Đức</a:t>
+            </a:r>
+          </a:p>
+          <a:p>
+            <a:pPr lvl="0">
+              <a:buFont typeface="Wingdings" panose="05000000000000000000" pitchFamily="2" charset="2"/>
+              <a:buChar char="Ø"/>
+            </a:pPr>
+            <a:r>
+              <a:rPr lang="en-US" b="1" dirty="0"/>
+              <a:t>Thời gian</a:t>
+            </a:r>
+            <a:r>
+              <a:rPr lang="en-US" dirty="0"/>
+              <a:t>: Vào lúc 9h sáng  thứ ba ngày 14 /11 / 2017 .</a:t>
+            </a:r>
+          </a:p>
+          <a:p>
+            <a:pPr lvl="0">
+              <a:buFont typeface="Wingdings" panose="05000000000000000000" pitchFamily="2" charset="2"/>
+              <a:buChar char="Ø"/>
+            </a:pPr>
+            <a:r>
+              <a:rPr lang="en-US" b="1" dirty="0"/>
+              <a:t>Nội dung buổi họp</a:t>
+            </a:r>
+            <a:r>
+              <a:rPr lang="en-US" dirty="0"/>
+              <a:t>: Xây dựng nhóm câu hỏi cho nhân viên</a:t>
+            </a:r>
+          </a:p>
+          <a:p>
+            <a:r>
+              <a:rPr lang="en-US" dirty="0"/>
+              <a:t>Anh đã học trường nào? </a:t>
+            </a:r>
+          </a:p>
+          <a:p>
+            <a:r>
+              <a:rPr lang="en-US" dirty="0"/>
+              <a:t>Lí do chọn ngành này? </a:t>
+            </a:r>
+          </a:p>
+          <a:p>
+            <a:r>
+              <a:rPr lang="en-US" dirty="0"/>
+              <a:t>Những khó khăn trong quá trình học tập?</a:t>
+            </a:r>
+          </a:p>
+          <a:p>
+            <a:r>
+              <a:rPr lang="en-US" dirty="0"/>
+              <a:t>Động lực nào giúp anh vượt qua những khó khăn đó để tiếp tục theo ngành này?</a:t>
+            </a:r>
+          </a:p>
+          <a:p>
+            <a:r>
+              <a:rPr lang="en-US" dirty="0"/>
+              <a:t>Khi đi thực tập anh gặp những khó khăn, bở ngỡ như thế nào ?</a:t>
+            </a:r>
+          </a:p>
+          <a:p>
+            <a:r>
+              <a:rPr lang="en-US" dirty="0"/>
+              <a:t>Khi tốt nghiệp anh có định hướng gì?</a:t>
+            </a:r>
+          </a:p>
+          <a:p>
+            <a:r>
+              <a:rPr lang="en-US" dirty="0"/>
+              <a:t>Những lời khuyên dành cho sinh viên?</a:t>
+            </a:r>
+          </a:p>
           <a:p>
             <a:endParaRPr lang="en-US" dirty="0"/>
           </a:p>
@@ -9324,7 +13098,7 @@
     </p:spTree>
     <p:extLst>
       <p:ext uri="{BB962C8B-B14F-4D97-AF65-F5344CB8AC3E}">
-        <p14:creationId xmlns:p14="http://schemas.microsoft.com/office/powerpoint/2010/main" val="225030069"/>
+        <p14:creationId xmlns:p14="http://schemas.microsoft.com/office/powerpoint/2010/main" val="324389063"/>
       </p:ext>
     </p:extLst>
   </p:cSld>
@@ -9358,28 +13132,1396 @@
           <a:chExt cx="0" cy="0"/>
         </a:xfrm>
       </p:grpSpPr>
-      <p:sp>
-        <p:nvSpPr>
-          <p:cNvPr id="2" name="Content Placeholder 1"/>
-          <p:cNvSpPr>
-            <a:spLocks noGrp="1"/>
-          </p:cNvSpPr>
+      <p:graphicFrame>
+        <p:nvGraphicFramePr>
+          <p:cNvPr id="4" name="Content Placeholder 3"/>
+          <p:cNvGraphicFramePr>
+            <a:graphicFrameLocks noGrp="1"/>
+          </p:cNvGraphicFramePr>
           <p:nvPr>
             <p:ph idx="1"/>
           </p:nvPr>
-        </p:nvSpPr>
-        <p:spPr/>
-        <p:txBody>
-          <a:bodyPr/>
-          <a:lstStyle/>
-          <a:p>
-            <a:pPr marL="0" indent="0">
-              <a:buNone/>
-            </a:pPr>
-            <a:endParaRPr lang="en-US" dirty="0"/>
-          </a:p>
-        </p:txBody>
-      </p:sp>
+        </p:nvGraphicFramePr>
+        <p:xfrm>
+          <a:off x="914400" y="2083911"/>
+          <a:ext cx="7467600" cy="3698617"/>
+        </p:xfrm>
+        <a:graphic>
+          <a:graphicData uri="http://schemas.openxmlformats.org/drawingml/2006/table">
+            <a:tbl>
+              <a:tblPr firstRow="1" firstCol="1" bandRow="1">
+                <a:tableStyleId>{5C22544A-7EE6-4342-B048-85BDC9FD1C3A}</a:tableStyleId>
+              </a:tblPr>
+              <a:tblGrid>
+                <a:gridCol w="445827"/>
+                <a:gridCol w="1058839"/>
+                <a:gridCol w="1783307"/>
+                <a:gridCol w="1058839"/>
+                <a:gridCol w="2061949"/>
+                <a:gridCol w="1058839"/>
+              </a:tblGrid>
+              <a:tr h="289787">
+                <a:tc>
+                  <a:txBody>
+                    <a:bodyPr/>
+                    <a:lstStyle/>
+                    <a:p>
+                      <a:pPr marL="0" marR="0" algn="ctr">
+                        <a:lnSpc>
+                          <a:spcPct val="150000"/>
+                        </a:lnSpc>
+                        <a:spcBef>
+                          <a:spcPts val="720"/>
+                        </a:spcBef>
+                        <a:spcAft>
+                          <a:spcPts val="720"/>
+                        </a:spcAft>
+                      </a:pPr>
+                      <a:r>
+                        <a:rPr lang="en-US" sz="1300">
+                          <a:effectLst/>
+                        </a:rPr>
+                        <a:t>STT</a:t>
+                      </a:r>
+                      <a:endParaRPr lang="en-US" sz="1100">
+                        <a:effectLst/>
+                        <a:latin typeface="Calibri"/>
+                        <a:ea typeface="Calibri"/>
+                        <a:cs typeface="Cordia New"/>
+                      </a:endParaRPr>
+                    </a:p>
+                  </a:txBody>
+                  <a:tcPr marL="66874" marR="66874" marT="0" marB="0" anchor="ctr"/>
+                </a:tc>
+                <a:tc>
+                  <a:txBody>
+                    <a:bodyPr/>
+                    <a:lstStyle/>
+                    <a:p>
+                      <a:pPr marL="0" marR="0" algn="ctr">
+                        <a:lnSpc>
+                          <a:spcPct val="150000"/>
+                        </a:lnSpc>
+                        <a:spcBef>
+                          <a:spcPts val="720"/>
+                        </a:spcBef>
+                        <a:spcAft>
+                          <a:spcPts val="720"/>
+                        </a:spcAft>
+                      </a:pPr>
+                      <a:r>
+                        <a:rPr lang="en-US" sz="1300">
+                          <a:effectLst/>
+                        </a:rPr>
+                        <a:t>MSSV</a:t>
+                      </a:r>
+                      <a:endParaRPr lang="en-US" sz="1100">
+                        <a:effectLst/>
+                        <a:latin typeface="Calibri"/>
+                        <a:ea typeface="Calibri"/>
+                        <a:cs typeface="Cordia New"/>
+                      </a:endParaRPr>
+                    </a:p>
+                  </a:txBody>
+                  <a:tcPr marL="66874" marR="66874" marT="0" marB="0" anchor="ctr"/>
+                </a:tc>
+                <a:tc>
+                  <a:txBody>
+                    <a:bodyPr/>
+                    <a:lstStyle/>
+                    <a:p>
+                      <a:pPr marL="0" marR="0" algn="ctr">
+                        <a:lnSpc>
+                          <a:spcPct val="150000"/>
+                        </a:lnSpc>
+                        <a:spcBef>
+                          <a:spcPts val="720"/>
+                        </a:spcBef>
+                        <a:spcAft>
+                          <a:spcPts val="720"/>
+                        </a:spcAft>
+                      </a:pPr>
+                      <a:r>
+                        <a:rPr lang="en-US" sz="1300">
+                          <a:effectLst/>
+                        </a:rPr>
+                        <a:t>Họ và tên</a:t>
+                      </a:r>
+                      <a:endParaRPr lang="en-US" sz="1100">
+                        <a:effectLst/>
+                        <a:latin typeface="Calibri"/>
+                        <a:ea typeface="Calibri"/>
+                        <a:cs typeface="Cordia New"/>
+                      </a:endParaRPr>
+                    </a:p>
+                  </a:txBody>
+                  <a:tcPr marL="66874" marR="66874" marT="0" marB="0" anchor="ctr"/>
+                </a:tc>
+                <a:tc>
+                  <a:txBody>
+                    <a:bodyPr/>
+                    <a:lstStyle/>
+                    <a:p>
+                      <a:pPr marL="0" marR="0" algn="ctr">
+                        <a:lnSpc>
+                          <a:spcPct val="150000"/>
+                        </a:lnSpc>
+                        <a:spcBef>
+                          <a:spcPts val="720"/>
+                        </a:spcBef>
+                        <a:spcAft>
+                          <a:spcPts val="720"/>
+                        </a:spcAft>
+                      </a:pPr>
+                      <a:r>
+                        <a:rPr lang="en-US" sz="1300">
+                          <a:effectLst/>
+                        </a:rPr>
+                        <a:t>Vai trò</a:t>
+                      </a:r>
+                      <a:endParaRPr lang="en-US" sz="1100">
+                        <a:effectLst/>
+                        <a:latin typeface="Calibri"/>
+                        <a:ea typeface="Calibri"/>
+                        <a:cs typeface="Cordia New"/>
+                      </a:endParaRPr>
+                    </a:p>
+                  </a:txBody>
+                  <a:tcPr marL="66874" marR="66874" marT="0" marB="0" anchor="ctr"/>
+                </a:tc>
+                <a:tc>
+                  <a:txBody>
+                    <a:bodyPr/>
+                    <a:lstStyle/>
+                    <a:p>
+                      <a:pPr marL="0" marR="0" algn="ctr">
+                        <a:lnSpc>
+                          <a:spcPct val="150000"/>
+                        </a:lnSpc>
+                        <a:spcBef>
+                          <a:spcPts val="720"/>
+                        </a:spcBef>
+                        <a:spcAft>
+                          <a:spcPts val="720"/>
+                        </a:spcAft>
+                      </a:pPr>
+                      <a:r>
+                        <a:rPr lang="en-US" sz="1300">
+                          <a:effectLst/>
+                        </a:rPr>
+                        <a:t>Email</a:t>
+                      </a:r>
+                      <a:endParaRPr lang="en-US" sz="1100">
+                        <a:effectLst/>
+                        <a:latin typeface="Calibri"/>
+                        <a:ea typeface="Calibri"/>
+                        <a:cs typeface="Cordia New"/>
+                      </a:endParaRPr>
+                    </a:p>
+                  </a:txBody>
+                  <a:tcPr marL="66874" marR="66874" marT="0" marB="0" anchor="ctr"/>
+                </a:tc>
+                <a:tc>
+                  <a:txBody>
+                    <a:bodyPr/>
+                    <a:lstStyle/>
+                    <a:p>
+                      <a:pPr marL="0" marR="0" algn="ctr">
+                        <a:lnSpc>
+                          <a:spcPct val="150000"/>
+                        </a:lnSpc>
+                        <a:spcBef>
+                          <a:spcPts val="720"/>
+                        </a:spcBef>
+                        <a:spcAft>
+                          <a:spcPts val="720"/>
+                        </a:spcAft>
+                      </a:pPr>
+                      <a:r>
+                        <a:rPr lang="en-US" sz="1300">
+                          <a:effectLst/>
+                        </a:rPr>
+                        <a:t>SĐT</a:t>
+                      </a:r>
+                      <a:endParaRPr lang="en-US" sz="1100">
+                        <a:effectLst/>
+                        <a:latin typeface="Calibri"/>
+                        <a:ea typeface="Calibri"/>
+                        <a:cs typeface="Cordia New"/>
+                      </a:endParaRPr>
+                    </a:p>
+                  </a:txBody>
+                  <a:tcPr marL="66874" marR="66874" marT="0" marB="0" anchor="ctr"/>
+                </a:tc>
+              </a:tr>
+              <a:tr h="450780">
+                <a:tc>
+                  <a:txBody>
+                    <a:bodyPr/>
+                    <a:lstStyle/>
+                    <a:p>
+                      <a:pPr marL="0" marR="0" algn="ctr">
+                        <a:lnSpc>
+                          <a:spcPct val="150000"/>
+                        </a:lnSpc>
+                        <a:spcBef>
+                          <a:spcPts val="720"/>
+                        </a:spcBef>
+                        <a:spcAft>
+                          <a:spcPts val="720"/>
+                        </a:spcAft>
+                      </a:pPr>
+                      <a:r>
+                        <a:rPr lang="en-US" sz="1300">
+                          <a:effectLst/>
+                        </a:rPr>
+                        <a:t>1</a:t>
+                      </a:r>
+                      <a:endParaRPr lang="en-US" sz="1100">
+                        <a:effectLst/>
+                        <a:latin typeface="Calibri"/>
+                        <a:ea typeface="Calibri"/>
+                        <a:cs typeface="Cordia New"/>
+                      </a:endParaRPr>
+                    </a:p>
+                  </a:txBody>
+                  <a:tcPr marL="66874" marR="66874" marT="0" marB="0" anchor="ctr"/>
+                </a:tc>
+                <a:tc>
+                  <a:txBody>
+                    <a:bodyPr/>
+                    <a:lstStyle/>
+                    <a:p>
+                      <a:pPr marL="0" marR="0" algn="ctr">
+                        <a:lnSpc>
+                          <a:spcPct val="150000"/>
+                        </a:lnSpc>
+                        <a:spcBef>
+                          <a:spcPts val="720"/>
+                        </a:spcBef>
+                        <a:spcAft>
+                          <a:spcPts val="720"/>
+                        </a:spcAft>
+                      </a:pPr>
+                      <a:r>
+                        <a:rPr lang="en-US" sz="1300">
+                          <a:effectLst/>
+                        </a:rPr>
+                        <a:t>17211TT0111</a:t>
+                      </a:r>
+                      <a:endParaRPr lang="en-US" sz="1100">
+                        <a:effectLst/>
+                        <a:latin typeface="Calibri"/>
+                        <a:ea typeface="Calibri"/>
+                        <a:cs typeface="Cordia New"/>
+                      </a:endParaRPr>
+                    </a:p>
+                  </a:txBody>
+                  <a:tcPr marL="66874" marR="66874" marT="0" marB="0" anchor="ctr"/>
+                </a:tc>
+                <a:tc>
+                  <a:txBody>
+                    <a:bodyPr/>
+                    <a:lstStyle/>
+                    <a:p>
+                      <a:pPr marL="0" marR="0" algn="ctr">
+                        <a:lnSpc>
+                          <a:spcPct val="150000"/>
+                        </a:lnSpc>
+                        <a:spcBef>
+                          <a:spcPts val="720"/>
+                        </a:spcBef>
+                        <a:spcAft>
+                          <a:spcPts val="720"/>
+                        </a:spcAft>
+                      </a:pPr>
+                      <a:r>
+                        <a:rPr lang="en-US" sz="1300">
+                          <a:effectLst/>
+                        </a:rPr>
+                        <a:t>Võ Thành Phát</a:t>
+                      </a:r>
+                      <a:endParaRPr lang="en-US" sz="1100">
+                        <a:effectLst/>
+                        <a:latin typeface="Calibri"/>
+                        <a:ea typeface="Calibri"/>
+                        <a:cs typeface="Cordia New"/>
+                      </a:endParaRPr>
+                    </a:p>
+                  </a:txBody>
+                  <a:tcPr marL="66874" marR="66874" marT="0" marB="0" anchor="ctr"/>
+                </a:tc>
+                <a:tc>
+                  <a:txBody>
+                    <a:bodyPr/>
+                    <a:lstStyle/>
+                    <a:p>
+                      <a:pPr marL="0" marR="0" algn="ctr">
+                        <a:lnSpc>
+                          <a:spcPct val="150000"/>
+                        </a:lnSpc>
+                        <a:spcBef>
+                          <a:spcPts val="720"/>
+                        </a:spcBef>
+                        <a:spcAft>
+                          <a:spcPts val="720"/>
+                        </a:spcAft>
+                      </a:pPr>
+                      <a:r>
+                        <a:rPr lang="en-US" sz="1300">
+                          <a:effectLst/>
+                        </a:rPr>
+                        <a:t>Nhóm trưởng</a:t>
+                      </a:r>
+                      <a:endParaRPr lang="en-US" sz="1100">
+                        <a:effectLst/>
+                        <a:latin typeface="Calibri"/>
+                        <a:ea typeface="Calibri"/>
+                        <a:cs typeface="Cordia New"/>
+                      </a:endParaRPr>
+                    </a:p>
+                  </a:txBody>
+                  <a:tcPr marL="66874" marR="66874" marT="0" marB="0" anchor="ctr"/>
+                </a:tc>
+                <a:tc>
+                  <a:txBody>
+                    <a:bodyPr/>
+                    <a:lstStyle/>
+                    <a:p>
+                      <a:pPr marL="0" marR="0">
+                        <a:lnSpc>
+                          <a:spcPct val="150000"/>
+                        </a:lnSpc>
+                        <a:spcBef>
+                          <a:spcPts val="720"/>
+                        </a:spcBef>
+                        <a:spcAft>
+                          <a:spcPts val="720"/>
+                        </a:spcAft>
+                      </a:pPr>
+                      <a:r>
+                        <a:rPr lang="en-US" sz="1300">
+                          <a:effectLst/>
+                        </a:rPr>
+                        <a:t>thanhphat147@gmail.com</a:t>
+                      </a:r>
+                      <a:endParaRPr lang="en-US" sz="1100">
+                        <a:effectLst/>
+                        <a:latin typeface="Calibri"/>
+                        <a:ea typeface="Calibri"/>
+                        <a:cs typeface="Cordia New"/>
+                      </a:endParaRPr>
+                    </a:p>
+                  </a:txBody>
+                  <a:tcPr marL="66874" marR="66874" marT="0" marB="0" anchor="ctr"/>
+                </a:tc>
+                <a:tc>
+                  <a:txBody>
+                    <a:bodyPr/>
+                    <a:lstStyle/>
+                    <a:p>
+                      <a:pPr marL="0" marR="0" algn="ctr">
+                        <a:lnSpc>
+                          <a:spcPct val="150000"/>
+                        </a:lnSpc>
+                        <a:spcBef>
+                          <a:spcPts val="720"/>
+                        </a:spcBef>
+                        <a:spcAft>
+                          <a:spcPts val="720"/>
+                        </a:spcAft>
+                      </a:pPr>
+                      <a:r>
+                        <a:rPr lang="en-US" sz="1300">
+                          <a:effectLst/>
+                        </a:rPr>
+                        <a:t>0971174293</a:t>
+                      </a:r>
+                      <a:endParaRPr lang="en-US" sz="1100">
+                        <a:effectLst/>
+                        <a:latin typeface="Calibri"/>
+                        <a:ea typeface="Calibri"/>
+                        <a:cs typeface="Cordia New"/>
+                      </a:endParaRPr>
+                    </a:p>
+                  </a:txBody>
+                  <a:tcPr marL="66874" marR="66874" marT="0" marB="0" anchor="ctr"/>
+                </a:tc>
+              </a:tr>
+              <a:tr h="579575">
+                <a:tc>
+                  <a:txBody>
+                    <a:bodyPr/>
+                    <a:lstStyle/>
+                    <a:p>
+                      <a:pPr marL="0" marR="0" algn="ctr">
+                        <a:lnSpc>
+                          <a:spcPct val="150000"/>
+                        </a:lnSpc>
+                        <a:spcBef>
+                          <a:spcPts val="720"/>
+                        </a:spcBef>
+                        <a:spcAft>
+                          <a:spcPts val="720"/>
+                        </a:spcAft>
+                      </a:pPr>
+                      <a:r>
+                        <a:rPr lang="en-US" sz="1300">
+                          <a:effectLst/>
+                        </a:rPr>
+                        <a:t>2</a:t>
+                      </a:r>
+                      <a:endParaRPr lang="en-US" sz="1100">
+                        <a:effectLst/>
+                        <a:latin typeface="Calibri"/>
+                        <a:ea typeface="Calibri"/>
+                        <a:cs typeface="Cordia New"/>
+                      </a:endParaRPr>
+                    </a:p>
+                  </a:txBody>
+                  <a:tcPr marL="66874" marR="66874" marT="0" marB="0" anchor="ctr"/>
+                </a:tc>
+                <a:tc>
+                  <a:txBody>
+                    <a:bodyPr/>
+                    <a:lstStyle/>
+                    <a:p>
+                      <a:pPr marL="0" marR="0">
+                        <a:lnSpc>
+                          <a:spcPct val="150000"/>
+                        </a:lnSpc>
+                        <a:spcBef>
+                          <a:spcPts val="720"/>
+                        </a:spcBef>
+                        <a:spcAft>
+                          <a:spcPts val="720"/>
+                        </a:spcAft>
+                      </a:pPr>
+                      <a:r>
+                        <a:rPr lang="en-US" sz="1300">
+                          <a:effectLst/>
+                        </a:rPr>
+                        <a:t>17211TT0235</a:t>
+                      </a:r>
+                      <a:endParaRPr lang="en-US" sz="1100">
+                        <a:effectLst/>
+                        <a:latin typeface="Calibri"/>
+                        <a:ea typeface="Calibri"/>
+                        <a:cs typeface="Cordia New"/>
+                      </a:endParaRPr>
+                    </a:p>
+                  </a:txBody>
+                  <a:tcPr marL="66874" marR="66874" marT="0" marB="0" anchor="ctr"/>
+                </a:tc>
+                <a:tc>
+                  <a:txBody>
+                    <a:bodyPr/>
+                    <a:lstStyle/>
+                    <a:p>
+                      <a:pPr marL="0" marR="0" algn="ctr">
+                        <a:lnSpc>
+                          <a:spcPct val="150000"/>
+                        </a:lnSpc>
+                        <a:spcBef>
+                          <a:spcPts val="720"/>
+                        </a:spcBef>
+                        <a:spcAft>
+                          <a:spcPts val="720"/>
+                        </a:spcAft>
+                      </a:pPr>
+                      <a:r>
+                        <a:rPr lang="en-US" sz="1300">
+                          <a:effectLst/>
+                        </a:rPr>
+                        <a:t>Tương Lại Anh Thư</a:t>
+                      </a:r>
+                      <a:endParaRPr lang="en-US" sz="1100">
+                        <a:effectLst/>
+                        <a:latin typeface="Calibri"/>
+                        <a:ea typeface="Calibri"/>
+                        <a:cs typeface="Cordia New"/>
+                      </a:endParaRPr>
+                    </a:p>
+                  </a:txBody>
+                  <a:tcPr marL="66874" marR="66874" marT="0" marB="0" anchor="ctr"/>
+                </a:tc>
+                <a:tc>
+                  <a:txBody>
+                    <a:bodyPr/>
+                    <a:lstStyle/>
+                    <a:p>
+                      <a:pPr marL="0" marR="0" algn="ctr">
+                        <a:lnSpc>
+                          <a:spcPct val="150000"/>
+                        </a:lnSpc>
+                        <a:spcBef>
+                          <a:spcPts val="720"/>
+                        </a:spcBef>
+                        <a:spcAft>
+                          <a:spcPts val="720"/>
+                        </a:spcAft>
+                      </a:pPr>
+                      <a:r>
+                        <a:rPr lang="en-US" sz="1300">
+                          <a:effectLst/>
+                        </a:rPr>
+                        <a:t>Thư ký</a:t>
+                      </a:r>
+                      <a:endParaRPr lang="en-US" sz="1100">
+                        <a:effectLst/>
+                        <a:latin typeface="Calibri"/>
+                        <a:ea typeface="Calibri"/>
+                        <a:cs typeface="Cordia New"/>
+                      </a:endParaRPr>
+                    </a:p>
+                  </a:txBody>
+                  <a:tcPr marL="66874" marR="66874" marT="0" marB="0" anchor="ctr"/>
+                </a:tc>
+                <a:tc>
+                  <a:txBody>
+                    <a:bodyPr/>
+                    <a:lstStyle/>
+                    <a:p>
+                      <a:pPr marL="0" marR="0" algn="ctr">
+                        <a:lnSpc>
+                          <a:spcPct val="150000"/>
+                        </a:lnSpc>
+                        <a:spcBef>
+                          <a:spcPts val="720"/>
+                        </a:spcBef>
+                        <a:spcAft>
+                          <a:spcPts val="720"/>
+                        </a:spcAft>
+                      </a:pPr>
+                      <a:r>
+                        <a:rPr lang="en-US" sz="1300">
+                          <a:effectLst/>
+                        </a:rPr>
+                        <a:t>Tuonglaianhthu03041999@gmail.com</a:t>
+                      </a:r>
+                      <a:endParaRPr lang="en-US" sz="1100">
+                        <a:effectLst/>
+                        <a:latin typeface="Calibri"/>
+                        <a:ea typeface="Calibri"/>
+                        <a:cs typeface="Cordia New"/>
+                      </a:endParaRPr>
+                    </a:p>
+                  </a:txBody>
+                  <a:tcPr marL="66874" marR="66874" marT="0" marB="0" anchor="ctr"/>
+                </a:tc>
+                <a:tc>
+                  <a:txBody>
+                    <a:bodyPr/>
+                    <a:lstStyle/>
+                    <a:p>
+                      <a:pPr marL="0" marR="0" algn="ctr">
+                        <a:lnSpc>
+                          <a:spcPct val="150000"/>
+                        </a:lnSpc>
+                        <a:spcBef>
+                          <a:spcPts val="720"/>
+                        </a:spcBef>
+                        <a:spcAft>
+                          <a:spcPts val="720"/>
+                        </a:spcAft>
+                      </a:pPr>
+                      <a:r>
+                        <a:rPr lang="en-US" sz="1300">
+                          <a:effectLst/>
+                        </a:rPr>
+                        <a:t>01687574440</a:t>
+                      </a:r>
+                      <a:endParaRPr lang="en-US" sz="1100">
+                        <a:effectLst/>
+                        <a:latin typeface="Calibri"/>
+                        <a:ea typeface="Calibri"/>
+                        <a:cs typeface="Cordia New"/>
+                      </a:endParaRPr>
+                    </a:p>
+                  </a:txBody>
+                  <a:tcPr marL="66874" marR="66874" marT="0" marB="0" anchor="ctr"/>
+                </a:tc>
+              </a:tr>
+              <a:tr h="289787">
+                <a:tc>
+                  <a:txBody>
+                    <a:bodyPr/>
+                    <a:lstStyle/>
+                    <a:p>
+                      <a:pPr marL="0" marR="0" algn="ctr">
+                        <a:lnSpc>
+                          <a:spcPct val="150000"/>
+                        </a:lnSpc>
+                        <a:spcBef>
+                          <a:spcPts val="720"/>
+                        </a:spcBef>
+                        <a:spcAft>
+                          <a:spcPts val="720"/>
+                        </a:spcAft>
+                      </a:pPr>
+                      <a:r>
+                        <a:rPr lang="en-US" sz="1300">
+                          <a:effectLst/>
+                        </a:rPr>
+                        <a:t>3</a:t>
+                      </a:r>
+                      <a:endParaRPr lang="en-US" sz="1100">
+                        <a:effectLst/>
+                        <a:latin typeface="Calibri"/>
+                        <a:ea typeface="Calibri"/>
+                        <a:cs typeface="Cordia New"/>
+                      </a:endParaRPr>
+                    </a:p>
+                  </a:txBody>
+                  <a:tcPr marL="66874" marR="66874" marT="0" marB="0" anchor="ctr"/>
+                </a:tc>
+                <a:tc>
+                  <a:txBody>
+                    <a:bodyPr/>
+                    <a:lstStyle/>
+                    <a:p>
+                      <a:pPr marL="0" marR="0" algn="ctr">
+                        <a:lnSpc>
+                          <a:spcPct val="150000"/>
+                        </a:lnSpc>
+                        <a:spcBef>
+                          <a:spcPts val="720"/>
+                        </a:spcBef>
+                        <a:spcAft>
+                          <a:spcPts val="720"/>
+                        </a:spcAft>
+                      </a:pPr>
+                      <a:r>
+                        <a:rPr lang="en-US" sz="1300">
+                          <a:effectLst/>
+                        </a:rPr>
+                        <a:t>17211TT3149</a:t>
+                      </a:r>
+                      <a:endParaRPr lang="en-US" sz="1100">
+                        <a:effectLst/>
+                        <a:latin typeface="Calibri"/>
+                        <a:ea typeface="Calibri"/>
+                        <a:cs typeface="Cordia New"/>
+                      </a:endParaRPr>
+                    </a:p>
+                  </a:txBody>
+                  <a:tcPr marL="66874" marR="66874" marT="0" marB="0" anchor="ctr"/>
+                </a:tc>
+                <a:tc>
+                  <a:txBody>
+                    <a:bodyPr/>
+                    <a:lstStyle/>
+                    <a:p>
+                      <a:pPr marL="0" marR="0" algn="ctr">
+                        <a:lnSpc>
+                          <a:spcPct val="150000"/>
+                        </a:lnSpc>
+                        <a:spcBef>
+                          <a:spcPts val="720"/>
+                        </a:spcBef>
+                        <a:spcAft>
+                          <a:spcPts val="720"/>
+                        </a:spcAft>
+                      </a:pPr>
+                      <a:r>
+                        <a:rPr lang="en-US" sz="1300">
+                          <a:effectLst/>
+                        </a:rPr>
+                        <a:t>Nguyễn Thị Hà Phương</a:t>
+                      </a:r>
+                      <a:endParaRPr lang="en-US" sz="1100">
+                        <a:effectLst/>
+                        <a:latin typeface="Calibri"/>
+                        <a:ea typeface="Calibri"/>
+                        <a:cs typeface="Cordia New"/>
+                      </a:endParaRPr>
+                    </a:p>
+                  </a:txBody>
+                  <a:tcPr marL="66874" marR="66874" marT="0" marB="0" anchor="ctr"/>
+                </a:tc>
+                <a:tc>
+                  <a:txBody>
+                    <a:bodyPr/>
+                    <a:lstStyle/>
+                    <a:p>
+                      <a:pPr marL="0" marR="0" algn="ctr">
+                        <a:lnSpc>
+                          <a:spcPct val="150000"/>
+                        </a:lnSpc>
+                        <a:spcBef>
+                          <a:spcPts val="720"/>
+                        </a:spcBef>
+                        <a:spcAft>
+                          <a:spcPts val="720"/>
+                        </a:spcAft>
+                      </a:pPr>
+                      <a:r>
+                        <a:rPr lang="en-US" sz="1300">
+                          <a:effectLst/>
+                        </a:rPr>
+                        <a:t>Thành viên</a:t>
+                      </a:r>
+                      <a:endParaRPr lang="en-US" sz="1100">
+                        <a:effectLst/>
+                        <a:latin typeface="Calibri"/>
+                        <a:ea typeface="Calibri"/>
+                        <a:cs typeface="Cordia New"/>
+                      </a:endParaRPr>
+                    </a:p>
+                  </a:txBody>
+                  <a:tcPr marL="66874" marR="66874" marT="0" marB="0" anchor="ctr"/>
+                </a:tc>
+                <a:tc>
+                  <a:txBody>
+                    <a:bodyPr/>
+                    <a:lstStyle/>
+                    <a:p>
+                      <a:pPr marL="0" marR="0">
+                        <a:lnSpc>
+                          <a:spcPct val="150000"/>
+                        </a:lnSpc>
+                        <a:spcBef>
+                          <a:spcPts val="720"/>
+                        </a:spcBef>
+                        <a:spcAft>
+                          <a:spcPts val="720"/>
+                        </a:spcAft>
+                      </a:pPr>
+                      <a:r>
+                        <a:rPr lang="en-US" sz="1300">
+                          <a:effectLst/>
+                        </a:rPr>
+                        <a:t>haphuongn739@gmail.com</a:t>
+                      </a:r>
+                      <a:endParaRPr lang="en-US" sz="1100">
+                        <a:effectLst/>
+                        <a:latin typeface="Calibri"/>
+                        <a:ea typeface="Calibri"/>
+                        <a:cs typeface="Cordia New"/>
+                      </a:endParaRPr>
+                    </a:p>
+                  </a:txBody>
+                  <a:tcPr marL="66874" marR="66874" marT="0" marB="0" anchor="ctr"/>
+                </a:tc>
+                <a:tc>
+                  <a:txBody>
+                    <a:bodyPr/>
+                    <a:lstStyle/>
+                    <a:p>
+                      <a:pPr marL="0" marR="0" algn="ctr">
+                        <a:lnSpc>
+                          <a:spcPct val="150000"/>
+                        </a:lnSpc>
+                        <a:spcBef>
+                          <a:spcPts val="720"/>
+                        </a:spcBef>
+                        <a:spcAft>
+                          <a:spcPts val="720"/>
+                        </a:spcAft>
+                      </a:pPr>
+                      <a:r>
+                        <a:rPr lang="en-US" sz="1300">
+                          <a:effectLst/>
+                        </a:rPr>
+                        <a:t>01648974550</a:t>
+                      </a:r>
+                      <a:endParaRPr lang="en-US" sz="1100">
+                        <a:effectLst/>
+                        <a:latin typeface="Calibri"/>
+                        <a:ea typeface="Calibri"/>
+                        <a:cs typeface="Cordia New"/>
+                      </a:endParaRPr>
+                    </a:p>
+                  </a:txBody>
+                  <a:tcPr marL="66874" marR="66874" marT="0" marB="0" anchor="ctr"/>
+                </a:tc>
+              </a:tr>
+              <a:tr h="289787">
+                <a:tc>
+                  <a:txBody>
+                    <a:bodyPr/>
+                    <a:lstStyle/>
+                    <a:p>
+                      <a:pPr marL="0" marR="0" algn="ctr">
+                        <a:lnSpc>
+                          <a:spcPct val="150000"/>
+                        </a:lnSpc>
+                        <a:spcBef>
+                          <a:spcPts val="720"/>
+                        </a:spcBef>
+                        <a:spcAft>
+                          <a:spcPts val="720"/>
+                        </a:spcAft>
+                      </a:pPr>
+                      <a:r>
+                        <a:rPr lang="en-US" sz="1300">
+                          <a:effectLst/>
+                        </a:rPr>
+                        <a:t>4</a:t>
+                      </a:r>
+                      <a:endParaRPr lang="en-US" sz="1100">
+                        <a:effectLst/>
+                        <a:latin typeface="Calibri"/>
+                        <a:ea typeface="Calibri"/>
+                        <a:cs typeface="Cordia New"/>
+                      </a:endParaRPr>
+                    </a:p>
+                  </a:txBody>
+                  <a:tcPr marL="66874" marR="66874" marT="0" marB="0" anchor="ctr"/>
+                </a:tc>
+                <a:tc>
+                  <a:txBody>
+                    <a:bodyPr/>
+                    <a:lstStyle/>
+                    <a:p>
+                      <a:pPr marL="0" marR="0" algn="ctr">
+                        <a:lnSpc>
+                          <a:spcPct val="150000"/>
+                        </a:lnSpc>
+                        <a:spcBef>
+                          <a:spcPts val="720"/>
+                        </a:spcBef>
+                        <a:spcAft>
+                          <a:spcPts val="720"/>
+                        </a:spcAft>
+                      </a:pPr>
+                      <a:r>
+                        <a:rPr lang="en-US" sz="1300">
+                          <a:effectLst/>
+                        </a:rPr>
+                        <a:t>17211TT0192</a:t>
+                      </a:r>
+                      <a:endParaRPr lang="en-US" sz="1100">
+                        <a:effectLst/>
+                        <a:latin typeface="Calibri"/>
+                        <a:ea typeface="Calibri"/>
+                        <a:cs typeface="Cordia New"/>
+                      </a:endParaRPr>
+                    </a:p>
+                  </a:txBody>
+                  <a:tcPr marL="66874" marR="66874" marT="0" marB="0" anchor="ctr"/>
+                </a:tc>
+                <a:tc>
+                  <a:txBody>
+                    <a:bodyPr/>
+                    <a:lstStyle/>
+                    <a:p>
+                      <a:pPr marL="0" marR="0" algn="ctr">
+                        <a:lnSpc>
+                          <a:spcPct val="150000"/>
+                        </a:lnSpc>
+                        <a:spcBef>
+                          <a:spcPts val="720"/>
+                        </a:spcBef>
+                        <a:spcAft>
+                          <a:spcPts val="720"/>
+                        </a:spcAft>
+                      </a:pPr>
+                      <a:r>
+                        <a:rPr lang="en-US" sz="1300">
+                          <a:effectLst/>
+                        </a:rPr>
+                        <a:t>Trần Quốc Thứ</a:t>
+                      </a:r>
+                      <a:endParaRPr lang="en-US" sz="1100">
+                        <a:effectLst/>
+                        <a:latin typeface="Calibri"/>
+                        <a:ea typeface="Calibri"/>
+                        <a:cs typeface="Cordia New"/>
+                      </a:endParaRPr>
+                    </a:p>
+                  </a:txBody>
+                  <a:tcPr marL="66874" marR="66874" marT="0" marB="0" anchor="ctr"/>
+                </a:tc>
+                <a:tc>
+                  <a:txBody>
+                    <a:bodyPr/>
+                    <a:lstStyle/>
+                    <a:p>
+                      <a:pPr marL="0" marR="0" algn="ctr">
+                        <a:lnSpc>
+                          <a:spcPct val="150000"/>
+                        </a:lnSpc>
+                        <a:spcBef>
+                          <a:spcPts val="720"/>
+                        </a:spcBef>
+                        <a:spcAft>
+                          <a:spcPts val="720"/>
+                        </a:spcAft>
+                      </a:pPr>
+                      <a:r>
+                        <a:rPr lang="en-US" sz="1300">
+                          <a:effectLst/>
+                        </a:rPr>
+                        <a:t>Thành viên</a:t>
+                      </a:r>
+                      <a:endParaRPr lang="en-US" sz="1100">
+                        <a:effectLst/>
+                        <a:latin typeface="Calibri"/>
+                        <a:ea typeface="Calibri"/>
+                        <a:cs typeface="Cordia New"/>
+                      </a:endParaRPr>
+                    </a:p>
+                  </a:txBody>
+                  <a:tcPr marL="66874" marR="66874" marT="0" marB="0" anchor="ctr"/>
+                </a:tc>
+                <a:tc>
+                  <a:txBody>
+                    <a:bodyPr/>
+                    <a:lstStyle/>
+                    <a:p>
+                      <a:pPr marL="0" marR="0">
+                        <a:lnSpc>
+                          <a:spcPct val="150000"/>
+                        </a:lnSpc>
+                        <a:spcBef>
+                          <a:spcPts val="720"/>
+                        </a:spcBef>
+                        <a:spcAft>
+                          <a:spcPts val="720"/>
+                        </a:spcAft>
+                      </a:pPr>
+                      <a:r>
+                        <a:rPr lang="en-US" sz="1300">
+                          <a:effectLst/>
+                        </a:rPr>
+                        <a:t>thutran1401998@gmail.com</a:t>
+                      </a:r>
+                      <a:endParaRPr lang="en-US" sz="1100">
+                        <a:effectLst/>
+                        <a:latin typeface="Calibri"/>
+                        <a:ea typeface="Calibri"/>
+                        <a:cs typeface="Cordia New"/>
+                      </a:endParaRPr>
+                    </a:p>
+                  </a:txBody>
+                  <a:tcPr marL="66874" marR="66874" marT="0" marB="0" anchor="ctr"/>
+                </a:tc>
+                <a:tc>
+                  <a:txBody>
+                    <a:bodyPr/>
+                    <a:lstStyle/>
+                    <a:p>
+                      <a:pPr marL="0" marR="0" algn="ctr">
+                        <a:lnSpc>
+                          <a:spcPct val="150000"/>
+                        </a:lnSpc>
+                        <a:spcBef>
+                          <a:spcPts val="720"/>
+                        </a:spcBef>
+                        <a:spcAft>
+                          <a:spcPts val="720"/>
+                        </a:spcAft>
+                      </a:pPr>
+                      <a:r>
+                        <a:rPr lang="en-US" sz="1300">
+                          <a:effectLst/>
+                        </a:rPr>
+                        <a:t>01664631966</a:t>
+                      </a:r>
+                      <a:endParaRPr lang="en-US" sz="1100">
+                        <a:effectLst/>
+                        <a:latin typeface="Calibri"/>
+                        <a:ea typeface="Calibri"/>
+                        <a:cs typeface="Cordia New"/>
+                      </a:endParaRPr>
+                    </a:p>
+                  </a:txBody>
+                  <a:tcPr marL="66874" marR="66874" marT="0" marB="0" anchor="ctr"/>
+                </a:tc>
+              </a:tr>
+              <a:tr h="289787">
+                <a:tc>
+                  <a:txBody>
+                    <a:bodyPr/>
+                    <a:lstStyle/>
+                    <a:p>
+                      <a:pPr marL="0" marR="0" algn="ctr">
+                        <a:lnSpc>
+                          <a:spcPct val="150000"/>
+                        </a:lnSpc>
+                        <a:spcBef>
+                          <a:spcPts val="720"/>
+                        </a:spcBef>
+                        <a:spcAft>
+                          <a:spcPts val="720"/>
+                        </a:spcAft>
+                      </a:pPr>
+                      <a:r>
+                        <a:rPr lang="en-US" sz="1300">
+                          <a:effectLst/>
+                        </a:rPr>
+                        <a:t>5</a:t>
+                      </a:r>
+                      <a:endParaRPr lang="en-US" sz="1100">
+                        <a:effectLst/>
+                        <a:latin typeface="Calibri"/>
+                        <a:ea typeface="Calibri"/>
+                        <a:cs typeface="Cordia New"/>
+                      </a:endParaRPr>
+                    </a:p>
+                  </a:txBody>
+                  <a:tcPr marL="66874" marR="66874" marT="0" marB="0" anchor="ctr"/>
+                </a:tc>
+                <a:tc>
+                  <a:txBody>
+                    <a:bodyPr/>
+                    <a:lstStyle/>
+                    <a:p>
+                      <a:pPr marL="0" marR="0" algn="ctr">
+                        <a:lnSpc>
+                          <a:spcPct val="150000"/>
+                        </a:lnSpc>
+                        <a:spcBef>
+                          <a:spcPts val="720"/>
+                        </a:spcBef>
+                        <a:spcAft>
+                          <a:spcPts val="720"/>
+                        </a:spcAft>
+                      </a:pPr>
+                      <a:r>
+                        <a:rPr lang="en-US" sz="1300">
+                          <a:effectLst/>
+                        </a:rPr>
+                        <a:t>17211TT0227</a:t>
+                      </a:r>
+                      <a:endParaRPr lang="en-US" sz="1100">
+                        <a:effectLst/>
+                        <a:latin typeface="Calibri"/>
+                        <a:ea typeface="Calibri"/>
+                        <a:cs typeface="Cordia New"/>
+                      </a:endParaRPr>
+                    </a:p>
+                  </a:txBody>
+                  <a:tcPr marL="66874" marR="66874" marT="0" marB="0" anchor="ctr"/>
+                </a:tc>
+                <a:tc>
+                  <a:txBody>
+                    <a:bodyPr/>
+                    <a:lstStyle/>
+                    <a:p>
+                      <a:pPr marL="0" marR="0" algn="ctr">
+                        <a:lnSpc>
+                          <a:spcPct val="150000"/>
+                        </a:lnSpc>
+                        <a:spcBef>
+                          <a:spcPts val="720"/>
+                        </a:spcBef>
+                        <a:spcAft>
+                          <a:spcPts val="720"/>
+                        </a:spcAft>
+                      </a:pPr>
+                      <a:r>
+                        <a:rPr lang="en-US" sz="1300">
+                          <a:effectLst/>
+                        </a:rPr>
+                        <a:t>Nguyễn Đăng Khoa</a:t>
+                      </a:r>
+                      <a:endParaRPr lang="en-US" sz="1100">
+                        <a:effectLst/>
+                        <a:latin typeface="Calibri"/>
+                        <a:ea typeface="Calibri"/>
+                        <a:cs typeface="Cordia New"/>
+                      </a:endParaRPr>
+                    </a:p>
+                  </a:txBody>
+                  <a:tcPr marL="66874" marR="66874" marT="0" marB="0" anchor="ctr"/>
+                </a:tc>
+                <a:tc>
+                  <a:txBody>
+                    <a:bodyPr/>
+                    <a:lstStyle/>
+                    <a:p>
+                      <a:pPr marL="0" marR="0" algn="ctr">
+                        <a:lnSpc>
+                          <a:spcPct val="150000"/>
+                        </a:lnSpc>
+                        <a:spcBef>
+                          <a:spcPts val="720"/>
+                        </a:spcBef>
+                        <a:spcAft>
+                          <a:spcPts val="720"/>
+                        </a:spcAft>
+                      </a:pPr>
+                      <a:r>
+                        <a:rPr lang="en-US" sz="1300">
+                          <a:effectLst/>
+                        </a:rPr>
+                        <a:t>Thành viên</a:t>
+                      </a:r>
+                      <a:endParaRPr lang="en-US" sz="1100">
+                        <a:effectLst/>
+                        <a:latin typeface="Calibri"/>
+                        <a:ea typeface="Calibri"/>
+                        <a:cs typeface="Cordia New"/>
+                      </a:endParaRPr>
+                    </a:p>
+                  </a:txBody>
+                  <a:tcPr marL="66874" marR="66874" marT="0" marB="0" anchor="ctr"/>
+                </a:tc>
+                <a:tc>
+                  <a:txBody>
+                    <a:bodyPr/>
+                    <a:lstStyle/>
+                    <a:p>
+                      <a:pPr marL="0" marR="0">
+                        <a:lnSpc>
+                          <a:spcPct val="150000"/>
+                        </a:lnSpc>
+                        <a:spcBef>
+                          <a:spcPts val="720"/>
+                        </a:spcBef>
+                        <a:spcAft>
+                          <a:spcPts val="720"/>
+                        </a:spcAft>
+                      </a:pPr>
+                      <a:r>
+                        <a:rPr lang="en-US" sz="1300">
+                          <a:effectLst/>
+                        </a:rPr>
+                        <a:t>khoa09081999@gmail.com</a:t>
+                      </a:r>
+                      <a:endParaRPr lang="en-US" sz="1100">
+                        <a:effectLst/>
+                        <a:latin typeface="Calibri"/>
+                        <a:ea typeface="Calibri"/>
+                        <a:cs typeface="Cordia New"/>
+                      </a:endParaRPr>
+                    </a:p>
+                  </a:txBody>
+                  <a:tcPr marL="66874" marR="66874" marT="0" marB="0" anchor="ctr"/>
+                </a:tc>
+                <a:tc>
+                  <a:txBody>
+                    <a:bodyPr/>
+                    <a:lstStyle/>
+                    <a:p>
+                      <a:pPr marL="0" marR="0" algn="ctr">
+                        <a:lnSpc>
+                          <a:spcPct val="150000"/>
+                        </a:lnSpc>
+                        <a:spcBef>
+                          <a:spcPts val="720"/>
+                        </a:spcBef>
+                        <a:spcAft>
+                          <a:spcPts val="720"/>
+                        </a:spcAft>
+                      </a:pPr>
+                      <a:r>
+                        <a:rPr lang="en-US" sz="1300">
+                          <a:effectLst/>
+                        </a:rPr>
+                        <a:t>09021922337</a:t>
+                      </a:r>
+                      <a:endParaRPr lang="en-US" sz="1100">
+                        <a:effectLst/>
+                        <a:latin typeface="Calibri"/>
+                        <a:ea typeface="Calibri"/>
+                        <a:cs typeface="Cordia New"/>
+                      </a:endParaRPr>
+                    </a:p>
+                  </a:txBody>
+                  <a:tcPr marL="66874" marR="66874" marT="0" marB="0" anchor="ctr"/>
+                </a:tc>
+              </a:tr>
+              <a:tr h="579575">
+                <a:tc>
+                  <a:txBody>
+                    <a:bodyPr/>
+                    <a:lstStyle/>
+                    <a:p>
+                      <a:pPr marL="0" marR="0" algn="ctr">
+                        <a:lnSpc>
+                          <a:spcPct val="150000"/>
+                        </a:lnSpc>
+                        <a:spcBef>
+                          <a:spcPts val="720"/>
+                        </a:spcBef>
+                        <a:spcAft>
+                          <a:spcPts val="720"/>
+                        </a:spcAft>
+                      </a:pPr>
+                      <a:r>
+                        <a:rPr lang="en-US" sz="1300">
+                          <a:effectLst/>
+                        </a:rPr>
+                        <a:t>6</a:t>
+                      </a:r>
+                      <a:endParaRPr lang="en-US" sz="1100">
+                        <a:effectLst/>
+                        <a:latin typeface="Calibri"/>
+                        <a:ea typeface="Calibri"/>
+                        <a:cs typeface="Cordia New"/>
+                      </a:endParaRPr>
+                    </a:p>
+                  </a:txBody>
+                  <a:tcPr marL="66874" marR="66874" marT="0" marB="0" anchor="ctr"/>
+                </a:tc>
+                <a:tc>
+                  <a:txBody>
+                    <a:bodyPr/>
+                    <a:lstStyle/>
+                    <a:p>
+                      <a:pPr marL="0" marR="0" algn="ctr">
+                        <a:lnSpc>
+                          <a:spcPct val="150000"/>
+                        </a:lnSpc>
+                        <a:spcBef>
+                          <a:spcPts val="720"/>
+                        </a:spcBef>
+                        <a:spcAft>
+                          <a:spcPts val="720"/>
+                        </a:spcAft>
+                      </a:pPr>
+                      <a:r>
+                        <a:rPr lang="en-US" sz="1300">
+                          <a:effectLst/>
+                        </a:rPr>
+                        <a:t>17211TT0315</a:t>
+                      </a:r>
+                      <a:endParaRPr lang="en-US" sz="1100">
+                        <a:effectLst/>
+                        <a:latin typeface="Calibri"/>
+                        <a:ea typeface="Calibri"/>
+                        <a:cs typeface="Cordia New"/>
+                      </a:endParaRPr>
+                    </a:p>
+                  </a:txBody>
+                  <a:tcPr marL="66874" marR="66874" marT="0" marB="0" anchor="ctr"/>
+                </a:tc>
+                <a:tc>
+                  <a:txBody>
+                    <a:bodyPr/>
+                    <a:lstStyle/>
+                    <a:p>
+                      <a:pPr marL="0" marR="0" algn="ctr">
+                        <a:lnSpc>
+                          <a:spcPct val="150000"/>
+                        </a:lnSpc>
+                        <a:spcBef>
+                          <a:spcPts val="720"/>
+                        </a:spcBef>
+                        <a:spcAft>
+                          <a:spcPts val="720"/>
+                        </a:spcAft>
+                      </a:pPr>
+                      <a:r>
+                        <a:rPr lang="en-US" sz="1300">
+                          <a:effectLst/>
+                        </a:rPr>
+                        <a:t>Nguyễn Văn Nở</a:t>
+                      </a:r>
+                      <a:endParaRPr lang="en-US" sz="1100">
+                        <a:effectLst/>
+                        <a:latin typeface="Calibri"/>
+                        <a:ea typeface="Calibri"/>
+                        <a:cs typeface="Cordia New"/>
+                      </a:endParaRPr>
+                    </a:p>
+                  </a:txBody>
+                  <a:tcPr marL="66874" marR="66874" marT="0" marB="0" anchor="ctr"/>
+                </a:tc>
+                <a:tc>
+                  <a:txBody>
+                    <a:bodyPr/>
+                    <a:lstStyle/>
+                    <a:p>
+                      <a:pPr marL="0" marR="0" algn="ctr">
+                        <a:lnSpc>
+                          <a:spcPct val="150000"/>
+                        </a:lnSpc>
+                        <a:spcBef>
+                          <a:spcPts val="720"/>
+                        </a:spcBef>
+                        <a:spcAft>
+                          <a:spcPts val="720"/>
+                        </a:spcAft>
+                      </a:pPr>
+                      <a:r>
+                        <a:rPr lang="en-US" sz="1300">
+                          <a:effectLst/>
+                        </a:rPr>
+                        <a:t>Thành viên</a:t>
+                      </a:r>
+                      <a:endParaRPr lang="en-US" sz="1100">
+                        <a:effectLst/>
+                        <a:latin typeface="Calibri"/>
+                        <a:ea typeface="Calibri"/>
+                        <a:cs typeface="Cordia New"/>
+                      </a:endParaRPr>
+                    </a:p>
+                  </a:txBody>
+                  <a:tcPr marL="66874" marR="66874" marT="0" marB="0" anchor="ctr"/>
+                </a:tc>
+                <a:tc>
+                  <a:txBody>
+                    <a:bodyPr/>
+                    <a:lstStyle/>
+                    <a:p>
+                      <a:pPr marL="0" marR="0" algn="ctr">
+                        <a:lnSpc>
+                          <a:spcPct val="150000"/>
+                        </a:lnSpc>
+                        <a:spcBef>
+                          <a:spcPts val="720"/>
+                        </a:spcBef>
+                        <a:spcAft>
+                          <a:spcPts val="720"/>
+                        </a:spcAft>
+                      </a:pPr>
+                      <a:r>
+                        <a:rPr lang="en-US" sz="1300">
+                          <a:effectLst/>
+                        </a:rPr>
+                        <a:t>Nguyenvanno1011999@gmail.com</a:t>
+                      </a:r>
+                      <a:endParaRPr lang="en-US" sz="1100">
+                        <a:effectLst/>
+                        <a:latin typeface="Calibri"/>
+                        <a:ea typeface="Calibri"/>
+                        <a:cs typeface="Cordia New"/>
+                      </a:endParaRPr>
+                    </a:p>
+                  </a:txBody>
+                  <a:tcPr marL="66874" marR="66874" marT="0" marB="0" anchor="ctr"/>
+                </a:tc>
+                <a:tc>
+                  <a:txBody>
+                    <a:bodyPr/>
+                    <a:lstStyle/>
+                    <a:p>
+                      <a:pPr marL="0" marR="0" algn="ctr">
+                        <a:lnSpc>
+                          <a:spcPct val="150000"/>
+                        </a:lnSpc>
+                        <a:spcBef>
+                          <a:spcPts val="720"/>
+                        </a:spcBef>
+                        <a:spcAft>
+                          <a:spcPts val="720"/>
+                        </a:spcAft>
+                      </a:pPr>
+                      <a:r>
+                        <a:rPr lang="en-US" sz="1300" dirty="0">
+                          <a:effectLst/>
+                        </a:rPr>
+                        <a:t>01683657307</a:t>
+                      </a:r>
+                      <a:endParaRPr lang="en-US" sz="1100" dirty="0">
+                        <a:effectLst/>
+                        <a:latin typeface="Calibri"/>
+                        <a:ea typeface="Calibri"/>
+                        <a:cs typeface="Cordia New"/>
+                      </a:endParaRPr>
+                    </a:p>
+                  </a:txBody>
+                  <a:tcPr marL="66874" marR="66874" marT="0" marB="0" anchor="ctr"/>
+                </a:tc>
+              </a:tr>
+            </a:tbl>
+          </a:graphicData>
+        </a:graphic>
+      </p:graphicFrame>
       <p:sp>
         <p:nvSpPr>
           <p:cNvPr id="3" name="Title 2"/>
@@ -9390,47 +14532,31 @@
             <p:ph type="title"/>
           </p:nvPr>
         </p:nvSpPr>
-        <p:spPr/>
+        <p:spPr>
+          <a:xfrm>
+            <a:off x="990600" y="762000"/>
+            <a:ext cx="7696200" cy="685800"/>
+          </a:xfrm>
+        </p:spPr>
         <p:txBody>
-          <a:bodyPr/>
+          <a:bodyPr>
+            <a:normAutofit/>
+          </a:bodyPr>
           <a:lstStyle/>
           <a:p>
-            <a:r>
-              <a:rPr lang="en-US" dirty="0" err="1" smtClean="0"/>
-              <a:t>III.Kết</a:t>
-            </a:r>
-            <a:r>
-              <a:rPr lang="en-US" dirty="0" smtClean="0"/>
-              <a:t> </a:t>
-            </a:r>
-            <a:r>
-              <a:rPr lang="en-US" dirty="0" err="1" smtClean="0"/>
-              <a:t>quả</a:t>
-            </a:r>
-            <a:r>
-              <a:rPr lang="en-US" dirty="0" smtClean="0"/>
-              <a:t> </a:t>
-            </a:r>
-            <a:r>
-              <a:rPr lang="en-US" dirty="0" err="1" smtClean="0"/>
-              <a:t>đạt</a:t>
-            </a:r>
-            <a:r>
-              <a:rPr lang="en-US" dirty="0" smtClean="0"/>
-              <a:t> </a:t>
-            </a:r>
-            <a:r>
-              <a:rPr lang="en-US" dirty="0" err="1" smtClean="0"/>
-              <a:t>được</a:t>
-            </a:r>
-            <a:endParaRPr lang="en-US" dirty="0"/>
+            <a:pPr algn="ctr"/>
+            <a:r>
+              <a:rPr lang="en-US" sz="2400" b="1" dirty="0" smtClean="0"/>
+              <a:t>BIÊN BẢN HỌP NHÓM</a:t>
+            </a:r>
+            <a:endParaRPr lang="en-US" sz="2400" b="1" dirty="0"/>
           </a:p>
         </p:txBody>
       </p:sp>
     </p:spTree>
     <p:extLst>
       <p:ext uri="{BB962C8B-B14F-4D97-AF65-F5344CB8AC3E}">
-        <p14:creationId xmlns:p14="http://schemas.microsoft.com/office/powerpoint/2010/main" val="3812383746"/>
+        <p14:creationId xmlns:p14="http://schemas.microsoft.com/office/powerpoint/2010/main" val="225030069"/>
       </p:ext>
     </p:extLst>
   </p:cSld>

--- a/Nhóm 3.pptx
+++ b/Nhóm 3.pptx
@@ -125,7 +125,7 @@
   </p:defaultTextStyle>
   <p:extLst>
     <p:ext uri="{EFAFB233-063F-42B5-8137-9DF3F51BA10A}">
-      <p15:sldGuideLst xmlns:p15="http://schemas.microsoft.com/office/powerpoint/2012/main" xmlns="">
+      <p15:sldGuideLst xmlns:p15="http://schemas.microsoft.com/office/powerpoint/2012/main">
         <p15:guide id="1" orient="horz" pos="2160">
           <p15:clr>
             <a:srgbClr val="A4A3A4"/>
@@ -7415,7 +7415,7 @@
         </p:nvGraphicFramePr>
         <p:xfrm>
           <a:off x="914400" y="2083911"/>
-          <a:ext cx="7467600" cy="3698617"/>
+          <a:ext cx="7467600" cy="3863340"/>
         </p:xfrm>
         <a:graphic>
           <a:graphicData uri="http://schemas.openxmlformats.org/drawingml/2006/table">
@@ -7424,12 +7424,48 @@
                 <a:tableStyleId>{5C22544A-7EE6-4342-B048-85BDC9FD1C3A}</a:tableStyleId>
               </a:tblPr>
               <a:tblGrid>
-                <a:gridCol w="445827"/>
-                <a:gridCol w="1058839"/>
-                <a:gridCol w="1783307"/>
-                <a:gridCol w="1058839"/>
-                <a:gridCol w="2061949"/>
-                <a:gridCol w="1058839"/>
+                <a:gridCol w="445827">
+                  <a:extLst>
+                    <a:ext uri="{9D8B030D-6E8A-4147-A177-3AD203B41FA5}">
+                      <a16:colId xmlns:a16="http://schemas.microsoft.com/office/drawing/2014/main" val="20000"/>
+                    </a:ext>
+                  </a:extLst>
+                </a:gridCol>
+                <a:gridCol w="1058839">
+                  <a:extLst>
+                    <a:ext uri="{9D8B030D-6E8A-4147-A177-3AD203B41FA5}">
+                      <a16:colId xmlns:a16="http://schemas.microsoft.com/office/drawing/2014/main" val="20001"/>
+                    </a:ext>
+                  </a:extLst>
+                </a:gridCol>
+                <a:gridCol w="1783307">
+                  <a:extLst>
+                    <a:ext uri="{9D8B030D-6E8A-4147-A177-3AD203B41FA5}">
+                      <a16:colId xmlns:a16="http://schemas.microsoft.com/office/drawing/2014/main" val="20002"/>
+                    </a:ext>
+                  </a:extLst>
+                </a:gridCol>
+                <a:gridCol w="1058839">
+                  <a:extLst>
+                    <a:ext uri="{9D8B030D-6E8A-4147-A177-3AD203B41FA5}">
+                      <a16:colId xmlns:a16="http://schemas.microsoft.com/office/drawing/2014/main" val="20003"/>
+                    </a:ext>
+                  </a:extLst>
+                </a:gridCol>
+                <a:gridCol w="2061949">
+                  <a:extLst>
+                    <a:ext uri="{9D8B030D-6E8A-4147-A177-3AD203B41FA5}">
+                      <a16:colId xmlns:a16="http://schemas.microsoft.com/office/drawing/2014/main" val="20004"/>
+                    </a:ext>
+                  </a:extLst>
+                </a:gridCol>
+                <a:gridCol w="1058839">
+                  <a:extLst>
+                    <a:ext uri="{9D8B030D-6E8A-4147-A177-3AD203B41FA5}">
+                      <a16:colId xmlns:a16="http://schemas.microsoft.com/office/drawing/2014/main" val="20005"/>
+                    </a:ext>
+                  </a:extLst>
+                </a:gridCol>
               </a:tblGrid>
               <a:tr h="289787">
                 <a:tc>
@@ -7624,6 +7660,11 @@
                   </a:txBody>
                   <a:tcPr marL="66874" marR="66874" marT="0" marB="0" anchor="ctr"/>
                 </a:tc>
+                <a:extLst>
+                  <a:ext uri="{0D108BD9-81ED-4DB2-BD59-A6C34878D82A}">
+                    <a16:rowId xmlns:a16="http://schemas.microsoft.com/office/drawing/2014/main" val="10000"/>
+                  </a:ext>
+                </a:extLst>
               </a:tr>
               <a:tr h="450780">
                 <a:tc>
@@ -7818,6 +7859,11 @@
                   </a:txBody>
                   <a:tcPr marL="66874" marR="66874" marT="0" marB="0" anchor="ctr"/>
                 </a:tc>
+                <a:extLst>
+                  <a:ext uri="{0D108BD9-81ED-4DB2-BD59-A6C34878D82A}">
+                    <a16:rowId xmlns:a16="http://schemas.microsoft.com/office/drawing/2014/main" val="10001"/>
+                  </a:ext>
+                </a:extLst>
               </a:tr>
               <a:tr h="579575">
                 <a:tc>
@@ -8012,6 +8058,11 @@
                   </a:txBody>
                   <a:tcPr marL="66874" marR="66874" marT="0" marB="0" anchor="ctr"/>
                 </a:tc>
+                <a:extLst>
+                  <a:ext uri="{0D108BD9-81ED-4DB2-BD59-A6C34878D82A}">
+                    <a16:rowId xmlns:a16="http://schemas.microsoft.com/office/drawing/2014/main" val="10002"/>
+                  </a:ext>
+                </a:extLst>
               </a:tr>
               <a:tr h="289787">
                 <a:tc>
@@ -8206,6 +8257,11 @@
                   </a:txBody>
                   <a:tcPr marL="66874" marR="66874" marT="0" marB="0" anchor="ctr"/>
                 </a:tc>
+                <a:extLst>
+                  <a:ext uri="{0D108BD9-81ED-4DB2-BD59-A6C34878D82A}">
+                    <a16:rowId xmlns:a16="http://schemas.microsoft.com/office/drawing/2014/main" val="10003"/>
+                  </a:ext>
+                </a:extLst>
               </a:tr>
               <a:tr h="289787">
                 <a:tc>
@@ -8400,6 +8456,11 @@
                   </a:txBody>
                   <a:tcPr marL="66874" marR="66874" marT="0" marB="0" anchor="ctr"/>
                 </a:tc>
+                <a:extLst>
+                  <a:ext uri="{0D108BD9-81ED-4DB2-BD59-A6C34878D82A}">
+                    <a16:rowId xmlns:a16="http://schemas.microsoft.com/office/drawing/2014/main" val="10004"/>
+                  </a:ext>
+                </a:extLst>
               </a:tr>
               <a:tr h="289787">
                 <a:tc>
@@ -8594,6 +8655,11 @@
                   </a:txBody>
                   <a:tcPr marL="66874" marR="66874" marT="0" marB="0" anchor="ctr"/>
                 </a:tc>
+                <a:extLst>
+                  <a:ext uri="{0D108BD9-81ED-4DB2-BD59-A6C34878D82A}">
+                    <a16:rowId xmlns:a16="http://schemas.microsoft.com/office/drawing/2014/main" val="10005"/>
+                  </a:ext>
+                </a:extLst>
               </a:tr>
               <a:tr h="579575">
                 <a:tc>
@@ -8788,6 +8854,11 @@
                   </a:txBody>
                   <a:tcPr marL="66874" marR="66874" marT="0" marB="0" anchor="ctr"/>
                 </a:tc>
+                <a:extLst>
+                  <a:ext uri="{0D108BD9-81ED-4DB2-BD59-A6C34878D82A}">
+                    <a16:rowId xmlns:a16="http://schemas.microsoft.com/office/drawing/2014/main" val="10006"/>
+                  </a:ext>
+                </a:extLst>
               </a:tr>
             </a:tbl>
           </a:graphicData>
@@ -11041,98 +11112,710 @@
           </a:bodyPr>
           <a:lstStyle/>
           <a:p>
+            <a:pPr marL="457200" indent="-457200">
+              <a:buAutoNum type="arabicPeriod"/>
+            </a:pPr>
+            <a:r>
+              <a:rPr lang="en-US" sz="2400" dirty="0" err="1" smtClean="0">
+                <a:latin typeface="Arial" panose="020B0604020202020204" pitchFamily="34" charset="0"/>
+                <a:cs typeface="Arial" panose="020B0604020202020204" pitchFamily="34" charset="0"/>
+              </a:rPr>
+              <a:t>Kịch</a:t>
+            </a:r>
+            <a:r>
+              <a:rPr lang="en-US" sz="2400" dirty="0" smtClean="0">
+                <a:latin typeface="Arial" panose="020B0604020202020204" pitchFamily="34" charset="0"/>
+                <a:cs typeface="Arial" panose="020B0604020202020204" pitchFamily="34" charset="0"/>
+              </a:rPr>
+              <a:t> </a:t>
+            </a:r>
+            <a:r>
+              <a:rPr lang="en-US" sz="2400" dirty="0" err="1" smtClean="0">
+                <a:latin typeface="Arial" panose="020B0604020202020204" pitchFamily="34" charset="0"/>
+                <a:cs typeface="Arial" panose="020B0604020202020204" pitchFamily="34" charset="0"/>
+              </a:rPr>
+              <a:t>bản</a:t>
+            </a:r>
+            <a:r>
+              <a:rPr lang="en-US" sz="2400" dirty="0">
+                <a:latin typeface="Arial" panose="020B0604020202020204" pitchFamily="34" charset="0"/>
+                <a:cs typeface="Arial" panose="020B0604020202020204" pitchFamily="34" charset="0"/>
+              </a:rPr>
+              <a:t> </a:t>
+            </a:r>
+            <a:r>
+              <a:rPr lang="en-US" sz="2400" dirty="0" smtClean="0">
+                <a:latin typeface="Arial" panose="020B0604020202020204" pitchFamily="34" charset="0"/>
+                <a:cs typeface="Arial" panose="020B0604020202020204" pitchFamily="34" charset="0"/>
+              </a:rPr>
+              <a:t>(</a:t>
+            </a:r>
+            <a:r>
+              <a:rPr lang="en-US" sz="2400" dirty="0" err="1" smtClean="0">
+                <a:latin typeface="Arial" panose="020B0604020202020204" pitchFamily="34" charset="0"/>
+                <a:cs typeface="Arial" panose="020B0604020202020204" pitchFamily="34" charset="0"/>
+              </a:rPr>
+              <a:t>Cảnh</a:t>
+            </a:r>
+            <a:r>
+              <a:rPr lang="en-US" sz="2400" dirty="0" smtClean="0">
+                <a:latin typeface="Arial" panose="020B0604020202020204" pitchFamily="34" charset="0"/>
+                <a:cs typeface="Arial" panose="020B0604020202020204" pitchFamily="34" charset="0"/>
+              </a:rPr>
+              <a:t> quay, </a:t>
+            </a:r>
+            <a:r>
+              <a:rPr lang="en-US" sz="2400" dirty="0" err="1" smtClean="0">
+                <a:latin typeface="Arial" panose="020B0604020202020204" pitchFamily="34" charset="0"/>
+                <a:cs typeface="Arial" panose="020B0604020202020204" pitchFamily="34" charset="0"/>
+              </a:rPr>
+              <a:t>Người</a:t>
+            </a:r>
+            <a:r>
+              <a:rPr lang="en-US" sz="2400" dirty="0" smtClean="0">
+                <a:latin typeface="Arial" panose="020B0604020202020204" pitchFamily="34" charset="0"/>
+                <a:cs typeface="Arial" panose="020B0604020202020204" pitchFamily="34" charset="0"/>
+              </a:rPr>
+              <a:t> </a:t>
+            </a:r>
+            <a:r>
+              <a:rPr lang="en-US" sz="2400" dirty="0" err="1" smtClean="0">
+                <a:latin typeface="Arial" panose="020B0604020202020204" pitchFamily="34" charset="0"/>
+                <a:cs typeface="Arial" panose="020B0604020202020204" pitchFamily="34" charset="0"/>
+              </a:rPr>
+              <a:t>đc</a:t>
+            </a:r>
+            <a:r>
+              <a:rPr lang="en-US" sz="2400" dirty="0" smtClean="0">
+                <a:latin typeface="Arial" panose="020B0604020202020204" pitchFamily="34" charset="0"/>
+                <a:cs typeface="Arial" panose="020B0604020202020204" pitchFamily="34" charset="0"/>
+              </a:rPr>
+              <a:t> </a:t>
+            </a:r>
+            <a:r>
+              <a:rPr lang="en-US" sz="2400" dirty="0" err="1" smtClean="0">
+                <a:latin typeface="Arial" panose="020B0604020202020204" pitchFamily="34" charset="0"/>
+                <a:cs typeface="Arial" panose="020B0604020202020204" pitchFamily="34" charset="0"/>
+              </a:rPr>
+              <a:t>phỏng</a:t>
+            </a:r>
+            <a:r>
+              <a:rPr lang="en-US" sz="2400" dirty="0" smtClean="0">
+                <a:latin typeface="Arial" panose="020B0604020202020204" pitchFamily="34" charset="0"/>
+                <a:cs typeface="Arial" panose="020B0604020202020204" pitchFamily="34" charset="0"/>
+              </a:rPr>
+              <a:t> </a:t>
+            </a:r>
+            <a:r>
+              <a:rPr lang="en-US" sz="2400" dirty="0" err="1" smtClean="0">
+                <a:latin typeface="Arial" panose="020B0604020202020204" pitchFamily="34" charset="0"/>
+                <a:cs typeface="Arial" panose="020B0604020202020204" pitchFamily="34" charset="0"/>
+              </a:rPr>
+              <a:t>vấn</a:t>
+            </a:r>
+            <a:r>
+              <a:rPr lang="en-US" sz="2400" dirty="0" smtClean="0">
+                <a:latin typeface="Arial" panose="020B0604020202020204" pitchFamily="34" charset="0"/>
+                <a:cs typeface="Arial" panose="020B0604020202020204" pitchFamily="34" charset="0"/>
+              </a:rPr>
+              <a:t>, </a:t>
+            </a:r>
+            <a:r>
+              <a:rPr lang="en-US" sz="2400" dirty="0" err="1" smtClean="0">
+                <a:latin typeface="Arial" panose="020B0604020202020204" pitchFamily="34" charset="0"/>
+                <a:cs typeface="Arial" panose="020B0604020202020204" pitchFamily="34" charset="0"/>
+              </a:rPr>
+              <a:t>nội</a:t>
+            </a:r>
+            <a:r>
+              <a:rPr lang="en-US" sz="2400" dirty="0" smtClean="0">
+                <a:latin typeface="Arial" panose="020B0604020202020204" pitchFamily="34" charset="0"/>
+                <a:cs typeface="Arial" panose="020B0604020202020204" pitchFamily="34" charset="0"/>
+              </a:rPr>
+              <a:t> dung </a:t>
+            </a:r>
+            <a:r>
+              <a:rPr lang="en-US" sz="2400" dirty="0" err="1" smtClean="0">
+                <a:latin typeface="Arial" panose="020B0604020202020204" pitchFamily="34" charset="0"/>
+                <a:cs typeface="Arial" panose="020B0604020202020204" pitchFamily="34" charset="0"/>
+              </a:rPr>
+              <a:t>phỏng</a:t>
+            </a:r>
+            <a:r>
+              <a:rPr lang="en-US" sz="2400" dirty="0" smtClean="0">
+                <a:latin typeface="Arial" panose="020B0604020202020204" pitchFamily="34" charset="0"/>
+                <a:cs typeface="Arial" panose="020B0604020202020204" pitchFamily="34" charset="0"/>
+              </a:rPr>
+              <a:t> </a:t>
+            </a:r>
+            <a:r>
+              <a:rPr lang="en-US" sz="2400" dirty="0" err="1" smtClean="0">
+                <a:latin typeface="Arial" panose="020B0604020202020204" pitchFamily="34" charset="0"/>
+                <a:cs typeface="Arial" panose="020B0604020202020204" pitchFamily="34" charset="0"/>
+              </a:rPr>
+              <a:t>vấn</a:t>
+            </a:r>
+            <a:r>
+              <a:rPr lang="en-US" sz="2400" dirty="0" smtClean="0">
+                <a:latin typeface="Arial" panose="020B0604020202020204" pitchFamily="34" charset="0"/>
+                <a:cs typeface="Arial" panose="020B0604020202020204" pitchFamily="34" charset="0"/>
+              </a:rPr>
+              <a:t>)</a:t>
+            </a:r>
+          </a:p>
+          <a:p>
+            <a:pPr marL="457200" indent="-457200">
+              <a:buFont typeface="+mj-lt"/>
+              <a:buAutoNum type="alphaLcParenR"/>
+            </a:pPr>
+            <a:r>
+              <a:rPr lang="en-US" sz="2400" dirty="0" err="1" smtClean="0">
+                <a:latin typeface="Arial" panose="020B0604020202020204" pitchFamily="34" charset="0"/>
+                <a:cs typeface="Arial" panose="020B0604020202020204" pitchFamily="34" charset="0"/>
+              </a:rPr>
+              <a:t>Cảnh</a:t>
+            </a:r>
+            <a:r>
+              <a:rPr lang="en-US" sz="2400" dirty="0" smtClean="0">
+                <a:latin typeface="Arial" panose="020B0604020202020204" pitchFamily="34" charset="0"/>
+                <a:cs typeface="Arial" panose="020B0604020202020204" pitchFamily="34" charset="0"/>
+              </a:rPr>
+              <a:t> quay : </a:t>
+            </a:r>
+            <a:r>
+              <a:rPr lang="en-US" sz="2400" dirty="0" err="1" smtClean="0">
+                <a:latin typeface="Arial" panose="020B0604020202020204" pitchFamily="34" charset="0"/>
+                <a:cs typeface="Arial" panose="020B0604020202020204" pitchFamily="34" charset="0"/>
+              </a:rPr>
+              <a:t>Tầng</a:t>
+            </a:r>
+            <a:r>
+              <a:rPr lang="en-US" sz="2400" dirty="0" smtClean="0">
+                <a:latin typeface="Arial" panose="020B0604020202020204" pitchFamily="34" charset="0"/>
+                <a:cs typeface="Arial" panose="020B0604020202020204" pitchFamily="34" charset="0"/>
+              </a:rPr>
+              <a:t> 1 </a:t>
+            </a:r>
+            <a:r>
+              <a:rPr lang="en-US" sz="2400" dirty="0" err="1" smtClean="0">
+                <a:latin typeface="Arial" panose="020B0604020202020204" pitchFamily="34" charset="0"/>
+                <a:cs typeface="Arial" panose="020B0604020202020204" pitchFamily="34" charset="0"/>
+              </a:rPr>
+              <a:t>tòa</a:t>
+            </a:r>
+            <a:r>
+              <a:rPr lang="en-US" sz="2400" dirty="0" smtClean="0">
+                <a:latin typeface="Arial" panose="020B0604020202020204" pitchFamily="34" charset="0"/>
+                <a:cs typeface="Arial" panose="020B0604020202020204" pitchFamily="34" charset="0"/>
+              </a:rPr>
+              <a:t> </a:t>
+            </a:r>
+            <a:r>
+              <a:rPr lang="en-US" sz="2400" dirty="0" err="1" smtClean="0">
+                <a:latin typeface="Arial" panose="020B0604020202020204" pitchFamily="34" charset="0"/>
+                <a:cs typeface="Arial" panose="020B0604020202020204" pitchFamily="34" charset="0"/>
+              </a:rPr>
+              <a:t>nhà</a:t>
+            </a:r>
+            <a:r>
+              <a:rPr lang="en-US" sz="2400" dirty="0" smtClean="0">
+                <a:latin typeface="Arial" panose="020B0604020202020204" pitchFamily="34" charset="0"/>
+                <a:cs typeface="Arial" panose="020B0604020202020204" pitchFamily="34" charset="0"/>
+              </a:rPr>
+              <a:t> </a:t>
+            </a:r>
+            <a:r>
+              <a:rPr lang="en-US" sz="2400" dirty="0" err="1" smtClean="0">
+                <a:latin typeface="Arial" panose="020B0604020202020204" pitchFamily="34" charset="0"/>
+                <a:cs typeface="Arial" panose="020B0604020202020204" pitchFamily="34" charset="0"/>
+              </a:rPr>
+              <a:t>WASECO,trước</a:t>
+            </a:r>
+            <a:r>
+              <a:rPr lang="en-US" sz="2400" dirty="0" smtClean="0">
+                <a:latin typeface="Arial" panose="020B0604020202020204" pitchFamily="34" charset="0"/>
+                <a:cs typeface="Arial" panose="020B0604020202020204" pitchFamily="34" charset="0"/>
+              </a:rPr>
+              <a:t> </a:t>
+            </a:r>
+            <a:r>
+              <a:rPr lang="en-US" sz="2400" dirty="0" err="1" smtClean="0">
+                <a:latin typeface="Arial" panose="020B0604020202020204" pitchFamily="34" charset="0"/>
+                <a:cs typeface="Arial" panose="020B0604020202020204" pitchFamily="34" charset="0"/>
+              </a:rPr>
+              <a:t>cửa</a:t>
+            </a:r>
+            <a:r>
+              <a:rPr lang="en-US" sz="2400" dirty="0" smtClean="0">
+                <a:latin typeface="Arial" panose="020B0604020202020204" pitchFamily="34" charset="0"/>
+                <a:cs typeface="Arial" panose="020B0604020202020204" pitchFamily="34" charset="0"/>
+              </a:rPr>
+              <a:t> </a:t>
+            </a:r>
+            <a:r>
+              <a:rPr lang="en-US" sz="2400" dirty="0" err="1" smtClean="0">
+                <a:latin typeface="Arial" panose="020B0604020202020204" pitchFamily="34" charset="0"/>
+                <a:cs typeface="Arial" panose="020B0604020202020204" pitchFamily="34" charset="0"/>
+              </a:rPr>
+              <a:t>văn</a:t>
+            </a:r>
+            <a:r>
+              <a:rPr lang="en-US" sz="2400" dirty="0" smtClean="0">
+                <a:latin typeface="Arial" panose="020B0604020202020204" pitchFamily="34" charset="0"/>
+                <a:cs typeface="Arial" panose="020B0604020202020204" pitchFamily="34" charset="0"/>
+              </a:rPr>
+              <a:t> </a:t>
+            </a:r>
+            <a:r>
+              <a:rPr lang="en-US" sz="2400" dirty="0" err="1" smtClean="0">
+                <a:latin typeface="Arial" panose="020B0604020202020204" pitchFamily="34" charset="0"/>
+                <a:cs typeface="Arial" panose="020B0604020202020204" pitchFamily="34" charset="0"/>
+              </a:rPr>
+              <a:t>phòng</a:t>
+            </a:r>
+            <a:r>
+              <a:rPr lang="en-US" sz="2400" dirty="0" smtClean="0">
+                <a:latin typeface="Arial" panose="020B0604020202020204" pitchFamily="34" charset="0"/>
+                <a:cs typeface="Arial" panose="020B0604020202020204" pitchFamily="34" charset="0"/>
+              </a:rPr>
+              <a:t> </a:t>
+            </a:r>
+            <a:r>
+              <a:rPr lang="en-US" sz="2400" dirty="0" err="1" smtClean="0">
+                <a:latin typeface="Arial" panose="020B0604020202020204" pitchFamily="34" charset="0"/>
+                <a:cs typeface="Arial" panose="020B0604020202020204" pitchFamily="34" charset="0"/>
+              </a:rPr>
+              <a:t>Công</a:t>
+            </a:r>
+            <a:r>
+              <a:rPr lang="en-US" sz="2400" dirty="0" smtClean="0">
+                <a:latin typeface="Arial" panose="020B0604020202020204" pitchFamily="34" charset="0"/>
+                <a:cs typeface="Arial" panose="020B0604020202020204" pitchFamily="34" charset="0"/>
+              </a:rPr>
+              <a:t> Ty TNHH FUJINET SYSTEMS.</a:t>
+            </a:r>
+          </a:p>
+          <a:p>
+            <a:pPr marL="457200" indent="-457200">
+              <a:buFont typeface="+mj-lt"/>
+              <a:buAutoNum type="alphaLcParenR"/>
+            </a:pPr>
+            <a:r>
+              <a:rPr lang="en-US" sz="2400" dirty="0" err="1" smtClean="0">
+                <a:latin typeface="Arial" panose="020B0604020202020204" pitchFamily="34" charset="0"/>
+                <a:cs typeface="Arial" panose="020B0604020202020204" pitchFamily="34" charset="0"/>
+              </a:rPr>
+              <a:t>Người</a:t>
+            </a:r>
+            <a:r>
+              <a:rPr lang="en-US" sz="2400" dirty="0" smtClean="0">
+                <a:latin typeface="Arial" panose="020B0604020202020204" pitchFamily="34" charset="0"/>
+                <a:cs typeface="Arial" panose="020B0604020202020204" pitchFamily="34" charset="0"/>
+              </a:rPr>
+              <a:t> </a:t>
+            </a:r>
+            <a:r>
+              <a:rPr lang="en-US" sz="2400" dirty="0" err="1" smtClean="0">
+                <a:latin typeface="Arial" panose="020B0604020202020204" pitchFamily="34" charset="0"/>
+                <a:cs typeface="Arial" panose="020B0604020202020204" pitchFamily="34" charset="0"/>
+              </a:rPr>
+              <a:t>được</a:t>
+            </a:r>
+            <a:r>
+              <a:rPr lang="en-US" sz="2400" dirty="0" smtClean="0">
+                <a:latin typeface="Arial" panose="020B0604020202020204" pitchFamily="34" charset="0"/>
+                <a:cs typeface="Arial" panose="020B0604020202020204" pitchFamily="34" charset="0"/>
+              </a:rPr>
+              <a:t> </a:t>
+            </a:r>
+            <a:r>
+              <a:rPr lang="en-US" sz="2400" dirty="0" err="1" smtClean="0">
+                <a:latin typeface="Arial" panose="020B0604020202020204" pitchFamily="34" charset="0"/>
+                <a:cs typeface="Arial" panose="020B0604020202020204" pitchFamily="34" charset="0"/>
+              </a:rPr>
+              <a:t>phỏng</a:t>
+            </a:r>
+            <a:r>
+              <a:rPr lang="en-US" sz="2400" dirty="0" smtClean="0">
+                <a:latin typeface="Arial" panose="020B0604020202020204" pitchFamily="34" charset="0"/>
+                <a:cs typeface="Arial" panose="020B0604020202020204" pitchFamily="34" charset="0"/>
+              </a:rPr>
+              <a:t> </a:t>
+            </a:r>
+            <a:r>
+              <a:rPr lang="en-US" sz="2400" dirty="0" err="1" smtClean="0">
+                <a:latin typeface="Arial" panose="020B0604020202020204" pitchFamily="34" charset="0"/>
+                <a:cs typeface="Arial" panose="020B0604020202020204" pitchFamily="34" charset="0"/>
+              </a:rPr>
+              <a:t>vấn</a:t>
+            </a:r>
+            <a:r>
+              <a:rPr lang="en-US" sz="2400" dirty="0" smtClean="0">
+                <a:latin typeface="Arial" panose="020B0604020202020204" pitchFamily="34" charset="0"/>
+                <a:cs typeface="Arial" panose="020B0604020202020204" pitchFamily="34" charset="0"/>
+              </a:rPr>
+              <a:t> :</a:t>
+            </a:r>
+          </a:p>
+          <a:p>
             <a:pPr marL="0" indent="0">
               <a:buNone/>
             </a:pPr>
             <a:r>
+              <a:rPr lang="en-US" sz="2400" dirty="0"/>
+              <a:t> </a:t>
+            </a:r>
+            <a:r>
               <a:rPr lang="en-US" sz="2400" dirty="0" smtClean="0"/>
-              <a:t>1. </a:t>
-            </a:r>
-            <a:r>
-              <a:rPr lang="en-US" sz="2400" dirty="0" err="1" smtClean="0"/>
-              <a:t>Kịch</a:t>
-            </a:r>
-            <a:r>
-              <a:rPr lang="en-US" sz="2400" dirty="0" smtClean="0"/>
-              <a:t> </a:t>
-            </a:r>
-            <a:r>
-              <a:rPr lang="en-US" sz="2400" dirty="0" err="1" smtClean="0"/>
-              <a:t>bản</a:t>
-            </a:r>
-            <a:r>
-              <a:rPr lang="en-US" sz="2400" dirty="0"/>
-              <a:t> </a:t>
-            </a:r>
-            <a:r>
-              <a:rPr lang="en-US" sz="2400" dirty="0" smtClean="0"/>
-              <a:t>(</a:t>
-            </a:r>
-            <a:r>
-              <a:rPr lang="en-US" sz="2400" dirty="0" err="1" smtClean="0"/>
-              <a:t>Cảnh</a:t>
-            </a:r>
-            <a:r>
-              <a:rPr lang="en-US" sz="2400" dirty="0" smtClean="0"/>
-              <a:t> quay, </a:t>
-            </a:r>
-            <a:r>
-              <a:rPr lang="en-US" sz="2400" dirty="0" err="1" smtClean="0"/>
-              <a:t>Người</a:t>
-            </a:r>
-            <a:r>
-              <a:rPr lang="en-US" sz="2400" dirty="0" smtClean="0"/>
-              <a:t> </a:t>
-            </a:r>
-            <a:r>
-              <a:rPr lang="en-US" sz="2400" dirty="0" err="1" smtClean="0"/>
-              <a:t>đc</a:t>
-            </a:r>
-            <a:r>
-              <a:rPr lang="en-US" sz="2400" dirty="0" smtClean="0"/>
-              <a:t> </a:t>
-            </a:r>
-            <a:r>
-              <a:rPr lang="en-US" sz="2400" dirty="0" err="1" smtClean="0"/>
-              <a:t>phỏng</a:t>
-            </a:r>
-            <a:r>
-              <a:rPr lang="en-US" sz="2400" dirty="0" smtClean="0"/>
-              <a:t> </a:t>
-            </a:r>
-            <a:r>
-              <a:rPr lang="en-US" sz="2400" dirty="0" err="1" smtClean="0"/>
-              <a:t>vấn</a:t>
-            </a:r>
-            <a:r>
-              <a:rPr lang="en-US" sz="2400" dirty="0" smtClean="0"/>
-              <a:t>, </a:t>
-            </a:r>
-            <a:r>
-              <a:rPr lang="en-US" sz="2400" dirty="0" err="1" smtClean="0"/>
-              <a:t>nội</a:t>
-            </a:r>
-            <a:r>
-              <a:rPr lang="en-US" sz="2400" dirty="0" smtClean="0"/>
-              <a:t> dung </a:t>
-            </a:r>
-            <a:r>
-              <a:rPr lang="en-US" sz="2400" dirty="0" err="1" smtClean="0"/>
-              <a:t>phỏng</a:t>
-            </a:r>
-            <a:r>
-              <a:rPr lang="en-US" sz="2400" dirty="0" smtClean="0"/>
-              <a:t> </a:t>
-            </a:r>
-            <a:r>
-              <a:rPr lang="en-US" sz="2400" dirty="0" err="1" smtClean="0"/>
-              <a:t>vấn</a:t>
-            </a:r>
-            <a:r>
-              <a:rPr lang="en-US" sz="2400" dirty="0" smtClean="0"/>
-              <a:t>)</a:t>
-            </a:r>
-            <a:endParaRPr lang="en-US" sz="2400" dirty="0"/>
+              <a:t>  - </a:t>
+            </a:r>
+            <a:r>
+              <a:rPr lang="en-US" sz="2400" dirty="0" err="1" smtClean="0">
+                <a:latin typeface="Arial" panose="020B0604020202020204" pitchFamily="34" charset="0"/>
+                <a:cs typeface="Arial" panose="020B0604020202020204" pitchFamily="34" charset="0"/>
+              </a:rPr>
+              <a:t>Họ</a:t>
+            </a:r>
+            <a:r>
+              <a:rPr lang="en-US" sz="2400" dirty="0" smtClean="0">
+                <a:latin typeface="Arial" panose="020B0604020202020204" pitchFamily="34" charset="0"/>
+                <a:cs typeface="Arial" panose="020B0604020202020204" pitchFamily="34" charset="0"/>
+              </a:rPr>
+              <a:t> </a:t>
+            </a:r>
+            <a:r>
+              <a:rPr lang="en-US" sz="2400" dirty="0" err="1" smtClean="0">
+                <a:latin typeface="Arial" panose="020B0604020202020204" pitchFamily="34" charset="0"/>
+                <a:cs typeface="Arial" panose="020B0604020202020204" pitchFamily="34" charset="0"/>
+              </a:rPr>
+              <a:t>và</a:t>
+            </a:r>
+            <a:r>
+              <a:rPr lang="en-US" sz="2400" dirty="0" smtClean="0">
+                <a:latin typeface="Arial" panose="020B0604020202020204" pitchFamily="34" charset="0"/>
+                <a:cs typeface="Arial" panose="020B0604020202020204" pitchFamily="34" charset="0"/>
+              </a:rPr>
+              <a:t> </a:t>
+            </a:r>
+            <a:r>
+              <a:rPr lang="en-US" sz="2400" dirty="0" err="1" smtClean="0">
+                <a:latin typeface="Arial" panose="020B0604020202020204" pitchFamily="34" charset="0"/>
+                <a:cs typeface="Arial" panose="020B0604020202020204" pitchFamily="34" charset="0"/>
+              </a:rPr>
+              <a:t>tên</a:t>
+            </a:r>
+            <a:r>
+              <a:rPr lang="en-US" sz="2400" dirty="0" smtClean="0">
+                <a:latin typeface="Arial" panose="020B0604020202020204" pitchFamily="34" charset="0"/>
+                <a:cs typeface="Arial" panose="020B0604020202020204" pitchFamily="34" charset="0"/>
+              </a:rPr>
+              <a:t> : </a:t>
+            </a:r>
+            <a:r>
+              <a:rPr lang="en-US" sz="2400" dirty="0" err="1" smtClean="0">
+                <a:latin typeface="Arial" panose="020B0604020202020204" pitchFamily="34" charset="0"/>
+                <a:cs typeface="Arial" panose="020B0604020202020204" pitchFamily="34" charset="0"/>
+              </a:rPr>
+              <a:t>Nguyễn</a:t>
+            </a:r>
+            <a:r>
+              <a:rPr lang="en-US" sz="2400" dirty="0" smtClean="0">
+                <a:latin typeface="Arial" panose="020B0604020202020204" pitchFamily="34" charset="0"/>
+                <a:cs typeface="Arial" panose="020B0604020202020204" pitchFamily="34" charset="0"/>
+              </a:rPr>
+              <a:t> </a:t>
+            </a:r>
+            <a:r>
+              <a:rPr lang="en-US" sz="2400" dirty="0" err="1" smtClean="0">
+                <a:latin typeface="Arial" panose="020B0604020202020204" pitchFamily="34" charset="0"/>
+                <a:cs typeface="Arial" panose="020B0604020202020204" pitchFamily="34" charset="0"/>
+              </a:rPr>
+              <a:t>Thanh</a:t>
+            </a:r>
+            <a:r>
+              <a:rPr lang="en-US" sz="2400" dirty="0" smtClean="0">
+                <a:latin typeface="Arial" panose="020B0604020202020204" pitchFamily="34" charset="0"/>
+                <a:cs typeface="Arial" panose="020B0604020202020204" pitchFamily="34" charset="0"/>
+              </a:rPr>
+              <a:t> </a:t>
+            </a:r>
+            <a:r>
+              <a:rPr lang="en-US" sz="2400" dirty="0" err="1" smtClean="0">
+                <a:latin typeface="Arial" panose="020B0604020202020204" pitchFamily="34" charset="0"/>
+                <a:cs typeface="Arial" panose="020B0604020202020204" pitchFamily="34" charset="0"/>
+              </a:rPr>
+              <a:t>Danh</a:t>
+            </a:r>
+            <a:r>
+              <a:rPr lang="en-US" sz="2400" dirty="0" smtClean="0">
+                <a:latin typeface="Arial" panose="020B0604020202020204" pitchFamily="34" charset="0"/>
+                <a:cs typeface="Arial" panose="020B0604020202020204" pitchFamily="34" charset="0"/>
+              </a:rPr>
+              <a:t> – Leader </a:t>
+            </a:r>
+            <a:r>
+              <a:rPr lang="en-US" sz="2400" dirty="0" err="1" smtClean="0">
+                <a:latin typeface="Arial" panose="020B0604020202020204" pitchFamily="34" charset="0"/>
+                <a:cs typeface="Arial" panose="020B0604020202020204" pitchFamily="34" charset="0"/>
+              </a:rPr>
+              <a:t>thiết</a:t>
+            </a:r>
+            <a:r>
+              <a:rPr lang="en-US" sz="2400" dirty="0" smtClean="0">
+                <a:latin typeface="Arial" panose="020B0604020202020204" pitchFamily="34" charset="0"/>
+                <a:cs typeface="Arial" panose="020B0604020202020204" pitchFamily="34" charset="0"/>
+              </a:rPr>
+              <a:t> </a:t>
+            </a:r>
+            <a:r>
+              <a:rPr lang="en-US" sz="2400" dirty="0" err="1" smtClean="0">
+                <a:latin typeface="Arial" panose="020B0604020202020204" pitchFamily="34" charset="0"/>
+                <a:cs typeface="Arial" panose="020B0604020202020204" pitchFamily="34" charset="0"/>
+              </a:rPr>
+              <a:t>kế</a:t>
+            </a:r>
+            <a:r>
+              <a:rPr lang="en-US" sz="2400" dirty="0" smtClean="0">
+                <a:latin typeface="Arial" panose="020B0604020202020204" pitchFamily="34" charset="0"/>
+                <a:cs typeface="Arial" panose="020B0604020202020204" pitchFamily="34" charset="0"/>
+              </a:rPr>
+              <a:t> </a:t>
+            </a:r>
+            <a:r>
+              <a:rPr lang="en-US" sz="2400" dirty="0" err="1" smtClean="0">
+                <a:latin typeface="Arial" panose="020B0604020202020204" pitchFamily="34" charset="0"/>
+                <a:cs typeface="Arial" panose="020B0604020202020204" pitchFamily="34" charset="0"/>
+              </a:rPr>
+              <a:t>dự</a:t>
+            </a:r>
+            <a:r>
+              <a:rPr lang="en-US" sz="2400" dirty="0" smtClean="0">
+                <a:latin typeface="Arial" panose="020B0604020202020204" pitchFamily="34" charset="0"/>
+                <a:cs typeface="Arial" panose="020B0604020202020204" pitchFamily="34" charset="0"/>
+              </a:rPr>
+              <a:t> </a:t>
+            </a:r>
+            <a:r>
+              <a:rPr lang="en-US" sz="2400" dirty="0" err="1" smtClean="0">
+                <a:latin typeface="Arial" panose="020B0604020202020204" pitchFamily="34" charset="0"/>
+                <a:cs typeface="Arial" panose="020B0604020202020204" pitchFamily="34" charset="0"/>
+              </a:rPr>
+              <a:t>án</a:t>
+            </a:r>
+            <a:r>
+              <a:rPr lang="en-US" sz="2400" dirty="0" smtClean="0">
+                <a:latin typeface="Arial" panose="020B0604020202020204" pitchFamily="34" charset="0"/>
+                <a:cs typeface="Arial" panose="020B0604020202020204" pitchFamily="34" charset="0"/>
+              </a:rPr>
+              <a:t> </a:t>
+            </a:r>
+            <a:r>
+              <a:rPr lang="en-US" sz="2400" dirty="0" err="1" smtClean="0">
+                <a:latin typeface="Arial" panose="020B0604020202020204" pitchFamily="34" charset="0"/>
+                <a:cs typeface="Arial" panose="020B0604020202020204" pitchFamily="34" charset="0"/>
+              </a:rPr>
+              <a:t>phòng</a:t>
+            </a:r>
+            <a:r>
+              <a:rPr lang="en-US" sz="2400" dirty="0" smtClean="0">
+                <a:latin typeface="Arial" panose="020B0604020202020204" pitchFamily="34" charset="0"/>
+                <a:cs typeface="Arial" panose="020B0604020202020204" pitchFamily="34" charset="0"/>
+              </a:rPr>
+              <a:t> 2</a:t>
+            </a:r>
+          </a:p>
+          <a:p>
+            <a:pPr marL="0" indent="0">
+              <a:buNone/>
+            </a:pPr>
+            <a:r>
+              <a:rPr lang="en-US" sz="2400" dirty="0">
+                <a:latin typeface="Arial" panose="020B0604020202020204" pitchFamily="34" charset="0"/>
+                <a:cs typeface="Arial" panose="020B0604020202020204" pitchFamily="34" charset="0"/>
+              </a:rPr>
+              <a:t> </a:t>
+            </a:r>
+            <a:r>
+              <a:rPr lang="en-US" sz="2400" dirty="0" smtClean="0">
+                <a:latin typeface="Arial" panose="020B0604020202020204" pitchFamily="34" charset="0"/>
+                <a:cs typeface="Arial" panose="020B0604020202020204" pitchFamily="34" charset="0"/>
+              </a:rPr>
+              <a:t>  - </a:t>
+            </a:r>
+            <a:r>
+              <a:rPr lang="en-US" sz="2400" dirty="0" err="1" smtClean="0">
+                <a:latin typeface="Arial" panose="020B0604020202020204" pitchFamily="34" charset="0"/>
+                <a:cs typeface="Arial" panose="020B0604020202020204" pitchFamily="34" charset="0"/>
+              </a:rPr>
+              <a:t>Họ</a:t>
+            </a:r>
+            <a:r>
+              <a:rPr lang="en-US" sz="2400" dirty="0" smtClean="0">
+                <a:latin typeface="Arial" panose="020B0604020202020204" pitchFamily="34" charset="0"/>
+                <a:cs typeface="Arial" panose="020B0604020202020204" pitchFamily="34" charset="0"/>
+              </a:rPr>
+              <a:t> </a:t>
+            </a:r>
+            <a:r>
+              <a:rPr lang="en-US" sz="2400" dirty="0" err="1" smtClean="0">
+                <a:latin typeface="Arial" panose="020B0604020202020204" pitchFamily="34" charset="0"/>
+                <a:cs typeface="Arial" panose="020B0604020202020204" pitchFamily="34" charset="0"/>
+              </a:rPr>
+              <a:t>và</a:t>
+            </a:r>
+            <a:r>
+              <a:rPr lang="en-US" sz="2400" dirty="0" smtClean="0">
+                <a:latin typeface="Arial" panose="020B0604020202020204" pitchFamily="34" charset="0"/>
+                <a:cs typeface="Arial" panose="020B0604020202020204" pitchFamily="34" charset="0"/>
+              </a:rPr>
+              <a:t> </a:t>
+            </a:r>
+            <a:r>
+              <a:rPr lang="en-US" sz="2400" dirty="0" err="1" smtClean="0">
+                <a:latin typeface="Arial" panose="020B0604020202020204" pitchFamily="34" charset="0"/>
+                <a:cs typeface="Arial" panose="020B0604020202020204" pitchFamily="34" charset="0"/>
+              </a:rPr>
+              <a:t>tên</a:t>
+            </a:r>
+            <a:r>
+              <a:rPr lang="en-US" sz="2400" dirty="0" smtClean="0">
+                <a:latin typeface="Arial" panose="020B0604020202020204" pitchFamily="34" charset="0"/>
+                <a:cs typeface="Arial" panose="020B0604020202020204" pitchFamily="34" charset="0"/>
+              </a:rPr>
+              <a:t> : </a:t>
+            </a:r>
+            <a:r>
+              <a:rPr lang="en-US" sz="2400" dirty="0" err="1" smtClean="0">
+                <a:latin typeface="Arial" panose="020B0604020202020204" pitchFamily="34" charset="0"/>
+                <a:cs typeface="Arial" panose="020B0604020202020204" pitchFamily="34" charset="0"/>
+              </a:rPr>
+              <a:t>Nguyễn</a:t>
+            </a:r>
+            <a:r>
+              <a:rPr lang="en-US" sz="2400" dirty="0" smtClean="0">
+                <a:latin typeface="Arial" panose="020B0604020202020204" pitchFamily="34" charset="0"/>
+                <a:cs typeface="Arial" panose="020B0604020202020204" pitchFamily="34" charset="0"/>
+              </a:rPr>
+              <a:t> </a:t>
+            </a:r>
+            <a:r>
+              <a:rPr lang="en-US" sz="2400" dirty="0" err="1" smtClean="0">
+                <a:latin typeface="Arial" panose="020B0604020202020204" pitchFamily="34" charset="0"/>
+                <a:cs typeface="Arial" panose="020B0604020202020204" pitchFamily="34" charset="0"/>
+              </a:rPr>
+              <a:t>Hoàng</a:t>
+            </a:r>
+            <a:r>
+              <a:rPr lang="en-US" sz="2400" dirty="0" smtClean="0">
+                <a:latin typeface="Arial" panose="020B0604020202020204" pitchFamily="34" charset="0"/>
+                <a:cs typeface="Arial" panose="020B0604020202020204" pitchFamily="34" charset="0"/>
+              </a:rPr>
+              <a:t> </a:t>
+            </a:r>
+            <a:r>
+              <a:rPr lang="en-US" sz="2400" dirty="0" err="1" smtClean="0">
+                <a:latin typeface="Arial" panose="020B0604020202020204" pitchFamily="34" charset="0"/>
+                <a:cs typeface="Arial" panose="020B0604020202020204" pitchFamily="34" charset="0"/>
+              </a:rPr>
+              <a:t>Việt</a:t>
+            </a:r>
+            <a:r>
+              <a:rPr lang="en-US" sz="2400" dirty="0" smtClean="0">
+                <a:latin typeface="Arial" panose="020B0604020202020204" pitchFamily="34" charset="0"/>
+                <a:cs typeface="Arial" panose="020B0604020202020204" pitchFamily="34" charset="0"/>
+              </a:rPr>
+              <a:t> – Leader </a:t>
+            </a:r>
+            <a:r>
+              <a:rPr lang="en-US" sz="2400" dirty="0" err="1" smtClean="0">
+                <a:latin typeface="Arial" panose="020B0604020202020204" pitchFamily="34" charset="0"/>
+                <a:cs typeface="Arial" panose="020B0604020202020204" pitchFamily="34" charset="0"/>
+              </a:rPr>
+              <a:t>thiết</a:t>
+            </a:r>
+            <a:r>
+              <a:rPr lang="en-US" sz="2400" dirty="0" smtClean="0">
+                <a:latin typeface="Arial" panose="020B0604020202020204" pitchFamily="34" charset="0"/>
+                <a:cs typeface="Arial" panose="020B0604020202020204" pitchFamily="34" charset="0"/>
+              </a:rPr>
+              <a:t> </a:t>
+            </a:r>
+            <a:r>
+              <a:rPr lang="en-US" sz="2400" dirty="0" err="1" smtClean="0">
+                <a:latin typeface="Arial" panose="020B0604020202020204" pitchFamily="34" charset="0"/>
+                <a:cs typeface="Arial" panose="020B0604020202020204" pitchFamily="34" charset="0"/>
+              </a:rPr>
+              <a:t>kế</a:t>
+            </a:r>
+            <a:r>
+              <a:rPr lang="en-US" sz="2400" dirty="0" smtClean="0">
+                <a:latin typeface="Arial" panose="020B0604020202020204" pitchFamily="34" charset="0"/>
+                <a:cs typeface="Arial" panose="020B0604020202020204" pitchFamily="34" charset="0"/>
+              </a:rPr>
+              <a:t> </a:t>
+            </a:r>
+            <a:r>
+              <a:rPr lang="en-US" sz="2400" dirty="0" err="1" smtClean="0">
+                <a:latin typeface="Arial" panose="020B0604020202020204" pitchFamily="34" charset="0"/>
+                <a:cs typeface="Arial" panose="020B0604020202020204" pitchFamily="34" charset="0"/>
+              </a:rPr>
+              <a:t>dự</a:t>
+            </a:r>
+            <a:r>
+              <a:rPr lang="en-US" sz="2400" dirty="0" smtClean="0">
+                <a:latin typeface="Arial" panose="020B0604020202020204" pitchFamily="34" charset="0"/>
+                <a:cs typeface="Arial" panose="020B0604020202020204" pitchFamily="34" charset="0"/>
+              </a:rPr>
+              <a:t> </a:t>
+            </a:r>
+            <a:r>
+              <a:rPr lang="en-US" sz="2400" dirty="0" err="1" smtClean="0">
+                <a:latin typeface="Arial" panose="020B0604020202020204" pitchFamily="34" charset="0"/>
+                <a:cs typeface="Arial" panose="020B0604020202020204" pitchFamily="34" charset="0"/>
+              </a:rPr>
+              <a:t>án</a:t>
+            </a:r>
+            <a:r>
+              <a:rPr lang="en-US" sz="2400" dirty="0" smtClean="0">
+                <a:latin typeface="Arial" panose="020B0604020202020204" pitchFamily="34" charset="0"/>
+                <a:cs typeface="Arial" panose="020B0604020202020204" pitchFamily="34" charset="0"/>
+              </a:rPr>
+              <a:t> </a:t>
+            </a:r>
+            <a:r>
+              <a:rPr lang="en-US" sz="2400" dirty="0" err="1" smtClean="0">
+                <a:latin typeface="Arial" panose="020B0604020202020204" pitchFamily="34" charset="0"/>
+                <a:cs typeface="Arial" panose="020B0604020202020204" pitchFamily="34" charset="0"/>
+              </a:rPr>
+              <a:t>phòng</a:t>
+            </a:r>
+            <a:r>
+              <a:rPr lang="en-US" sz="2400" dirty="0" smtClean="0">
+                <a:latin typeface="Arial" panose="020B0604020202020204" pitchFamily="34" charset="0"/>
+                <a:cs typeface="Arial" panose="020B0604020202020204" pitchFamily="34" charset="0"/>
+              </a:rPr>
+              <a:t> 2</a:t>
+            </a:r>
+          </a:p>
+          <a:p>
+            <a:pPr marL="0" indent="0">
+              <a:buNone/>
+            </a:pPr>
+            <a:r>
+              <a:rPr lang="en-US" sz="2400" dirty="0">
+                <a:latin typeface="Arial" panose="020B0604020202020204" pitchFamily="34" charset="0"/>
+                <a:cs typeface="Arial" panose="020B0604020202020204" pitchFamily="34" charset="0"/>
+              </a:rPr>
+              <a:t> </a:t>
+            </a:r>
+            <a:r>
+              <a:rPr lang="en-US" sz="2400" dirty="0" smtClean="0">
+                <a:latin typeface="Arial" panose="020B0604020202020204" pitchFamily="34" charset="0"/>
+                <a:cs typeface="Arial" panose="020B0604020202020204" pitchFamily="34" charset="0"/>
+              </a:rPr>
+              <a:t>  </a:t>
+            </a:r>
+            <a:endParaRPr lang="en-US" sz="2400" dirty="0" smtClean="0"/>
           </a:p>
         </p:txBody>
       </p:sp>
@@ -11236,10 +11919,1044 @@
         </p:nvSpPr>
         <p:spPr/>
         <p:txBody>
-          <a:bodyPr/>
+          <a:bodyPr>
+            <a:normAutofit/>
+          </a:bodyPr>
           <a:lstStyle/>
           <a:p>
-            <a:endParaRPr lang="en-US"/>
+            <a:pPr>
+              <a:buFont typeface="Arial" panose="020B0604020202020204" pitchFamily="34" charset="0"/>
+              <a:buChar char="•"/>
+            </a:pPr>
+            <a:r>
+              <a:rPr lang="en-US" sz="2400" dirty="0" err="1" smtClean="0">
+                <a:latin typeface="Arial" panose="020B0604020202020204" pitchFamily="34" charset="0"/>
+                <a:cs typeface="Arial" panose="020B0604020202020204" pitchFamily="34" charset="0"/>
+              </a:rPr>
+              <a:t>Anh</a:t>
+            </a:r>
+            <a:r>
+              <a:rPr lang="en-US" sz="2400" dirty="0" smtClean="0">
+                <a:latin typeface="Arial" panose="020B0604020202020204" pitchFamily="34" charset="0"/>
+                <a:cs typeface="Arial" panose="020B0604020202020204" pitchFamily="34" charset="0"/>
+              </a:rPr>
+              <a:t> </a:t>
+            </a:r>
+            <a:r>
+              <a:rPr lang="en-US" sz="2400" dirty="0" err="1" smtClean="0">
+                <a:latin typeface="Arial" panose="020B0604020202020204" pitchFamily="34" charset="0"/>
+                <a:cs typeface="Arial" panose="020B0604020202020204" pitchFamily="34" charset="0"/>
+              </a:rPr>
+              <a:t>đã</a:t>
+            </a:r>
+            <a:r>
+              <a:rPr lang="en-US" sz="2400" dirty="0" smtClean="0">
+                <a:latin typeface="Arial" panose="020B0604020202020204" pitchFamily="34" charset="0"/>
+                <a:cs typeface="Arial" panose="020B0604020202020204" pitchFamily="34" charset="0"/>
+              </a:rPr>
+              <a:t> </a:t>
+            </a:r>
+            <a:r>
+              <a:rPr lang="en-US" sz="2400" dirty="0" err="1" smtClean="0">
+                <a:latin typeface="Arial" panose="020B0604020202020204" pitchFamily="34" charset="0"/>
+                <a:cs typeface="Arial" panose="020B0604020202020204" pitchFamily="34" charset="0"/>
+              </a:rPr>
+              <a:t>từng</a:t>
+            </a:r>
+            <a:r>
+              <a:rPr lang="en-US" sz="2400" dirty="0" smtClean="0">
+                <a:latin typeface="Arial" panose="020B0604020202020204" pitchFamily="34" charset="0"/>
+                <a:cs typeface="Arial" panose="020B0604020202020204" pitchFamily="34" charset="0"/>
+              </a:rPr>
+              <a:t> </a:t>
+            </a:r>
+            <a:r>
+              <a:rPr lang="en-US" sz="2400" dirty="0" err="1" smtClean="0">
+                <a:latin typeface="Arial" panose="020B0604020202020204" pitchFamily="34" charset="0"/>
+                <a:cs typeface="Arial" panose="020B0604020202020204" pitchFamily="34" charset="0"/>
+              </a:rPr>
+              <a:t>học</a:t>
+            </a:r>
+            <a:r>
+              <a:rPr lang="en-US" sz="2400" dirty="0" smtClean="0">
+                <a:latin typeface="Arial" panose="020B0604020202020204" pitchFamily="34" charset="0"/>
+                <a:cs typeface="Arial" panose="020B0604020202020204" pitchFamily="34" charset="0"/>
+              </a:rPr>
+              <a:t> </a:t>
+            </a:r>
+            <a:r>
+              <a:rPr lang="en-US" sz="2400" dirty="0" err="1" smtClean="0">
+                <a:latin typeface="Arial" panose="020B0604020202020204" pitchFamily="34" charset="0"/>
+                <a:cs typeface="Arial" panose="020B0604020202020204" pitchFamily="34" charset="0"/>
+              </a:rPr>
+              <a:t>trường</a:t>
+            </a:r>
+            <a:r>
+              <a:rPr lang="en-US" sz="2400" dirty="0" smtClean="0">
+                <a:latin typeface="Arial" panose="020B0604020202020204" pitchFamily="34" charset="0"/>
+                <a:cs typeface="Arial" panose="020B0604020202020204" pitchFamily="34" charset="0"/>
+              </a:rPr>
+              <a:t> </a:t>
+            </a:r>
+            <a:r>
+              <a:rPr lang="en-US" sz="2400" dirty="0" err="1" smtClean="0">
+                <a:latin typeface="Arial" panose="020B0604020202020204" pitchFamily="34" charset="0"/>
+                <a:cs typeface="Arial" panose="020B0604020202020204" pitchFamily="34" charset="0"/>
+              </a:rPr>
+              <a:t>nào</a:t>
+            </a:r>
+            <a:r>
+              <a:rPr lang="en-US" sz="2400" dirty="0" smtClean="0">
+                <a:latin typeface="Arial" panose="020B0604020202020204" pitchFamily="34" charset="0"/>
+                <a:cs typeface="Arial" panose="020B0604020202020204" pitchFamily="34" charset="0"/>
+              </a:rPr>
+              <a:t> ?</a:t>
+            </a:r>
+          </a:p>
+          <a:p>
+            <a:pPr>
+              <a:buFont typeface="Arial" panose="020B0604020202020204" pitchFamily="34" charset="0"/>
+              <a:buChar char="•"/>
+            </a:pPr>
+            <a:r>
+              <a:rPr lang="en-US" sz="2400" dirty="0" err="1" smtClean="0">
+                <a:latin typeface="Arial" panose="020B0604020202020204" pitchFamily="34" charset="0"/>
+                <a:cs typeface="Arial" panose="020B0604020202020204" pitchFamily="34" charset="0"/>
+              </a:rPr>
+              <a:t>Trong</a:t>
+            </a:r>
+            <a:r>
+              <a:rPr lang="en-US" sz="2400" dirty="0" smtClean="0">
+                <a:latin typeface="Arial" panose="020B0604020202020204" pitchFamily="34" charset="0"/>
+                <a:cs typeface="Arial" panose="020B0604020202020204" pitchFamily="34" charset="0"/>
+              </a:rPr>
+              <a:t> </a:t>
+            </a:r>
+            <a:r>
+              <a:rPr lang="en-US" sz="2400" dirty="0" err="1" smtClean="0">
+                <a:latin typeface="Arial" panose="020B0604020202020204" pitchFamily="34" charset="0"/>
+                <a:cs typeface="Arial" panose="020B0604020202020204" pitchFamily="34" charset="0"/>
+              </a:rPr>
+              <a:t>quá</a:t>
+            </a:r>
+            <a:r>
+              <a:rPr lang="en-US" sz="2400" dirty="0" smtClean="0">
+                <a:latin typeface="Arial" panose="020B0604020202020204" pitchFamily="34" charset="0"/>
+                <a:cs typeface="Arial" panose="020B0604020202020204" pitchFamily="34" charset="0"/>
+              </a:rPr>
+              <a:t> </a:t>
+            </a:r>
+            <a:r>
+              <a:rPr lang="en-US" sz="2400" dirty="0" err="1" smtClean="0">
+                <a:latin typeface="Arial" panose="020B0604020202020204" pitchFamily="34" charset="0"/>
+                <a:cs typeface="Arial" panose="020B0604020202020204" pitchFamily="34" charset="0"/>
+              </a:rPr>
+              <a:t>trình</a:t>
+            </a:r>
+            <a:r>
+              <a:rPr lang="en-US" sz="2400" dirty="0" smtClean="0">
+                <a:latin typeface="Arial" panose="020B0604020202020204" pitchFamily="34" charset="0"/>
+                <a:cs typeface="Arial" panose="020B0604020202020204" pitchFamily="34" charset="0"/>
+              </a:rPr>
+              <a:t> </a:t>
+            </a:r>
+            <a:r>
+              <a:rPr lang="en-US" sz="2400" dirty="0" err="1" smtClean="0">
+                <a:latin typeface="Arial" panose="020B0604020202020204" pitchFamily="34" charset="0"/>
+                <a:cs typeface="Arial" panose="020B0604020202020204" pitchFamily="34" charset="0"/>
+              </a:rPr>
+              <a:t>học</a:t>
+            </a:r>
+            <a:r>
+              <a:rPr lang="en-US" sz="2400" dirty="0" smtClean="0">
+                <a:latin typeface="Arial" panose="020B0604020202020204" pitchFamily="34" charset="0"/>
+                <a:cs typeface="Arial" panose="020B0604020202020204" pitchFamily="34" charset="0"/>
+              </a:rPr>
+              <a:t> </a:t>
+            </a:r>
+            <a:r>
+              <a:rPr lang="en-US" sz="2400" dirty="0" err="1" smtClean="0">
+                <a:latin typeface="Arial" panose="020B0604020202020204" pitchFamily="34" charset="0"/>
+                <a:cs typeface="Arial" panose="020B0604020202020204" pitchFamily="34" charset="0"/>
+              </a:rPr>
+              <a:t>tập</a:t>
+            </a:r>
+            <a:r>
+              <a:rPr lang="en-US" sz="2400" dirty="0" smtClean="0">
+                <a:latin typeface="Arial" panose="020B0604020202020204" pitchFamily="34" charset="0"/>
+                <a:cs typeface="Arial" panose="020B0604020202020204" pitchFamily="34" charset="0"/>
+              </a:rPr>
+              <a:t> </a:t>
+            </a:r>
+            <a:r>
+              <a:rPr lang="en-US" sz="2400" dirty="0" err="1" smtClean="0">
+                <a:latin typeface="Arial" panose="020B0604020202020204" pitchFamily="34" charset="0"/>
+                <a:cs typeface="Arial" panose="020B0604020202020204" pitchFamily="34" charset="0"/>
+              </a:rPr>
+              <a:t>anh</a:t>
+            </a:r>
+            <a:r>
+              <a:rPr lang="en-US" sz="2400" dirty="0" smtClean="0">
+                <a:latin typeface="Arial" panose="020B0604020202020204" pitchFamily="34" charset="0"/>
+                <a:cs typeface="Arial" panose="020B0604020202020204" pitchFamily="34" charset="0"/>
+              </a:rPr>
+              <a:t> </a:t>
+            </a:r>
+            <a:r>
+              <a:rPr lang="en-US" sz="2400" dirty="0" err="1" smtClean="0">
+                <a:latin typeface="Arial" panose="020B0604020202020204" pitchFamily="34" charset="0"/>
+                <a:cs typeface="Arial" panose="020B0604020202020204" pitchFamily="34" charset="0"/>
+              </a:rPr>
+              <a:t>đã</a:t>
+            </a:r>
+            <a:r>
+              <a:rPr lang="en-US" sz="2400" dirty="0" smtClean="0">
+                <a:latin typeface="Arial" panose="020B0604020202020204" pitchFamily="34" charset="0"/>
+                <a:cs typeface="Arial" panose="020B0604020202020204" pitchFamily="34" charset="0"/>
+              </a:rPr>
+              <a:t> </a:t>
+            </a:r>
+            <a:r>
+              <a:rPr lang="en-US" sz="2400" dirty="0" err="1" smtClean="0">
+                <a:latin typeface="Arial" panose="020B0604020202020204" pitchFamily="34" charset="0"/>
+                <a:cs typeface="Arial" panose="020B0604020202020204" pitchFamily="34" charset="0"/>
+              </a:rPr>
+              <a:t>gặp</a:t>
+            </a:r>
+            <a:r>
+              <a:rPr lang="en-US" sz="2400" dirty="0" smtClean="0">
+                <a:latin typeface="Arial" panose="020B0604020202020204" pitchFamily="34" charset="0"/>
+                <a:cs typeface="Arial" panose="020B0604020202020204" pitchFamily="34" charset="0"/>
+              </a:rPr>
+              <a:t> </a:t>
+            </a:r>
+            <a:r>
+              <a:rPr lang="en-US" sz="2400" dirty="0" err="1" smtClean="0">
+                <a:latin typeface="Arial" panose="020B0604020202020204" pitchFamily="34" charset="0"/>
+                <a:cs typeface="Arial" panose="020B0604020202020204" pitchFamily="34" charset="0"/>
+              </a:rPr>
+              <a:t>những</a:t>
+            </a:r>
+            <a:r>
+              <a:rPr lang="en-US" sz="2400" dirty="0" smtClean="0">
+                <a:latin typeface="Arial" panose="020B0604020202020204" pitchFamily="34" charset="0"/>
+                <a:cs typeface="Arial" panose="020B0604020202020204" pitchFamily="34" charset="0"/>
+              </a:rPr>
+              <a:t> </a:t>
+            </a:r>
+            <a:r>
+              <a:rPr lang="en-US" sz="2400" dirty="0" err="1" smtClean="0">
+                <a:latin typeface="Arial" panose="020B0604020202020204" pitchFamily="34" charset="0"/>
+                <a:cs typeface="Arial" panose="020B0604020202020204" pitchFamily="34" charset="0"/>
+              </a:rPr>
+              <a:t>khó</a:t>
+            </a:r>
+            <a:r>
+              <a:rPr lang="en-US" sz="2400" dirty="0" smtClean="0">
+                <a:latin typeface="Arial" panose="020B0604020202020204" pitchFamily="34" charset="0"/>
+                <a:cs typeface="Arial" panose="020B0604020202020204" pitchFamily="34" charset="0"/>
+              </a:rPr>
+              <a:t> </a:t>
+            </a:r>
+            <a:r>
+              <a:rPr lang="en-US" sz="2400" dirty="0" err="1" smtClean="0">
+                <a:latin typeface="Arial" panose="020B0604020202020204" pitchFamily="34" charset="0"/>
+                <a:cs typeface="Arial" panose="020B0604020202020204" pitchFamily="34" charset="0"/>
+              </a:rPr>
+              <a:t>khăn</a:t>
+            </a:r>
+            <a:r>
+              <a:rPr lang="en-US" sz="2400" dirty="0" smtClean="0">
+                <a:latin typeface="Arial" panose="020B0604020202020204" pitchFamily="34" charset="0"/>
+                <a:cs typeface="Arial" panose="020B0604020202020204" pitchFamily="34" charset="0"/>
+              </a:rPr>
+              <a:t> </a:t>
+            </a:r>
+            <a:r>
+              <a:rPr lang="en-US" sz="2400" dirty="0" err="1" smtClean="0">
+                <a:latin typeface="Arial" panose="020B0604020202020204" pitchFamily="34" charset="0"/>
+                <a:cs typeface="Arial" panose="020B0604020202020204" pitchFamily="34" charset="0"/>
+              </a:rPr>
+              <a:t>gì</a:t>
+            </a:r>
+            <a:r>
+              <a:rPr lang="en-US" sz="2400" dirty="0" smtClean="0">
+                <a:latin typeface="Arial" panose="020B0604020202020204" pitchFamily="34" charset="0"/>
+                <a:cs typeface="Arial" panose="020B0604020202020204" pitchFamily="34" charset="0"/>
+              </a:rPr>
+              <a:t> ?</a:t>
+            </a:r>
+          </a:p>
+          <a:p>
+            <a:pPr>
+              <a:buFont typeface="Arial" panose="020B0604020202020204" pitchFamily="34" charset="0"/>
+              <a:buChar char="•"/>
+            </a:pPr>
+            <a:r>
+              <a:rPr lang="en-US" sz="2400" dirty="0" err="1" smtClean="0">
+                <a:latin typeface="Arial" panose="020B0604020202020204" pitchFamily="34" charset="0"/>
+                <a:cs typeface="Arial" panose="020B0604020202020204" pitchFamily="34" charset="0"/>
+              </a:rPr>
+              <a:t>Khi</a:t>
+            </a:r>
+            <a:r>
+              <a:rPr lang="en-US" sz="2400" dirty="0" smtClean="0">
+                <a:latin typeface="Arial" panose="020B0604020202020204" pitchFamily="34" charset="0"/>
+                <a:cs typeface="Arial" panose="020B0604020202020204" pitchFamily="34" charset="0"/>
+              </a:rPr>
+              <a:t> </a:t>
+            </a:r>
+            <a:r>
+              <a:rPr lang="en-US" sz="2400" dirty="0" err="1" smtClean="0">
+                <a:latin typeface="Arial" panose="020B0604020202020204" pitchFamily="34" charset="0"/>
+                <a:cs typeface="Arial" panose="020B0604020202020204" pitchFamily="34" charset="0"/>
+              </a:rPr>
+              <a:t>đi</a:t>
+            </a:r>
+            <a:r>
+              <a:rPr lang="en-US" sz="2400" dirty="0" smtClean="0">
+                <a:latin typeface="Arial" panose="020B0604020202020204" pitchFamily="34" charset="0"/>
+                <a:cs typeface="Arial" panose="020B0604020202020204" pitchFamily="34" charset="0"/>
+              </a:rPr>
+              <a:t> </a:t>
+            </a:r>
+            <a:r>
+              <a:rPr lang="en-US" sz="2400" dirty="0" err="1" smtClean="0">
+                <a:latin typeface="Arial" panose="020B0604020202020204" pitchFamily="34" charset="0"/>
+                <a:cs typeface="Arial" panose="020B0604020202020204" pitchFamily="34" charset="0"/>
+              </a:rPr>
+              <a:t>thực</a:t>
+            </a:r>
+            <a:r>
+              <a:rPr lang="en-US" sz="2400" dirty="0" smtClean="0">
+                <a:latin typeface="Arial" panose="020B0604020202020204" pitchFamily="34" charset="0"/>
+                <a:cs typeface="Arial" panose="020B0604020202020204" pitchFamily="34" charset="0"/>
+              </a:rPr>
+              <a:t> </a:t>
+            </a:r>
+            <a:r>
+              <a:rPr lang="en-US" sz="2400" dirty="0" err="1" smtClean="0">
+                <a:latin typeface="Arial" panose="020B0604020202020204" pitchFamily="34" charset="0"/>
+                <a:cs typeface="Arial" panose="020B0604020202020204" pitchFamily="34" charset="0"/>
+              </a:rPr>
+              <a:t>tập</a:t>
+            </a:r>
+            <a:r>
+              <a:rPr lang="en-US" sz="2400" dirty="0" smtClean="0">
+                <a:latin typeface="Arial" panose="020B0604020202020204" pitchFamily="34" charset="0"/>
+                <a:cs typeface="Arial" panose="020B0604020202020204" pitchFamily="34" charset="0"/>
+              </a:rPr>
+              <a:t> </a:t>
+            </a:r>
+            <a:r>
+              <a:rPr lang="en-US" sz="2400" dirty="0" err="1" smtClean="0">
+                <a:latin typeface="Arial" panose="020B0604020202020204" pitchFamily="34" charset="0"/>
+                <a:cs typeface="Arial" panose="020B0604020202020204" pitchFamily="34" charset="0"/>
+              </a:rPr>
+              <a:t>thì</a:t>
+            </a:r>
+            <a:r>
+              <a:rPr lang="en-US" sz="2400" dirty="0" smtClean="0">
+                <a:latin typeface="Arial" panose="020B0604020202020204" pitchFamily="34" charset="0"/>
+                <a:cs typeface="Arial" panose="020B0604020202020204" pitchFamily="34" charset="0"/>
+              </a:rPr>
+              <a:t> </a:t>
+            </a:r>
+            <a:r>
+              <a:rPr lang="en-US" sz="2400" dirty="0" err="1" smtClean="0">
+                <a:latin typeface="Arial" panose="020B0604020202020204" pitchFamily="34" charset="0"/>
+                <a:cs typeface="Arial" panose="020B0604020202020204" pitchFamily="34" charset="0"/>
+              </a:rPr>
+              <a:t>anh</a:t>
+            </a:r>
+            <a:r>
+              <a:rPr lang="en-US" sz="2400" dirty="0" smtClean="0">
+                <a:latin typeface="Arial" panose="020B0604020202020204" pitchFamily="34" charset="0"/>
+                <a:cs typeface="Arial" panose="020B0604020202020204" pitchFamily="34" charset="0"/>
+              </a:rPr>
+              <a:t> </a:t>
+            </a:r>
+            <a:r>
+              <a:rPr lang="en-US" sz="2400" dirty="0" err="1" smtClean="0">
+                <a:latin typeface="Arial" panose="020B0604020202020204" pitchFamily="34" charset="0"/>
+                <a:cs typeface="Arial" panose="020B0604020202020204" pitchFamily="34" charset="0"/>
+              </a:rPr>
+              <a:t>có</a:t>
+            </a:r>
+            <a:r>
+              <a:rPr lang="en-US" sz="2400" dirty="0" smtClean="0">
+                <a:latin typeface="Arial" panose="020B0604020202020204" pitchFamily="34" charset="0"/>
+                <a:cs typeface="Arial" panose="020B0604020202020204" pitchFamily="34" charset="0"/>
+              </a:rPr>
+              <a:t> </a:t>
+            </a:r>
+            <a:r>
+              <a:rPr lang="en-US" sz="2400" dirty="0" err="1" smtClean="0">
+                <a:latin typeface="Arial" panose="020B0604020202020204" pitchFamily="34" charset="0"/>
+                <a:cs typeface="Arial" panose="020B0604020202020204" pitchFamily="34" charset="0"/>
+              </a:rPr>
+              <a:t>cảm</a:t>
+            </a:r>
+            <a:r>
+              <a:rPr lang="en-US" sz="2400" dirty="0" smtClean="0">
+                <a:latin typeface="Arial" panose="020B0604020202020204" pitchFamily="34" charset="0"/>
+                <a:cs typeface="Arial" panose="020B0604020202020204" pitchFamily="34" charset="0"/>
+              </a:rPr>
+              <a:t> </a:t>
+            </a:r>
+            <a:r>
+              <a:rPr lang="en-US" sz="2400" dirty="0" err="1" smtClean="0">
+                <a:latin typeface="Arial" panose="020B0604020202020204" pitchFamily="34" charset="0"/>
+                <a:cs typeface="Arial" panose="020B0604020202020204" pitchFamily="34" charset="0"/>
+              </a:rPr>
+              <a:t>thấy</a:t>
+            </a:r>
+            <a:r>
+              <a:rPr lang="en-US" sz="2400" dirty="0" smtClean="0">
+                <a:latin typeface="Arial" panose="020B0604020202020204" pitchFamily="34" charset="0"/>
+                <a:cs typeface="Arial" panose="020B0604020202020204" pitchFamily="34" charset="0"/>
+              </a:rPr>
+              <a:t> </a:t>
+            </a:r>
+            <a:r>
+              <a:rPr lang="en-US" sz="2400" dirty="0" err="1" smtClean="0">
+                <a:latin typeface="Arial" panose="020B0604020202020204" pitchFamily="34" charset="0"/>
+                <a:cs typeface="Arial" panose="020B0604020202020204" pitchFamily="34" charset="0"/>
+              </a:rPr>
+              <a:t>áp</a:t>
+            </a:r>
+            <a:r>
+              <a:rPr lang="en-US" sz="2400" dirty="0" smtClean="0">
+                <a:latin typeface="Arial" panose="020B0604020202020204" pitchFamily="34" charset="0"/>
+                <a:cs typeface="Arial" panose="020B0604020202020204" pitchFamily="34" charset="0"/>
+              </a:rPr>
+              <a:t> </a:t>
+            </a:r>
+            <a:r>
+              <a:rPr lang="en-US" sz="2400" dirty="0" err="1" smtClean="0">
+                <a:latin typeface="Arial" panose="020B0604020202020204" pitchFamily="34" charset="0"/>
+                <a:cs typeface="Arial" panose="020B0604020202020204" pitchFamily="34" charset="0"/>
+              </a:rPr>
+              <a:t>lực</a:t>
+            </a:r>
+            <a:r>
+              <a:rPr lang="en-US" sz="2400" dirty="0" smtClean="0">
+                <a:latin typeface="Arial" panose="020B0604020202020204" pitchFamily="34" charset="0"/>
+                <a:cs typeface="Arial" panose="020B0604020202020204" pitchFamily="34" charset="0"/>
+              </a:rPr>
+              <a:t> </a:t>
+            </a:r>
+            <a:r>
+              <a:rPr lang="en-US" sz="2400" dirty="0" err="1" smtClean="0">
+                <a:latin typeface="Arial" panose="020B0604020202020204" pitchFamily="34" charset="0"/>
+                <a:cs typeface="Arial" panose="020B0604020202020204" pitchFamily="34" charset="0"/>
+              </a:rPr>
+              <a:t>không</a:t>
+            </a:r>
+            <a:r>
+              <a:rPr lang="en-US" sz="2400" dirty="0" smtClean="0">
+                <a:latin typeface="Arial" panose="020B0604020202020204" pitchFamily="34" charset="0"/>
+                <a:cs typeface="Arial" panose="020B0604020202020204" pitchFamily="34" charset="0"/>
+              </a:rPr>
+              <a:t> </a:t>
+            </a:r>
+            <a:r>
+              <a:rPr lang="en-US" sz="2400" dirty="0" err="1" smtClean="0">
+                <a:latin typeface="Arial" panose="020B0604020202020204" pitchFamily="34" charset="0"/>
+                <a:cs typeface="Arial" panose="020B0604020202020204" pitchFamily="34" charset="0"/>
+              </a:rPr>
+              <a:t>và</a:t>
+            </a:r>
+            <a:r>
+              <a:rPr lang="en-US" sz="2400" dirty="0" smtClean="0">
+                <a:latin typeface="Arial" panose="020B0604020202020204" pitchFamily="34" charset="0"/>
+                <a:cs typeface="Arial" panose="020B0604020202020204" pitchFamily="34" charset="0"/>
+              </a:rPr>
+              <a:t> </a:t>
+            </a:r>
+            <a:r>
+              <a:rPr lang="en-US" sz="2400" dirty="0" err="1" smtClean="0">
+                <a:latin typeface="Arial" panose="020B0604020202020204" pitchFamily="34" charset="0"/>
+                <a:cs typeface="Arial" panose="020B0604020202020204" pitchFamily="34" charset="0"/>
+              </a:rPr>
+              <a:t>những</a:t>
+            </a:r>
+            <a:r>
+              <a:rPr lang="en-US" sz="2400" dirty="0" smtClean="0">
+                <a:latin typeface="Arial" panose="020B0604020202020204" pitchFamily="34" charset="0"/>
+                <a:cs typeface="Arial" panose="020B0604020202020204" pitchFamily="34" charset="0"/>
+              </a:rPr>
+              <a:t> </a:t>
+            </a:r>
+            <a:r>
+              <a:rPr lang="en-US" sz="2400" dirty="0" err="1" smtClean="0">
+                <a:latin typeface="Arial" panose="020B0604020202020204" pitchFamily="34" charset="0"/>
+                <a:cs typeface="Arial" panose="020B0604020202020204" pitchFamily="34" charset="0"/>
+              </a:rPr>
+              <a:t>cái</a:t>
+            </a:r>
+            <a:r>
+              <a:rPr lang="en-US" sz="2400" dirty="0" smtClean="0">
+                <a:latin typeface="Arial" panose="020B0604020202020204" pitchFamily="34" charset="0"/>
+                <a:cs typeface="Arial" panose="020B0604020202020204" pitchFamily="34" charset="0"/>
+              </a:rPr>
+              <a:t> </a:t>
+            </a:r>
+            <a:r>
+              <a:rPr lang="en-US" sz="2400" dirty="0" err="1" smtClean="0">
+                <a:latin typeface="Arial" panose="020B0604020202020204" pitchFamily="34" charset="0"/>
+                <a:cs typeface="Arial" panose="020B0604020202020204" pitchFamily="34" charset="0"/>
+              </a:rPr>
+              <a:t>áp</a:t>
+            </a:r>
+            <a:r>
+              <a:rPr lang="en-US" sz="2400" dirty="0" smtClean="0">
+                <a:latin typeface="Arial" panose="020B0604020202020204" pitchFamily="34" charset="0"/>
+                <a:cs typeface="Arial" panose="020B0604020202020204" pitchFamily="34" charset="0"/>
+              </a:rPr>
+              <a:t> </a:t>
+            </a:r>
+            <a:r>
+              <a:rPr lang="en-US" sz="2400" dirty="0" err="1" smtClean="0">
+                <a:latin typeface="Arial" panose="020B0604020202020204" pitchFamily="34" charset="0"/>
+                <a:cs typeface="Arial" panose="020B0604020202020204" pitchFamily="34" charset="0"/>
+              </a:rPr>
+              <a:t>lực</a:t>
+            </a:r>
+            <a:r>
+              <a:rPr lang="en-US" sz="2400" dirty="0" smtClean="0">
+                <a:latin typeface="Arial" panose="020B0604020202020204" pitchFamily="34" charset="0"/>
+                <a:cs typeface="Arial" panose="020B0604020202020204" pitchFamily="34" charset="0"/>
+              </a:rPr>
+              <a:t> </a:t>
+            </a:r>
+            <a:r>
+              <a:rPr lang="en-US" sz="2400" dirty="0" err="1" smtClean="0">
+                <a:latin typeface="Arial" panose="020B0604020202020204" pitchFamily="34" charset="0"/>
+                <a:cs typeface="Arial" panose="020B0604020202020204" pitchFamily="34" charset="0"/>
+              </a:rPr>
+              <a:t>đó</a:t>
+            </a:r>
+            <a:r>
+              <a:rPr lang="en-US" sz="2400" dirty="0" smtClean="0">
+                <a:latin typeface="Arial" panose="020B0604020202020204" pitchFamily="34" charset="0"/>
+                <a:cs typeface="Arial" panose="020B0604020202020204" pitchFamily="34" charset="0"/>
+              </a:rPr>
+              <a:t> </a:t>
+            </a:r>
+            <a:r>
+              <a:rPr lang="en-US" sz="2400" dirty="0" err="1" smtClean="0">
+                <a:latin typeface="Arial" panose="020B0604020202020204" pitchFamily="34" charset="0"/>
+                <a:cs typeface="Arial" panose="020B0604020202020204" pitchFamily="34" charset="0"/>
+              </a:rPr>
+              <a:t>thì</a:t>
+            </a:r>
+            <a:r>
+              <a:rPr lang="en-US" sz="2400" dirty="0" smtClean="0">
+                <a:latin typeface="Arial" panose="020B0604020202020204" pitchFamily="34" charset="0"/>
+                <a:cs typeface="Arial" panose="020B0604020202020204" pitchFamily="34" charset="0"/>
+              </a:rPr>
+              <a:t> </a:t>
+            </a:r>
+            <a:r>
+              <a:rPr lang="en-US" sz="2400" dirty="0" err="1" smtClean="0">
+                <a:latin typeface="Arial" panose="020B0604020202020204" pitchFamily="34" charset="0"/>
+                <a:cs typeface="Arial" panose="020B0604020202020204" pitchFamily="34" charset="0"/>
+              </a:rPr>
+              <a:t>anh</a:t>
+            </a:r>
+            <a:r>
+              <a:rPr lang="en-US" sz="2400" dirty="0" smtClean="0">
+                <a:latin typeface="Arial" panose="020B0604020202020204" pitchFamily="34" charset="0"/>
+                <a:cs typeface="Arial" panose="020B0604020202020204" pitchFamily="34" charset="0"/>
+              </a:rPr>
+              <a:t> </a:t>
+            </a:r>
+            <a:r>
+              <a:rPr lang="en-US" sz="2400" dirty="0" err="1" smtClean="0">
+                <a:latin typeface="Arial" panose="020B0604020202020204" pitchFamily="34" charset="0"/>
+                <a:cs typeface="Arial" panose="020B0604020202020204" pitchFamily="34" charset="0"/>
+              </a:rPr>
+              <a:t>đã</a:t>
+            </a:r>
+            <a:r>
+              <a:rPr lang="en-US" sz="2400" dirty="0" smtClean="0">
+                <a:latin typeface="Arial" panose="020B0604020202020204" pitchFamily="34" charset="0"/>
+                <a:cs typeface="Arial" panose="020B0604020202020204" pitchFamily="34" charset="0"/>
+              </a:rPr>
+              <a:t> </a:t>
+            </a:r>
+            <a:r>
+              <a:rPr lang="en-US" sz="2400" dirty="0" err="1" smtClean="0">
+                <a:latin typeface="Arial" panose="020B0604020202020204" pitchFamily="34" charset="0"/>
+                <a:cs typeface="Arial" panose="020B0604020202020204" pitchFamily="34" charset="0"/>
+              </a:rPr>
+              <a:t>giải</a:t>
+            </a:r>
+            <a:r>
+              <a:rPr lang="en-US" sz="2400" dirty="0" smtClean="0">
+                <a:latin typeface="Arial" panose="020B0604020202020204" pitchFamily="34" charset="0"/>
+                <a:cs typeface="Arial" panose="020B0604020202020204" pitchFamily="34" charset="0"/>
+              </a:rPr>
+              <a:t> </a:t>
+            </a:r>
+            <a:r>
+              <a:rPr lang="en-US" sz="2400" dirty="0" err="1" smtClean="0">
+                <a:latin typeface="Arial" panose="020B0604020202020204" pitchFamily="34" charset="0"/>
+                <a:cs typeface="Arial" panose="020B0604020202020204" pitchFamily="34" charset="0"/>
+              </a:rPr>
+              <a:t>quyết</a:t>
+            </a:r>
+            <a:r>
+              <a:rPr lang="en-US" sz="2400" dirty="0" smtClean="0">
+                <a:latin typeface="Arial" panose="020B0604020202020204" pitchFamily="34" charset="0"/>
+                <a:cs typeface="Arial" panose="020B0604020202020204" pitchFamily="34" charset="0"/>
+              </a:rPr>
+              <a:t> </a:t>
+            </a:r>
+            <a:r>
+              <a:rPr lang="en-US" sz="2400" dirty="0" err="1" smtClean="0">
+                <a:latin typeface="Arial" panose="020B0604020202020204" pitchFamily="34" charset="0"/>
+                <a:cs typeface="Arial" panose="020B0604020202020204" pitchFamily="34" charset="0"/>
+              </a:rPr>
+              <a:t>chúng</a:t>
+            </a:r>
+            <a:r>
+              <a:rPr lang="en-US" sz="2400" dirty="0" smtClean="0">
+                <a:latin typeface="Arial" panose="020B0604020202020204" pitchFamily="34" charset="0"/>
+                <a:cs typeface="Arial" panose="020B0604020202020204" pitchFamily="34" charset="0"/>
+              </a:rPr>
+              <a:t> </a:t>
+            </a:r>
+            <a:r>
+              <a:rPr lang="en-US" sz="2400" dirty="0" err="1" smtClean="0">
+                <a:latin typeface="Arial" panose="020B0604020202020204" pitchFamily="34" charset="0"/>
+                <a:cs typeface="Arial" panose="020B0604020202020204" pitchFamily="34" charset="0"/>
+              </a:rPr>
+              <a:t>như</a:t>
+            </a:r>
+            <a:r>
+              <a:rPr lang="en-US" sz="2400" dirty="0" smtClean="0">
+                <a:latin typeface="Arial" panose="020B0604020202020204" pitchFamily="34" charset="0"/>
+                <a:cs typeface="Arial" panose="020B0604020202020204" pitchFamily="34" charset="0"/>
+              </a:rPr>
+              <a:t> </a:t>
+            </a:r>
+            <a:r>
+              <a:rPr lang="en-US" sz="2400" dirty="0" err="1" smtClean="0">
+                <a:latin typeface="Arial" panose="020B0604020202020204" pitchFamily="34" charset="0"/>
+                <a:cs typeface="Arial" panose="020B0604020202020204" pitchFamily="34" charset="0"/>
+              </a:rPr>
+              <a:t>thế</a:t>
+            </a:r>
+            <a:r>
+              <a:rPr lang="en-US" sz="2400" dirty="0" smtClean="0">
+                <a:latin typeface="Arial" panose="020B0604020202020204" pitchFamily="34" charset="0"/>
+                <a:cs typeface="Arial" panose="020B0604020202020204" pitchFamily="34" charset="0"/>
+              </a:rPr>
+              <a:t> </a:t>
+            </a:r>
+            <a:r>
+              <a:rPr lang="en-US" sz="2400" dirty="0" err="1" smtClean="0">
+                <a:latin typeface="Arial" panose="020B0604020202020204" pitchFamily="34" charset="0"/>
+                <a:cs typeface="Arial" panose="020B0604020202020204" pitchFamily="34" charset="0"/>
+              </a:rPr>
+              <a:t>nào</a:t>
+            </a:r>
+            <a:r>
+              <a:rPr lang="en-US" sz="2400" dirty="0" smtClean="0">
+                <a:latin typeface="Arial" panose="020B0604020202020204" pitchFamily="34" charset="0"/>
+                <a:cs typeface="Arial" panose="020B0604020202020204" pitchFamily="34" charset="0"/>
+              </a:rPr>
+              <a:t> ?</a:t>
+            </a:r>
+          </a:p>
+          <a:p>
+            <a:pPr>
+              <a:buFont typeface="Arial" panose="020B0604020202020204" pitchFamily="34" charset="0"/>
+              <a:buChar char="•"/>
+            </a:pPr>
+            <a:r>
+              <a:rPr lang="en-US" sz="2400" dirty="0" err="1" smtClean="0">
+                <a:latin typeface="Arial" panose="020B0604020202020204" pitchFamily="34" charset="0"/>
+                <a:cs typeface="Arial" panose="020B0604020202020204" pitchFamily="34" charset="0"/>
+              </a:rPr>
+              <a:t>Sau</a:t>
+            </a:r>
+            <a:r>
+              <a:rPr lang="en-US" sz="2400" dirty="0" smtClean="0">
+                <a:latin typeface="Arial" panose="020B0604020202020204" pitchFamily="34" charset="0"/>
+                <a:cs typeface="Arial" panose="020B0604020202020204" pitchFamily="34" charset="0"/>
+              </a:rPr>
+              <a:t> </a:t>
+            </a:r>
+            <a:r>
+              <a:rPr lang="en-US" sz="2400" dirty="0" err="1" smtClean="0">
+                <a:latin typeface="Arial" panose="020B0604020202020204" pitchFamily="34" charset="0"/>
+                <a:cs typeface="Arial" panose="020B0604020202020204" pitchFamily="34" charset="0"/>
+              </a:rPr>
+              <a:t>khi</a:t>
+            </a:r>
+            <a:r>
+              <a:rPr lang="en-US" sz="2400" dirty="0" smtClean="0">
+                <a:latin typeface="Arial" panose="020B0604020202020204" pitchFamily="34" charset="0"/>
+                <a:cs typeface="Arial" panose="020B0604020202020204" pitchFamily="34" charset="0"/>
+              </a:rPr>
+              <a:t> </a:t>
+            </a:r>
+            <a:r>
+              <a:rPr lang="en-US" sz="2400" dirty="0" err="1" smtClean="0">
+                <a:latin typeface="Arial" panose="020B0604020202020204" pitchFamily="34" charset="0"/>
+                <a:cs typeface="Arial" panose="020B0604020202020204" pitchFamily="34" charset="0"/>
+              </a:rPr>
+              <a:t>tốt</a:t>
+            </a:r>
+            <a:r>
+              <a:rPr lang="en-US" sz="2400" dirty="0" smtClean="0">
+                <a:latin typeface="Arial" panose="020B0604020202020204" pitchFamily="34" charset="0"/>
+                <a:cs typeface="Arial" panose="020B0604020202020204" pitchFamily="34" charset="0"/>
+              </a:rPr>
+              <a:t> </a:t>
+            </a:r>
+            <a:r>
+              <a:rPr lang="en-US" sz="2400" dirty="0" err="1" smtClean="0">
+                <a:latin typeface="Arial" panose="020B0604020202020204" pitchFamily="34" charset="0"/>
+                <a:cs typeface="Arial" panose="020B0604020202020204" pitchFamily="34" charset="0"/>
+              </a:rPr>
+              <a:t>nghiệp</a:t>
+            </a:r>
+            <a:r>
+              <a:rPr lang="en-US" sz="2400" dirty="0" smtClean="0">
+                <a:latin typeface="Arial" panose="020B0604020202020204" pitchFamily="34" charset="0"/>
+                <a:cs typeface="Arial" panose="020B0604020202020204" pitchFamily="34" charset="0"/>
+              </a:rPr>
+              <a:t>, </a:t>
+            </a:r>
+            <a:r>
+              <a:rPr lang="en-US" sz="2400" dirty="0" err="1" smtClean="0">
+                <a:latin typeface="Arial" panose="020B0604020202020204" pitchFamily="34" charset="0"/>
+                <a:cs typeface="Arial" panose="020B0604020202020204" pitchFamily="34" charset="0"/>
+              </a:rPr>
+              <a:t>anh</a:t>
+            </a:r>
+            <a:r>
+              <a:rPr lang="en-US" sz="2400" dirty="0" smtClean="0">
+                <a:latin typeface="Arial" panose="020B0604020202020204" pitchFamily="34" charset="0"/>
+                <a:cs typeface="Arial" panose="020B0604020202020204" pitchFamily="34" charset="0"/>
+              </a:rPr>
+              <a:t> </a:t>
+            </a:r>
+            <a:r>
+              <a:rPr lang="en-US" sz="2400" dirty="0" err="1" smtClean="0">
+                <a:latin typeface="Arial" panose="020B0604020202020204" pitchFamily="34" charset="0"/>
+                <a:cs typeface="Arial" panose="020B0604020202020204" pitchFamily="34" charset="0"/>
+              </a:rPr>
+              <a:t>đã</a:t>
+            </a:r>
+            <a:r>
+              <a:rPr lang="en-US" sz="2400" dirty="0" smtClean="0">
+                <a:latin typeface="Arial" panose="020B0604020202020204" pitchFamily="34" charset="0"/>
+                <a:cs typeface="Arial" panose="020B0604020202020204" pitchFamily="34" charset="0"/>
+              </a:rPr>
+              <a:t> </a:t>
+            </a:r>
+            <a:r>
+              <a:rPr lang="en-US" sz="2400" dirty="0" err="1" smtClean="0">
+                <a:latin typeface="Arial" panose="020B0604020202020204" pitchFamily="34" charset="0"/>
+                <a:cs typeface="Arial" panose="020B0604020202020204" pitchFamily="34" charset="0"/>
+              </a:rPr>
+              <a:t>có</a:t>
+            </a:r>
+            <a:r>
+              <a:rPr lang="en-US" sz="2400" dirty="0" smtClean="0">
+                <a:latin typeface="Arial" panose="020B0604020202020204" pitchFamily="34" charset="0"/>
+                <a:cs typeface="Arial" panose="020B0604020202020204" pitchFamily="34" charset="0"/>
+              </a:rPr>
+              <a:t> </a:t>
+            </a:r>
+            <a:r>
+              <a:rPr lang="en-US" sz="2400" dirty="0" err="1" smtClean="0">
+                <a:latin typeface="Arial" panose="020B0604020202020204" pitchFamily="34" charset="0"/>
+                <a:cs typeface="Arial" panose="020B0604020202020204" pitchFamily="34" charset="0"/>
+              </a:rPr>
+              <a:t>những</a:t>
+            </a:r>
+            <a:r>
+              <a:rPr lang="en-US" sz="2400" dirty="0" smtClean="0">
+                <a:latin typeface="Arial" panose="020B0604020202020204" pitchFamily="34" charset="0"/>
+                <a:cs typeface="Arial" panose="020B0604020202020204" pitchFamily="34" charset="0"/>
+              </a:rPr>
+              <a:t> </a:t>
+            </a:r>
+            <a:r>
+              <a:rPr lang="en-US" sz="2400" dirty="0" err="1" smtClean="0">
+                <a:latin typeface="Arial" panose="020B0604020202020204" pitchFamily="34" charset="0"/>
+                <a:cs typeface="Arial" panose="020B0604020202020204" pitchFamily="34" charset="0"/>
+              </a:rPr>
+              <a:t>định</a:t>
+            </a:r>
+            <a:r>
+              <a:rPr lang="en-US" sz="2400" dirty="0" smtClean="0">
+                <a:latin typeface="Arial" panose="020B0604020202020204" pitchFamily="34" charset="0"/>
+                <a:cs typeface="Arial" panose="020B0604020202020204" pitchFamily="34" charset="0"/>
+              </a:rPr>
+              <a:t> </a:t>
+            </a:r>
+            <a:r>
+              <a:rPr lang="en-US" sz="2400" dirty="0" err="1" smtClean="0">
+                <a:latin typeface="Arial" panose="020B0604020202020204" pitchFamily="34" charset="0"/>
+                <a:cs typeface="Arial" panose="020B0604020202020204" pitchFamily="34" charset="0"/>
+              </a:rPr>
+              <a:t>hướng</a:t>
+            </a:r>
+            <a:r>
+              <a:rPr lang="en-US" sz="2400" dirty="0" smtClean="0">
+                <a:latin typeface="Arial" panose="020B0604020202020204" pitchFamily="34" charset="0"/>
+                <a:cs typeface="Arial" panose="020B0604020202020204" pitchFamily="34" charset="0"/>
+              </a:rPr>
+              <a:t> </a:t>
+            </a:r>
+            <a:r>
+              <a:rPr lang="en-US" sz="2400" dirty="0" err="1" smtClean="0">
+                <a:latin typeface="Arial" panose="020B0604020202020204" pitchFamily="34" charset="0"/>
+                <a:cs typeface="Arial" panose="020B0604020202020204" pitchFamily="34" charset="0"/>
+              </a:rPr>
+              <a:t>gì</a:t>
+            </a:r>
+            <a:r>
+              <a:rPr lang="en-US" sz="2400" dirty="0" smtClean="0">
+                <a:latin typeface="Arial" panose="020B0604020202020204" pitchFamily="34" charset="0"/>
+                <a:cs typeface="Arial" panose="020B0604020202020204" pitchFamily="34" charset="0"/>
+              </a:rPr>
+              <a:t> </a:t>
+            </a:r>
+            <a:r>
+              <a:rPr lang="en-US" sz="2400" dirty="0" err="1" smtClean="0">
+                <a:latin typeface="Arial" panose="020B0604020202020204" pitchFamily="34" charset="0"/>
+                <a:cs typeface="Arial" panose="020B0604020202020204" pitchFamily="34" charset="0"/>
+              </a:rPr>
+              <a:t>cho</a:t>
+            </a:r>
+            <a:r>
+              <a:rPr lang="en-US" sz="2400" dirty="0" smtClean="0">
+                <a:latin typeface="Arial" panose="020B0604020202020204" pitchFamily="34" charset="0"/>
+                <a:cs typeface="Arial" panose="020B0604020202020204" pitchFamily="34" charset="0"/>
+              </a:rPr>
+              <a:t> </a:t>
+            </a:r>
+            <a:r>
+              <a:rPr lang="en-US" sz="2400" dirty="0" err="1" smtClean="0">
+                <a:latin typeface="Arial" panose="020B0604020202020204" pitchFamily="34" charset="0"/>
+                <a:cs typeface="Arial" panose="020B0604020202020204" pitchFamily="34" charset="0"/>
+              </a:rPr>
+              <a:t>mình</a:t>
+            </a:r>
+            <a:r>
+              <a:rPr lang="en-US" sz="2400" dirty="0" smtClean="0">
+                <a:latin typeface="Arial" panose="020B0604020202020204" pitchFamily="34" charset="0"/>
+                <a:cs typeface="Arial" panose="020B0604020202020204" pitchFamily="34" charset="0"/>
+              </a:rPr>
+              <a:t> </a:t>
+            </a:r>
+            <a:r>
+              <a:rPr lang="en-US" sz="2400" dirty="0" err="1" smtClean="0">
+                <a:latin typeface="Arial" panose="020B0604020202020204" pitchFamily="34" charset="0"/>
+                <a:cs typeface="Arial" panose="020B0604020202020204" pitchFamily="34" charset="0"/>
+              </a:rPr>
+              <a:t>chưa</a:t>
+            </a:r>
+            <a:r>
+              <a:rPr lang="en-US" sz="2400" dirty="0">
+                <a:latin typeface="Arial" panose="020B0604020202020204" pitchFamily="34" charset="0"/>
+                <a:cs typeface="Arial" panose="020B0604020202020204" pitchFamily="34" charset="0"/>
+              </a:rPr>
+              <a:t> </a:t>
+            </a:r>
+            <a:r>
+              <a:rPr lang="en-US" sz="2400" dirty="0" smtClean="0">
+                <a:latin typeface="Arial" panose="020B0604020202020204" pitchFamily="34" charset="0"/>
+                <a:cs typeface="Arial" panose="020B0604020202020204" pitchFamily="34" charset="0"/>
+              </a:rPr>
+              <a:t>?</a:t>
+            </a:r>
+          </a:p>
+          <a:p>
+            <a:pPr>
+              <a:buFont typeface="Arial" panose="020B0604020202020204" pitchFamily="34" charset="0"/>
+              <a:buChar char="•"/>
+            </a:pPr>
+            <a:r>
+              <a:rPr lang="en-US" sz="2400" dirty="0" err="1" smtClean="0">
+                <a:latin typeface="Arial" panose="020B0604020202020204" pitchFamily="34" charset="0"/>
+                <a:cs typeface="Arial" panose="020B0604020202020204" pitchFamily="34" charset="0"/>
+              </a:rPr>
+              <a:t>Anh</a:t>
+            </a:r>
+            <a:r>
+              <a:rPr lang="en-US" sz="2400" dirty="0" smtClean="0">
+                <a:latin typeface="Arial" panose="020B0604020202020204" pitchFamily="34" charset="0"/>
+                <a:cs typeface="Arial" panose="020B0604020202020204" pitchFamily="34" charset="0"/>
+              </a:rPr>
+              <a:t> </a:t>
+            </a:r>
+            <a:r>
+              <a:rPr lang="en-US" sz="2400" dirty="0" err="1" smtClean="0">
+                <a:latin typeface="Arial" panose="020B0604020202020204" pitchFamily="34" charset="0"/>
+                <a:cs typeface="Arial" panose="020B0604020202020204" pitchFamily="34" charset="0"/>
+              </a:rPr>
+              <a:t>có</a:t>
+            </a:r>
+            <a:r>
+              <a:rPr lang="en-US" sz="2400" dirty="0" smtClean="0">
+                <a:latin typeface="Arial" panose="020B0604020202020204" pitchFamily="34" charset="0"/>
+                <a:cs typeface="Arial" panose="020B0604020202020204" pitchFamily="34" charset="0"/>
+              </a:rPr>
+              <a:t> </a:t>
+            </a:r>
+            <a:r>
+              <a:rPr lang="en-US" sz="2400" dirty="0" err="1" smtClean="0">
+                <a:latin typeface="Arial" panose="020B0604020202020204" pitchFamily="34" charset="0"/>
+                <a:cs typeface="Arial" panose="020B0604020202020204" pitchFamily="34" charset="0"/>
+              </a:rPr>
+              <a:t>đưa</a:t>
+            </a:r>
+            <a:r>
+              <a:rPr lang="en-US" sz="2400" dirty="0" smtClean="0">
+                <a:latin typeface="Arial" panose="020B0604020202020204" pitchFamily="34" charset="0"/>
+                <a:cs typeface="Arial" panose="020B0604020202020204" pitchFamily="34" charset="0"/>
+              </a:rPr>
+              <a:t> </a:t>
+            </a:r>
+            <a:r>
+              <a:rPr lang="en-US" sz="2400" dirty="0" err="1" smtClean="0">
+                <a:latin typeface="Arial" panose="020B0604020202020204" pitchFamily="34" charset="0"/>
+                <a:cs typeface="Arial" panose="020B0604020202020204" pitchFamily="34" charset="0"/>
+              </a:rPr>
+              <a:t>ra</a:t>
+            </a:r>
+            <a:r>
+              <a:rPr lang="en-US" sz="2400" dirty="0" smtClean="0">
+                <a:latin typeface="Arial" panose="020B0604020202020204" pitchFamily="34" charset="0"/>
+                <a:cs typeface="Arial" panose="020B0604020202020204" pitchFamily="34" charset="0"/>
+              </a:rPr>
+              <a:t> </a:t>
+            </a:r>
+            <a:r>
+              <a:rPr lang="en-US" sz="2400" dirty="0" err="1" smtClean="0">
+                <a:latin typeface="Arial" panose="020B0604020202020204" pitchFamily="34" charset="0"/>
+                <a:cs typeface="Arial" panose="020B0604020202020204" pitchFamily="34" charset="0"/>
+              </a:rPr>
+              <a:t>lời</a:t>
+            </a:r>
+            <a:r>
+              <a:rPr lang="en-US" sz="2400" dirty="0" smtClean="0">
+                <a:latin typeface="Arial" panose="020B0604020202020204" pitchFamily="34" charset="0"/>
+                <a:cs typeface="Arial" panose="020B0604020202020204" pitchFamily="34" charset="0"/>
+              </a:rPr>
+              <a:t> </a:t>
+            </a:r>
+            <a:r>
+              <a:rPr lang="en-US" sz="2400" dirty="0" err="1" smtClean="0">
+                <a:latin typeface="Arial" panose="020B0604020202020204" pitchFamily="34" charset="0"/>
+                <a:cs typeface="Arial" panose="020B0604020202020204" pitchFamily="34" charset="0"/>
+              </a:rPr>
+              <a:t>khuyên</a:t>
+            </a:r>
+            <a:r>
+              <a:rPr lang="en-US" sz="2400" dirty="0" smtClean="0">
+                <a:latin typeface="Arial" panose="020B0604020202020204" pitchFamily="34" charset="0"/>
+                <a:cs typeface="Arial" panose="020B0604020202020204" pitchFamily="34" charset="0"/>
+              </a:rPr>
+              <a:t> </a:t>
+            </a:r>
+            <a:r>
+              <a:rPr lang="en-US" sz="2400" dirty="0" err="1" smtClean="0">
+                <a:latin typeface="Arial" panose="020B0604020202020204" pitchFamily="34" charset="0"/>
+                <a:cs typeface="Arial" panose="020B0604020202020204" pitchFamily="34" charset="0"/>
+              </a:rPr>
+              <a:t>gì</a:t>
+            </a:r>
+            <a:r>
+              <a:rPr lang="en-US" sz="2400" dirty="0" smtClean="0">
+                <a:latin typeface="Arial" panose="020B0604020202020204" pitchFamily="34" charset="0"/>
+                <a:cs typeface="Arial" panose="020B0604020202020204" pitchFamily="34" charset="0"/>
+              </a:rPr>
+              <a:t> </a:t>
+            </a:r>
+            <a:r>
+              <a:rPr lang="en-US" sz="2400" dirty="0" err="1" smtClean="0">
+                <a:latin typeface="Arial" panose="020B0604020202020204" pitchFamily="34" charset="0"/>
+                <a:cs typeface="Arial" panose="020B0604020202020204" pitchFamily="34" charset="0"/>
+              </a:rPr>
+              <a:t>dành</a:t>
+            </a:r>
+            <a:r>
+              <a:rPr lang="en-US" sz="2400" dirty="0" smtClean="0">
+                <a:latin typeface="Arial" panose="020B0604020202020204" pitchFamily="34" charset="0"/>
+                <a:cs typeface="Arial" panose="020B0604020202020204" pitchFamily="34" charset="0"/>
+              </a:rPr>
+              <a:t> </a:t>
+            </a:r>
+            <a:r>
+              <a:rPr lang="en-US" sz="2400" dirty="0" err="1" smtClean="0">
+                <a:latin typeface="Arial" panose="020B0604020202020204" pitchFamily="34" charset="0"/>
+                <a:cs typeface="Arial" panose="020B0604020202020204" pitchFamily="34" charset="0"/>
+              </a:rPr>
+              <a:t>cho</a:t>
+            </a:r>
+            <a:r>
+              <a:rPr lang="en-US" sz="2400" dirty="0" smtClean="0">
+                <a:latin typeface="Arial" panose="020B0604020202020204" pitchFamily="34" charset="0"/>
+                <a:cs typeface="Arial" panose="020B0604020202020204" pitchFamily="34" charset="0"/>
+              </a:rPr>
+              <a:t> </a:t>
+            </a:r>
+            <a:r>
+              <a:rPr lang="en-US" sz="2400" dirty="0" err="1" smtClean="0">
+                <a:latin typeface="Arial" panose="020B0604020202020204" pitchFamily="34" charset="0"/>
+                <a:cs typeface="Arial" panose="020B0604020202020204" pitchFamily="34" charset="0"/>
+              </a:rPr>
+              <a:t>sinh</a:t>
+            </a:r>
+            <a:r>
+              <a:rPr lang="en-US" sz="2400" dirty="0" smtClean="0">
+                <a:latin typeface="Arial" panose="020B0604020202020204" pitchFamily="34" charset="0"/>
+                <a:cs typeface="Arial" panose="020B0604020202020204" pitchFamily="34" charset="0"/>
+              </a:rPr>
+              <a:t> </a:t>
+            </a:r>
+            <a:r>
+              <a:rPr lang="en-US" sz="2400" dirty="0" err="1" smtClean="0">
+                <a:latin typeface="Arial" panose="020B0604020202020204" pitchFamily="34" charset="0"/>
+                <a:cs typeface="Arial" panose="020B0604020202020204" pitchFamily="34" charset="0"/>
+              </a:rPr>
+              <a:t>viên</a:t>
+            </a:r>
+            <a:r>
+              <a:rPr lang="en-US" sz="2400" dirty="0" smtClean="0">
+                <a:latin typeface="Arial" panose="020B0604020202020204" pitchFamily="34" charset="0"/>
+                <a:cs typeface="Arial" panose="020B0604020202020204" pitchFamily="34" charset="0"/>
+              </a:rPr>
+              <a:t> hay </a:t>
+            </a:r>
+            <a:r>
+              <a:rPr lang="en-US" sz="2400" dirty="0" err="1" smtClean="0">
+                <a:latin typeface="Arial" panose="020B0604020202020204" pitchFamily="34" charset="0"/>
+                <a:cs typeface="Arial" panose="020B0604020202020204" pitchFamily="34" charset="0"/>
+              </a:rPr>
+              <a:t>không</a:t>
+            </a:r>
+            <a:r>
+              <a:rPr lang="en-US" sz="2400" dirty="0" smtClean="0">
+                <a:latin typeface="Arial" panose="020B0604020202020204" pitchFamily="34" charset="0"/>
+                <a:cs typeface="Arial" panose="020B0604020202020204" pitchFamily="34" charset="0"/>
+              </a:rPr>
+              <a:t> ?</a:t>
+            </a:r>
+            <a:endParaRPr lang="en-US" sz="2400" dirty="0">
+              <a:latin typeface="Arial" panose="020B0604020202020204" pitchFamily="34" charset="0"/>
+              <a:cs typeface="Arial" panose="020B0604020202020204" pitchFamily="34" charset="0"/>
+            </a:endParaRPr>
           </a:p>
         </p:txBody>
       </p:sp>
@@ -11255,10 +12972,57 @@
         </p:nvSpPr>
         <p:spPr/>
         <p:txBody>
-          <a:bodyPr/>
+          <a:bodyPr>
+            <a:normAutofit/>
+          </a:bodyPr>
           <a:lstStyle/>
           <a:p>
-            <a:endParaRPr lang="en-US"/>
+            <a:r>
+              <a:rPr lang="en-US" sz="2400" dirty="0" smtClean="0">
+                <a:latin typeface="Arial" panose="020B0604020202020204" pitchFamily="34" charset="0"/>
+                <a:cs typeface="Arial" panose="020B0604020202020204" pitchFamily="34" charset="0"/>
+              </a:rPr>
+              <a:t>c. </a:t>
+            </a:r>
+            <a:r>
+              <a:rPr lang="en-US" sz="2400" dirty="0" err="1" smtClean="0">
+                <a:latin typeface="Arial" panose="020B0604020202020204" pitchFamily="34" charset="0"/>
+                <a:cs typeface="Arial" panose="020B0604020202020204" pitchFamily="34" charset="0"/>
+              </a:rPr>
+              <a:t>Nội</a:t>
+            </a:r>
+            <a:r>
+              <a:rPr lang="en-US" sz="2400" dirty="0" smtClean="0">
+                <a:latin typeface="Arial" panose="020B0604020202020204" pitchFamily="34" charset="0"/>
+                <a:cs typeface="Arial" panose="020B0604020202020204" pitchFamily="34" charset="0"/>
+              </a:rPr>
+              <a:t> dung </a:t>
+            </a:r>
+            <a:r>
+              <a:rPr lang="en-US" sz="2400" dirty="0" err="1" smtClean="0">
+                <a:latin typeface="Arial" panose="020B0604020202020204" pitchFamily="34" charset="0"/>
+                <a:cs typeface="Arial" panose="020B0604020202020204" pitchFamily="34" charset="0"/>
+              </a:rPr>
+              <a:t>phỏng</a:t>
+            </a:r>
+            <a:r>
+              <a:rPr lang="en-US" sz="2400" dirty="0" smtClean="0">
+                <a:latin typeface="Arial" panose="020B0604020202020204" pitchFamily="34" charset="0"/>
+                <a:cs typeface="Arial" panose="020B0604020202020204" pitchFamily="34" charset="0"/>
+              </a:rPr>
+              <a:t> </a:t>
+            </a:r>
+            <a:r>
+              <a:rPr lang="en-US" sz="2400" dirty="0" err="1" smtClean="0">
+                <a:latin typeface="Arial" panose="020B0604020202020204" pitchFamily="34" charset="0"/>
+                <a:cs typeface="Arial" panose="020B0604020202020204" pitchFamily="34" charset="0"/>
+              </a:rPr>
+              <a:t>vấn</a:t>
+            </a:r>
+            <a:endParaRPr lang="en-US" sz="2400" dirty="0">
+              <a:latin typeface="Arial" panose="020B0604020202020204" pitchFamily="34" charset="0"/>
+              <a:cs typeface="Arial" panose="020B0604020202020204" pitchFamily="34" charset="0"/>
+            </a:endParaRPr>
           </a:p>
         </p:txBody>
       </p:sp>
@@ -11316,7 +13080,7 @@
         </p:nvGraphicFramePr>
         <p:xfrm>
           <a:off x="838200" y="2057400"/>
-          <a:ext cx="7467600" cy="3698617"/>
+          <a:ext cx="7467600" cy="3863340"/>
         </p:xfrm>
         <a:graphic>
           <a:graphicData uri="http://schemas.openxmlformats.org/drawingml/2006/table">
@@ -11325,12 +13089,48 @@
                 <a:tableStyleId>{5C22544A-7EE6-4342-B048-85BDC9FD1C3A}</a:tableStyleId>
               </a:tblPr>
               <a:tblGrid>
-                <a:gridCol w="445827"/>
-                <a:gridCol w="1058839"/>
-                <a:gridCol w="1783307"/>
-                <a:gridCol w="1058839"/>
-                <a:gridCol w="2061949"/>
-                <a:gridCol w="1058839"/>
+                <a:gridCol w="445827">
+                  <a:extLst>
+                    <a:ext uri="{9D8B030D-6E8A-4147-A177-3AD203B41FA5}">
+                      <a16:colId xmlns:a16="http://schemas.microsoft.com/office/drawing/2014/main" val="20000"/>
+                    </a:ext>
+                  </a:extLst>
+                </a:gridCol>
+                <a:gridCol w="1058839">
+                  <a:extLst>
+                    <a:ext uri="{9D8B030D-6E8A-4147-A177-3AD203B41FA5}">
+                      <a16:colId xmlns:a16="http://schemas.microsoft.com/office/drawing/2014/main" val="20001"/>
+                    </a:ext>
+                  </a:extLst>
+                </a:gridCol>
+                <a:gridCol w="1783307">
+                  <a:extLst>
+                    <a:ext uri="{9D8B030D-6E8A-4147-A177-3AD203B41FA5}">
+                      <a16:colId xmlns:a16="http://schemas.microsoft.com/office/drawing/2014/main" val="20002"/>
+                    </a:ext>
+                  </a:extLst>
+                </a:gridCol>
+                <a:gridCol w="1058839">
+                  <a:extLst>
+                    <a:ext uri="{9D8B030D-6E8A-4147-A177-3AD203B41FA5}">
+                      <a16:colId xmlns:a16="http://schemas.microsoft.com/office/drawing/2014/main" val="20003"/>
+                    </a:ext>
+                  </a:extLst>
+                </a:gridCol>
+                <a:gridCol w="2061949">
+                  <a:extLst>
+                    <a:ext uri="{9D8B030D-6E8A-4147-A177-3AD203B41FA5}">
+                      <a16:colId xmlns:a16="http://schemas.microsoft.com/office/drawing/2014/main" val="20004"/>
+                    </a:ext>
+                  </a:extLst>
+                </a:gridCol>
+                <a:gridCol w="1058839">
+                  <a:extLst>
+                    <a:ext uri="{9D8B030D-6E8A-4147-A177-3AD203B41FA5}">
+                      <a16:colId xmlns:a16="http://schemas.microsoft.com/office/drawing/2014/main" val="20005"/>
+                    </a:ext>
+                  </a:extLst>
+                </a:gridCol>
               </a:tblGrid>
               <a:tr h="289787">
                 <a:tc>
@@ -11525,6 +13325,11 @@
                   </a:txBody>
                   <a:tcPr marL="66874" marR="66874" marT="0" marB="0" anchor="ctr"/>
                 </a:tc>
+                <a:extLst>
+                  <a:ext uri="{0D108BD9-81ED-4DB2-BD59-A6C34878D82A}">
+                    <a16:rowId xmlns:a16="http://schemas.microsoft.com/office/drawing/2014/main" val="10000"/>
+                  </a:ext>
+                </a:extLst>
               </a:tr>
               <a:tr h="450780">
                 <a:tc>
@@ -11719,6 +13524,11 @@
                   </a:txBody>
                   <a:tcPr marL="66874" marR="66874" marT="0" marB="0" anchor="ctr"/>
                 </a:tc>
+                <a:extLst>
+                  <a:ext uri="{0D108BD9-81ED-4DB2-BD59-A6C34878D82A}">
+                    <a16:rowId xmlns:a16="http://schemas.microsoft.com/office/drawing/2014/main" val="10001"/>
+                  </a:ext>
+                </a:extLst>
               </a:tr>
               <a:tr h="579575">
                 <a:tc>
@@ -11913,6 +13723,11 @@
                   </a:txBody>
                   <a:tcPr marL="66874" marR="66874" marT="0" marB="0" anchor="ctr"/>
                 </a:tc>
+                <a:extLst>
+                  <a:ext uri="{0D108BD9-81ED-4DB2-BD59-A6C34878D82A}">
+                    <a16:rowId xmlns:a16="http://schemas.microsoft.com/office/drawing/2014/main" val="10002"/>
+                  </a:ext>
+                </a:extLst>
               </a:tr>
               <a:tr h="289787">
                 <a:tc>
@@ -12107,6 +13922,11 @@
                   </a:txBody>
                   <a:tcPr marL="66874" marR="66874" marT="0" marB="0" anchor="ctr"/>
                 </a:tc>
+                <a:extLst>
+                  <a:ext uri="{0D108BD9-81ED-4DB2-BD59-A6C34878D82A}">
+                    <a16:rowId xmlns:a16="http://schemas.microsoft.com/office/drawing/2014/main" val="10003"/>
+                  </a:ext>
+                </a:extLst>
               </a:tr>
               <a:tr h="289787">
                 <a:tc>
@@ -12301,6 +14121,11 @@
                   </a:txBody>
                   <a:tcPr marL="66874" marR="66874" marT="0" marB="0" anchor="ctr"/>
                 </a:tc>
+                <a:extLst>
+                  <a:ext uri="{0D108BD9-81ED-4DB2-BD59-A6C34878D82A}">
+                    <a16:rowId xmlns:a16="http://schemas.microsoft.com/office/drawing/2014/main" val="10004"/>
+                  </a:ext>
+                </a:extLst>
               </a:tr>
               <a:tr h="289787">
                 <a:tc>
@@ -12495,6 +14320,11 @@
                   </a:txBody>
                   <a:tcPr marL="66874" marR="66874" marT="0" marB="0" anchor="ctr"/>
                 </a:tc>
+                <a:extLst>
+                  <a:ext uri="{0D108BD9-81ED-4DB2-BD59-A6C34878D82A}">
+                    <a16:rowId xmlns:a16="http://schemas.microsoft.com/office/drawing/2014/main" val="10005"/>
+                  </a:ext>
+                </a:extLst>
               </a:tr>
               <a:tr h="579575">
                 <a:tc>
@@ -12689,6 +14519,11 @@
                   </a:txBody>
                   <a:tcPr marL="66874" marR="66874" marT="0" marB="0" anchor="ctr"/>
                 </a:tc>
+                <a:extLst>
+                  <a:ext uri="{0D108BD9-81ED-4DB2-BD59-A6C34878D82A}">
+                    <a16:rowId xmlns:a16="http://schemas.microsoft.com/office/drawing/2014/main" val="10006"/>
+                  </a:ext>
+                </a:extLst>
               </a:tr>
             </a:tbl>
           </a:graphicData>
@@ -13144,7 +14979,7 @@
         </p:nvGraphicFramePr>
         <p:xfrm>
           <a:off x="914400" y="2083911"/>
-          <a:ext cx="7467600" cy="3698617"/>
+          <a:ext cx="7467600" cy="3863340"/>
         </p:xfrm>
         <a:graphic>
           <a:graphicData uri="http://schemas.openxmlformats.org/drawingml/2006/table">
@@ -13153,12 +14988,48 @@
                 <a:tableStyleId>{5C22544A-7EE6-4342-B048-85BDC9FD1C3A}</a:tableStyleId>
               </a:tblPr>
               <a:tblGrid>
-                <a:gridCol w="445827"/>
-                <a:gridCol w="1058839"/>
-                <a:gridCol w="1783307"/>
-                <a:gridCol w="1058839"/>
-                <a:gridCol w="2061949"/>
-                <a:gridCol w="1058839"/>
+                <a:gridCol w="445827">
+                  <a:extLst>
+                    <a:ext uri="{9D8B030D-6E8A-4147-A177-3AD203B41FA5}">
+                      <a16:colId xmlns:a16="http://schemas.microsoft.com/office/drawing/2014/main" val="20000"/>
+                    </a:ext>
+                  </a:extLst>
+                </a:gridCol>
+                <a:gridCol w="1058839">
+                  <a:extLst>
+                    <a:ext uri="{9D8B030D-6E8A-4147-A177-3AD203B41FA5}">
+                      <a16:colId xmlns:a16="http://schemas.microsoft.com/office/drawing/2014/main" val="20001"/>
+                    </a:ext>
+                  </a:extLst>
+                </a:gridCol>
+                <a:gridCol w="1783307">
+                  <a:extLst>
+                    <a:ext uri="{9D8B030D-6E8A-4147-A177-3AD203B41FA5}">
+                      <a16:colId xmlns:a16="http://schemas.microsoft.com/office/drawing/2014/main" val="20002"/>
+                    </a:ext>
+                  </a:extLst>
+                </a:gridCol>
+                <a:gridCol w="1058839">
+                  <a:extLst>
+                    <a:ext uri="{9D8B030D-6E8A-4147-A177-3AD203B41FA5}">
+                      <a16:colId xmlns:a16="http://schemas.microsoft.com/office/drawing/2014/main" val="20003"/>
+                    </a:ext>
+                  </a:extLst>
+                </a:gridCol>
+                <a:gridCol w="2061949">
+                  <a:extLst>
+                    <a:ext uri="{9D8B030D-6E8A-4147-A177-3AD203B41FA5}">
+                      <a16:colId xmlns:a16="http://schemas.microsoft.com/office/drawing/2014/main" val="20004"/>
+                    </a:ext>
+                  </a:extLst>
+                </a:gridCol>
+                <a:gridCol w="1058839">
+                  <a:extLst>
+                    <a:ext uri="{9D8B030D-6E8A-4147-A177-3AD203B41FA5}">
+                      <a16:colId xmlns:a16="http://schemas.microsoft.com/office/drawing/2014/main" val="20005"/>
+                    </a:ext>
+                  </a:extLst>
+                </a:gridCol>
               </a:tblGrid>
               <a:tr h="289787">
                 <a:tc>
@@ -13353,6 +15224,11 @@
                   </a:txBody>
                   <a:tcPr marL="66874" marR="66874" marT="0" marB="0" anchor="ctr"/>
                 </a:tc>
+                <a:extLst>
+                  <a:ext uri="{0D108BD9-81ED-4DB2-BD59-A6C34878D82A}">
+                    <a16:rowId xmlns:a16="http://schemas.microsoft.com/office/drawing/2014/main" val="10000"/>
+                  </a:ext>
+                </a:extLst>
               </a:tr>
               <a:tr h="450780">
                 <a:tc>
@@ -13547,6 +15423,11 @@
                   </a:txBody>
                   <a:tcPr marL="66874" marR="66874" marT="0" marB="0" anchor="ctr"/>
                 </a:tc>
+                <a:extLst>
+                  <a:ext uri="{0D108BD9-81ED-4DB2-BD59-A6C34878D82A}">
+                    <a16:rowId xmlns:a16="http://schemas.microsoft.com/office/drawing/2014/main" val="10001"/>
+                  </a:ext>
+                </a:extLst>
               </a:tr>
               <a:tr h="579575">
                 <a:tc>
@@ -13741,6 +15622,11 @@
                   </a:txBody>
                   <a:tcPr marL="66874" marR="66874" marT="0" marB="0" anchor="ctr"/>
                 </a:tc>
+                <a:extLst>
+                  <a:ext uri="{0D108BD9-81ED-4DB2-BD59-A6C34878D82A}">
+                    <a16:rowId xmlns:a16="http://schemas.microsoft.com/office/drawing/2014/main" val="10002"/>
+                  </a:ext>
+                </a:extLst>
               </a:tr>
               <a:tr h="289787">
                 <a:tc>
@@ -13935,6 +15821,11 @@
                   </a:txBody>
                   <a:tcPr marL="66874" marR="66874" marT="0" marB="0" anchor="ctr"/>
                 </a:tc>
+                <a:extLst>
+                  <a:ext uri="{0D108BD9-81ED-4DB2-BD59-A6C34878D82A}">
+                    <a16:rowId xmlns:a16="http://schemas.microsoft.com/office/drawing/2014/main" val="10003"/>
+                  </a:ext>
+                </a:extLst>
               </a:tr>
               <a:tr h="289787">
                 <a:tc>
@@ -14129,6 +16020,11 @@
                   </a:txBody>
                   <a:tcPr marL="66874" marR="66874" marT="0" marB="0" anchor="ctr"/>
                 </a:tc>
+                <a:extLst>
+                  <a:ext uri="{0D108BD9-81ED-4DB2-BD59-A6C34878D82A}">
+                    <a16:rowId xmlns:a16="http://schemas.microsoft.com/office/drawing/2014/main" val="10004"/>
+                  </a:ext>
+                </a:extLst>
               </a:tr>
               <a:tr h="289787">
                 <a:tc>
@@ -14323,6 +16219,11 @@
                   </a:txBody>
                   <a:tcPr marL="66874" marR="66874" marT="0" marB="0" anchor="ctr"/>
                 </a:tc>
+                <a:extLst>
+                  <a:ext uri="{0D108BD9-81ED-4DB2-BD59-A6C34878D82A}">
+                    <a16:rowId xmlns:a16="http://schemas.microsoft.com/office/drawing/2014/main" val="10005"/>
+                  </a:ext>
+                </a:extLst>
               </a:tr>
               <a:tr h="579575">
                 <a:tc>
@@ -14517,6 +16418,11 @@
                   </a:txBody>
                   <a:tcPr marL="66874" marR="66874" marT="0" marB="0" anchor="ctr"/>
                 </a:tc>
+                <a:extLst>
+                  <a:ext uri="{0D108BD9-81ED-4DB2-BD59-A6C34878D82A}">
+                    <a16:rowId xmlns:a16="http://schemas.microsoft.com/office/drawing/2014/main" val="10006"/>
+                  </a:ext>
+                </a:extLst>
               </a:tr>
             </a:tbl>
           </a:graphicData>
